--- a/doc/layout(specification_in_slideNote).pptx
+++ b/doc/layout(specification_in_slideNote).pptx
@@ -5,7 +5,7 @@
     <p:sldMasterId id="2147483648" r:id="rId1"/>
   </p:sldMasterIdLst>
   <p:notesMasterIdLst>
-    <p:notesMasterId r:id="rId11"/>
+    <p:notesMasterId r:id="rId12"/>
   </p:notesMasterIdLst>
   <p:sldIdLst>
     <p:sldId id="261" r:id="rId2"/>
@@ -14,9 +14,10 @@
     <p:sldId id="273" r:id="rId5"/>
     <p:sldId id="274" r:id="rId6"/>
     <p:sldId id="275" r:id="rId7"/>
-    <p:sldId id="268" r:id="rId8"/>
-    <p:sldId id="269" r:id="rId9"/>
-    <p:sldId id="270" r:id="rId10"/>
+    <p:sldId id="276" r:id="rId8"/>
+    <p:sldId id="268" r:id="rId9"/>
+    <p:sldId id="269" r:id="rId10"/>
+    <p:sldId id="270" r:id="rId11"/>
   </p:sldIdLst>
   <p:sldSz cx="12192000" cy="6858000"/>
   <p:notesSz cx="6858000" cy="9144000"/>
@@ -205,7 +206,7 @@
           <a:p>
             <a:fld id="{4896269B-4557-4528-9720-78BD4DC11D7E}" type="datetimeFigureOut">
               <a:rPr lang="en-US" smtClean="0"/>
-              <a:t>8/5/15 Wed</a:t>
+              <a:t>8/6/15 Thu</a:t>
             </a:fld>
             <a:endParaRPr lang="en-US"/>
           </a:p>
@@ -995,7 +996,7 @@
             </a:r>
             <a:r>
               <a:rPr lang="en-US" baseline="0" dirty="0" smtClean="0"/>
-              <a:t> Logic</a:t>
+              <a:t> Login</a:t>
             </a:r>
             <a:r>
               <a:rPr lang="ko-KR" altLang="en-US" baseline="0" dirty="0" smtClean="0"/>
@@ -1309,6 +1310,94 @@
     <p:extLst>
       <p:ext uri="{BB962C8B-B14F-4D97-AF65-F5344CB8AC3E}">
         <p14:creationId xmlns:p14="http://schemas.microsoft.com/office/powerpoint/2010/main" val="281568248"/>
+      </p:ext>
+    </p:extLst>
+  </p:cSld>
+  <p:clrMapOvr>
+    <a:masterClrMapping/>
+  </p:clrMapOvr>
+</p:notes>
+</file>
+
+<file path=ppt/notesSlides/notesSlide10.xml><?xml version="1.0" encoding="utf-8"?>
+<p:notes xmlns:a="http://schemas.openxmlformats.org/drawingml/2006/main" xmlns:r="http://schemas.openxmlformats.org/officeDocument/2006/relationships" xmlns:p="http://schemas.openxmlformats.org/presentationml/2006/main">
+  <p:cSld>
+    <p:spTree>
+      <p:nvGrpSpPr>
+        <p:cNvPr id="1" name=""/>
+        <p:cNvGrpSpPr/>
+        <p:nvPr/>
+      </p:nvGrpSpPr>
+      <p:grpSpPr>
+        <a:xfrm>
+          <a:off x="0" y="0"/>
+          <a:ext cx="0" cy="0"/>
+          <a:chOff x="0" y="0"/>
+          <a:chExt cx="0" cy="0"/>
+        </a:xfrm>
+      </p:grpSpPr>
+      <p:sp>
+        <p:nvSpPr>
+          <p:cNvPr id="2" name="슬라이드 이미지 개체 틀 1"/>
+          <p:cNvSpPr>
+            <a:spLocks noGrp="1" noRot="1" noChangeAspect="1"/>
+          </p:cNvSpPr>
+          <p:nvPr>
+            <p:ph type="sldImg"/>
+          </p:nvPr>
+        </p:nvSpPr>
+        <p:spPr/>
+      </p:sp>
+      <p:sp>
+        <p:nvSpPr>
+          <p:cNvPr id="3" name="슬라이드 노트 개체 틀 2"/>
+          <p:cNvSpPr>
+            <a:spLocks noGrp="1"/>
+          </p:cNvSpPr>
+          <p:nvPr>
+            <p:ph type="body" idx="1"/>
+          </p:nvPr>
+        </p:nvSpPr>
+        <p:spPr/>
+        <p:txBody>
+          <a:bodyPr/>
+          <a:lstStyle/>
+          <a:p>
+            <a:r>
+              <a:rPr lang="en-US" dirty="0" err="1" smtClean="0"/>
+              <a:t>mypage</a:t>
+            </a:r>
+            <a:endParaRPr lang="en-US" dirty="0" smtClean="0"/>
+          </a:p>
+        </p:txBody>
+      </p:sp>
+      <p:sp>
+        <p:nvSpPr>
+          <p:cNvPr id="4" name="슬라이드 번호 개체 틀 3"/>
+          <p:cNvSpPr>
+            <a:spLocks noGrp="1"/>
+          </p:cNvSpPr>
+          <p:nvPr>
+            <p:ph type="sldNum" sz="quarter" idx="10"/>
+          </p:nvPr>
+        </p:nvSpPr>
+        <p:spPr/>
+        <p:txBody>
+          <a:bodyPr/>
+          <a:lstStyle/>
+          <a:p>
+            <a:fld id="{8329B553-C56A-4310-91E3-4E48FC72B005}" type="slidenum">
+              <a:rPr lang="en-US" smtClean="0"/>
+              <a:t>10</a:t>
+            </a:fld>
+            <a:endParaRPr lang="en-US"/>
+          </a:p>
+        </p:txBody>
+      </p:sp>
+    </p:spTree>
+    <p:extLst>
+      <p:ext uri="{BB962C8B-B14F-4D97-AF65-F5344CB8AC3E}">
+        <p14:creationId xmlns:p14="http://schemas.microsoft.com/office/powerpoint/2010/main" val="3815960338"/>
       </p:ext>
     </p:extLst>
   </p:cSld>
@@ -2892,21 +2981,6 @@
           <a:p>
             <a:endParaRPr lang="en-US" dirty="0" smtClean="0"/>
           </a:p>
-          <a:p>
-            <a:endParaRPr lang="en-US" dirty="0" smtClean="0"/>
-          </a:p>
-          <a:p>
-            <a:endParaRPr lang="en-US" dirty="0" smtClean="0"/>
-          </a:p>
-          <a:p>
-            <a:endParaRPr lang="en-US" dirty="0" smtClean="0"/>
-          </a:p>
-          <a:p>
-            <a:endParaRPr lang="en-US" dirty="0" smtClean="0"/>
-          </a:p>
-          <a:p>
-            <a:endParaRPr lang="en-US" dirty="0" smtClean="0"/>
-          </a:p>
         </p:txBody>
       </p:sp>
       <p:sp>
@@ -3665,8 +3739,171 @@
           <a:p>
             <a:r>
               <a:rPr lang="en-US" dirty="0" smtClean="0"/>
+              <a:t>URL: </a:t>
+            </a:r>
+            <a:r>
+              <a:rPr lang="en-US" dirty="0" err="1" smtClean="0"/>
+              <a:t>localhost</a:t>
+            </a:r>
+            <a:r>
+              <a:rPr lang="en-US" dirty="0" smtClean="0"/>
+              <a:t>/login</a:t>
+            </a:r>
+          </a:p>
+          <a:p>
+            <a:r>
+              <a:rPr lang="en-US" dirty="0" smtClean="0"/>
+              <a:t>Controller:</a:t>
+            </a:r>
+            <a:r>
+              <a:rPr lang="en-US" baseline="0" dirty="0" smtClean="0"/>
+              <a:t> </a:t>
+            </a:r>
+            <a:r>
+              <a:rPr lang="en-US" baseline="0" dirty="0" err="1" smtClean="0"/>
+              <a:t>Login.php</a:t>
+            </a:r>
+            <a:endParaRPr lang="en-US" dirty="0" smtClean="0"/>
+          </a:p>
+          <a:p>
+            <a:r>
+              <a:rPr lang="en-US" dirty="0" smtClean="0"/>
+              <a:t>=======================================</a:t>
+            </a:r>
+          </a:p>
+          <a:p>
+            <a:r>
+              <a:rPr lang="en-US" dirty="0" smtClean="0"/>
+              <a:t>header</a:t>
+            </a:r>
+          </a:p>
+          <a:p>
+            <a:r>
+              <a:rPr lang="en-US" dirty="0" smtClean="0"/>
+              <a:t>  logo,</a:t>
+            </a:r>
+            <a:r>
+              <a:rPr lang="en-US" baseline="0" dirty="0" smtClean="0"/>
+              <a:t> </a:t>
+            </a:r>
+            <a:r>
+              <a:rPr lang="en-US" baseline="0" dirty="0" err="1" smtClean="0"/>
+              <a:t>dropdown_menu</a:t>
+            </a:r>
+            <a:r>
+              <a:rPr lang="en-US" baseline="0" dirty="0" smtClean="0"/>
+              <a:t>, </a:t>
+            </a:r>
+            <a:r>
+              <a:rPr lang="en-US" baseline="0" dirty="0" err="1" smtClean="0"/>
+              <a:t>search_bar</a:t>
+            </a:r>
+            <a:r>
+              <a:rPr lang="en-US" baseline="0" dirty="0" smtClean="0"/>
+              <a:t>, </a:t>
+            </a:r>
+            <a:r>
+              <a:rPr lang="en-US" baseline="0" dirty="0" err="1" smtClean="0"/>
+              <a:t>add_term</a:t>
+            </a:r>
+            <a:r>
+              <a:rPr lang="en-US" baseline="0" dirty="0" smtClean="0"/>
+              <a:t>, login</a:t>
+            </a:r>
+          </a:p>
+          <a:p>
+            <a:endParaRPr lang="en-US" baseline="0" dirty="0" smtClean="0"/>
+          </a:p>
+          <a:p>
+            <a:r>
+              <a:rPr lang="en-US" baseline="0" dirty="0" err="1" smtClean="0"/>
+              <a:t>upper_bar</a:t>
+            </a:r>
+            <a:endParaRPr lang="en-US" baseline="0" dirty="0" smtClean="0"/>
+          </a:p>
+          <a:p>
+            <a:r>
+              <a:rPr lang="en-US" baseline="0" dirty="0" smtClean="0"/>
+              <a:t>    </a:t>
+            </a:r>
+          </a:p>
+          <a:p>
+            <a:r>
+              <a:rPr lang="en-US" baseline="0" dirty="0" smtClean="0"/>
               <a:t>login</a:t>
             </a:r>
+          </a:p>
+          <a:p>
+            <a:r>
+              <a:rPr lang="en-US" baseline="0" dirty="0" smtClean="0"/>
+              <a:t>  </a:t>
+            </a:r>
+          </a:p>
+          <a:p>
+            <a:r>
+              <a:rPr lang="en-US" baseline="0" dirty="0" smtClean="0"/>
+              <a:t>=======================================</a:t>
+            </a:r>
+          </a:p>
+          <a:p>
+            <a:pPr marL="0" indent="0">
+              <a:buFontTx/>
+              <a:buNone/>
+            </a:pPr>
+            <a:endParaRPr lang="en-US" dirty="0" smtClean="0"/>
+          </a:p>
+          <a:p>
+            <a:endParaRPr lang="en-US" dirty="0" smtClean="0"/>
+          </a:p>
+          <a:p>
+            <a:endParaRPr lang="en-US" dirty="0" smtClean="0"/>
+          </a:p>
+          <a:p>
+            <a:endParaRPr lang="en-US" dirty="0" smtClean="0"/>
+          </a:p>
+          <a:p>
+            <a:endParaRPr lang="en-US" dirty="0" smtClean="0"/>
+          </a:p>
+          <a:p>
+            <a:endParaRPr lang="en-US" dirty="0" smtClean="0"/>
+          </a:p>
+          <a:p>
+            <a:endParaRPr lang="en-US" dirty="0" smtClean="0"/>
+          </a:p>
+          <a:p>
+            <a:endParaRPr lang="en-US" dirty="0" smtClean="0"/>
+          </a:p>
+          <a:p>
+            <a:endParaRPr lang="en-US" dirty="0" smtClean="0"/>
+          </a:p>
+          <a:p>
+            <a:endParaRPr lang="en-US" dirty="0" smtClean="0"/>
+          </a:p>
+          <a:p>
+            <a:endParaRPr lang="en-US" dirty="0" smtClean="0"/>
+          </a:p>
+          <a:p>
+            <a:endParaRPr lang="en-US" dirty="0" smtClean="0"/>
+          </a:p>
+          <a:p>
+            <a:endParaRPr lang="en-US" dirty="0" smtClean="0"/>
+          </a:p>
+          <a:p>
+            <a:endParaRPr lang="en-US" dirty="0" smtClean="0"/>
+          </a:p>
+          <a:p>
+            <a:endParaRPr lang="en-US" dirty="0" smtClean="0"/>
+          </a:p>
+          <a:p>
+            <a:endParaRPr lang="en-US" dirty="0" smtClean="0"/>
+          </a:p>
+          <a:p>
+            <a:endParaRPr lang="en-US" dirty="0" smtClean="0"/>
+          </a:p>
+          <a:p>
+            <a:endParaRPr lang="en-US" dirty="0" smtClean="0"/>
+          </a:p>
+          <a:p>
             <a:endParaRPr lang="en-US" dirty="0" smtClean="0"/>
           </a:p>
         </p:txBody>
@@ -3697,7 +3934,7 @@
     </p:spTree>
     <p:extLst>
       <p:ext uri="{BB962C8B-B14F-4D97-AF65-F5344CB8AC3E}">
-        <p14:creationId xmlns:p14="http://schemas.microsoft.com/office/powerpoint/2010/main" val="3567075669"/>
+        <p14:creationId xmlns:p14="http://schemas.microsoft.com/office/powerpoint/2010/main" val="4069455220"/>
       </p:ext>
     </p:extLst>
   </p:cSld>
@@ -3753,7 +3990,7 @@
           <a:p>
             <a:r>
               <a:rPr lang="en-US" dirty="0" smtClean="0"/>
-              <a:t>register</a:t>
+              <a:t>login</a:t>
             </a:r>
           </a:p>
         </p:txBody>
@@ -3784,7 +4021,7 @@
     </p:spTree>
     <p:extLst>
       <p:ext uri="{BB962C8B-B14F-4D97-AF65-F5344CB8AC3E}">
-        <p14:creationId xmlns:p14="http://schemas.microsoft.com/office/powerpoint/2010/main" val="1089517508"/>
+        <p14:creationId xmlns:p14="http://schemas.microsoft.com/office/powerpoint/2010/main" val="3567075669"/>
       </p:ext>
     </p:extLst>
   </p:cSld>
@@ -3839,10 +4076,9 @@
           <a:lstStyle/>
           <a:p>
             <a:r>
-              <a:rPr lang="en-US" dirty="0" err="1" smtClean="0"/>
-              <a:t>mypage</a:t>
-            </a:r>
-            <a:endParaRPr lang="en-US" dirty="0" smtClean="0"/>
+              <a:rPr lang="en-US" dirty="0" smtClean="0"/>
+              <a:t>register</a:t>
+            </a:r>
           </a:p>
         </p:txBody>
       </p:sp>
@@ -3872,7 +4108,7 @@
     </p:spTree>
     <p:extLst>
       <p:ext uri="{BB962C8B-B14F-4D97-AF65-F5344CB8AC3E}">
-        <p14:creationId xmlns:p14="http://schemas.microsoft.com/office/powerpoint/2010/main" val="3815960338"/>
+        <p14:creationId xmlns:p14="http://schemas.microsoft.com/office/powerpoint/2010/main" val="1089517508"/>
       </p:ext>
     </p:extLst>
   </p:cSld>
@@ -4013,7 +4249,7 @@
           <a:p>
             <a:fld id="{A0092779-0FA5-4774-8259-C4C96C049AC6}" type="datetimeFigureOut">
               <a:rPr lang="en-US" smtClean="0"/>
-              <a:t>8/5/15 Wed</a:t>
+              <a:t>8/6/15 Thu</a:t>
             </a:fld>
             <a:endParaRPr lang="en-US"/>
           </a:p>
@@ -4183,7 +4419,7 @@
           <a:p>
             <a:fld id="{A0092779-0FA5-4774-8259-C4C96C049AC6}" type="datetimeFigureOut">
               <a:rPr lang="en-US" smtClean="0"/>
-              <a:t>8/5/15 Wed</a:t>
+              <a:t>8/6/15 Thu</a:t>
             </a:fld>
             <a:endParaRPr lang="en-US"/>
           </a:p>
@@ -4363,7 +4599,7 @@
           <a:p>
             <a:fld id="{A0092779-0FA5-4774-8259-C4C96C049AC6}" type="datetimeFigureOut">
               <a:rPr lang="en-US" smtClean="0"/>
-              <a:t>8/5/15 Wed</a:t>
+              <a:t>8/6/15 Thu</a:t>
             </a:fld>
             <a:endParaRPr lang="en-US"/>
           </a:p>
@@ -4533,7 +4769,7 @@
           <a:p>
             <a:fld id="{A0092779-0FA5-4774-8259-C4C96C049AC6}" type="datetimeFigureOut">
               <a:rPr lang="en-US" smtClean="0"/>
-              <a:t>8/5/15 Wed</a:t>
+              <a:t>8/6/15 Thu</a:t>
             </a:fld>
             <a:endParaRPr lang="en-US"/>
           </a:p>
@@ -4779,7 +5015,7 @@
           <a:p>
             <a:fld id="{A0092779-0FA5-4774-8259-C4C96C049AC6}" type="datetimeFigureOut">
               <a:rPr lang="en-US" smtClean="0"/>
-              <a:t>8/5/15 Wed</a:t>
+              <a:t>8/6/15 Thu</a:t>
             </a:fld>
             <a:endParaRPr lang="en-US"/>
           </a:p>
@@ -5011,7 +5247,7 @@
           <a:p>
             <a:fld id="{A0092779-0FA5-4774-8259-C4C96C049AC6}" type="datetimeFigureOut">
               <a:rPr lang="en-US" smtClean="0"/>
-              <a:t>8/5/15 Wed</a:t>
+              <a:t>8/6/15 Thu</a:t>
             </a:fld>
             <a:endParaRPr lang="en-US"/>
           </a:p>
@@ -5378,7 +5614,7 @@
           <a:p>
             <a:fld id="{A0092779-0FA5-4774-8259-C4C96C049AC6}" type="datetimeFigureOut">
               <a:rPr lang="en-US" smtClean="0"/>
-              <a:t>8/5/15 Wed</a:t>
+              <a:t>8/6/15 Thu</a:t>
             </a:fld>
             <a:endParaRPr lang="en-US"/>
           </a:p>
@@ -5496,7 +5732,7 @@
           <a:p>
             <a:fld id="{A0092779-0FA5-4774-8259-C4C96C049AC6}" type="datetimeFigureOut">
               <a:rPr lang="en-US" smtClean="0"/>
-              <a:t>8/5/15 Wed</a:t>
+              <a:t>8/6/15 Thu</a:t>
             </a:fld>
             <a:endParaRPr lang="en-US"/>
           </a:p>
@@ -5591,7 +5827,7 @@
           <a:p>
             <a:fld id="{A0092779-0FA5-4774-8259-C4C96C049AC6}" type="datetimeFigureOut">
               <a:rPr lang="en-US" smtClean="0"/>
-              <a:t>8/5/15 Wed</a:t>
+              <a:t>8/6/15 Thu</a:t>
             </a:fld>
             <a:endParaRPr lang="en-US"/>
           </a:p>
@@ -5868,7 +6104,7 @@
           <a:p>
             <a:fld id="{A0092779-0FA5-4774-8259-C4C96C049AC6}" type="datetimeFigureOut">
               <a:rPr lang="en-US" smtClean="0"/>
-              <a:t>8/5/15 Wed</a:t>
+              <a:t>8/6/15 Thu</a:t>
             </a:fld>
             <a:endParaRPr lang="en-US"/>
           </a:p>
@@ -6121,7 +6357,7 @@
           <a:p>
             <a:fld id="{A0092779-0FA5-4774-8259-C4C96C049AC6}" type="datetimeFigureOut">
               <a:rPr lang="en-US" smtClean="0"/>
-              <a:t>8/5/15 Wed</a:t>
+              <a:t>8/6/15 Thu</a:t>
             </a:fld>
             <a:endParaRPr lang="en-US"/>
           </a:p>
@@ -6334,7 +6570,7 @@
           <a:p>
             <a:fld id="{A0092779-0FA5-4774-8259-C4C96C049AC6}" type="datetimeFigureOut">
               <a:rPr lang="en-US" smtClean="0"/>
-              <a:t>8/5/15 Wed</a:t>
+              <a:t>8/6/15 Thu</a:t>
             </a:fld>
             <a:endParaRPr lang="en-US"/>
           </a:p>
@@ -7687,6 +7923,718 @@
     <p:extLst>
       <p:ext uri="{BB962C8B-B14F-4D97-AF65-F5344CB8AC3E}">
         <p14:creationId xmlns:p14="http://schemas.microsoft.com/office/powerpoint/2010/main" val="2188579836"/>
+      </p:ext>
+    </p:extLst>
+  </p:cSld>
+  <p:clrMapOvr>
+    <a:masterClrMapping/>
+  </p:clrMapOvr>
+  <p:timing>
+    <p:tnLst>
+      <p:par>
+        <p:cTn id="1" dur="indefinite" restart="never" nodeType="tmRoot"/>
+      </p:par>
+    </p:tnLst>
+  </p:timing>
+</p:sld>
+</file>
+
+<file path=ppt/slides/slide10.xml><?xml version="1.0" encoding="utf-8"?>
+<p:sld xmlns:a="http://schemas.openxmlformats.org/drawingml/2006/main" xmlns:r="http://schemas.openxmlformats.org/officeDocument/2006/relationships" xmlns:p="http://schemas.openxmlformats.org/presentationml/2006/main">
+  <p:cSld>
+    <p:spTree>
+      <p:nvGrpSpPr>
+        <p:cNvPr id="1" name=""/>
+        <p:cNvGrpSpPr/>
+        <p:nvPr/>
+      </p:nvGrpSpPr>
+      <p:grpSpPr>
+        <a:xfrm>
+          <a:off x="0" y="0"/>
+          <a:ext cx="0" cy="0"/>
+          <a:chOff x="0" y="0"/>
+          <a:chExt cx="0" cy="0"/>
+        </a:xfrm>
+      </p:grpSpPr>
+      <p:sp>
+        <p:nvSpPr>
+          <p:cNvPr id="4" name="직사각형 3"/>
+          <p:cNvSpPr/>
+          <p:nvPr/>
+        </p:nvSpPr>
+        <p:spPr>
+          <a:xfrm>
+            <a:off x="2658885" y="342132"/>
+            <a:ext cx="6787665" cy="6133514"/>
+          </a:xfrm>
+          <a:prstGeom prst="rect">
+            <a:avLst/>
+          </a:prstGeom>
+          <a:solidFill>
+            <a:schemeClr val="bg1"/>
+          </a:solidFill>
+          <a:ln w="19050"/>
+        </p:spPr>
+        <p:style>
+          <a:lnRef idx="2">
+            <a:schemeClr val="accent1">
+              <a:shade val="50000"/>
+            </a:schemeClr>
+          </a:lnRef>
+          <a:fillRef idx="1">
+            <a:schemeClr val="accent1"/>
+          </a:fillRef>
+          <a:effectRef idx="0">
+            <a:schemeClr val="accent1"/>
+          </a:effectRef>
+          <a:fontRef idx="minor">
+            <a:schemeClr val="lt1"/>
+          </a:fontRef>
+        </p:style>
+        <p:txBody>
+          <a:bodyPr rtlCol="0" anchor="t"/>
+          <a:lstStyle/>
+          <a:p>
+            <a:pPr algn="ctr"/>
+            <a:endParaRPr lang="en-US" dirty="0">
+              <a:solidFill>
+                <a:schemeClr val="tx1"/>
+              </a:solidFill>
+            </a:endParaRPr>
+          </a:p>
+        </p:txBody>
+      </p:sp>
+      <p:sp>
+        <p:nvSpPr>
+          <p:cNvPr id="17" name="searchBar"/>
+          <p:cNvSpPr/>
+          <p:nvPr/>
+        </p:nvSpPr>
+        <p:spPr>
+          <a:xfrm>
+            <a:off x="2658885" y="377009"/>
+            <a:ext cx="6787665" cy="618449"/>
+          </a:xfrm>
+          <a:prstGeom prst="rect">
+            <a:avLst/>
+          </a:prstGeom>
+          <a:solidFill>
+            <a:schemeClr val="bg1">
+              <a:lumMod val="95000"/>
+            </a:schemeClr>
+          </a:solidFill>
+          <a:ln w="19050"/>
+        </p:spPr>
+        <p:style>
+          <a:lnRef idx="2">
+            <a:schemeClr val="accent1">
+              <a:shade val="50000"/>
+            </a:schemeClr>
+          </a:lnRef>
+          <a:fillRef idx="1">
+            <a:schemeClr val="accent1"/>
+          </a:fillRef>
+          <a:effectRef idx="0">
+            <a:schemeClr val="accent1"/>
+          </a:effectRef>
+          <a:fontRef idx="minor">
+            <a:schemeClr val="lt1"/>
+          </a:fontRef>
+        </p:style>
+        <p:txBody>
+          <a:bodyPr rtlCol="0" anchor="t"/>
+          <a:lstStyle/>
+          <a:p>
+            <a:pPr algn="ctr"/>
+            <a:endParaRPr lang="en-US" dirty="0">
+              <a:solidFill>
+                <a:schemeClr val="tx1"/>
+              </a:solidFill>
+            </a:endParaRPr>
+          </a:p>
+        </p:txBody>
+      </p:sp>
+      <p:sp>
+        <p:nvSpPr>
+          <p:cNvPr id="29" name="searchBar"/>
+          <p:cNvSpPr/>
+          <p:nvPr/>
+        </p:nvSpPr>
+        <p:spPr>
+          <a:xfrm>
+            <a:off x="4065559" y="516922"/>
+            <a:ext cx="3499503" cy="478536"/>
+          </a:xfrm>
+          <a:prstGeom prst="rect">
+            <a:avLst/>
+          </a:prstGeom>
+          <a:solidFill>
+            <a:schemeClr val="accent1">
+              <a:lumMod val="20000"/>
+              <a:lumOff val="80000"/>
+            </a:schemeClr>
+          </a:solidFill>
+          <a:ln w="19050"/>
+        </p:spPr>
+        <p:style>
+          <a:lnRef idx="2">
+            <a:schemeClr val="accent1">
+              <a:shade val="50000"/>
+            </a:schemeClr>
+          </a:lnRef>
+          <a:fillRef idx="1">
+            <a:schemeClr val="accent1"/>
+          </a:fillRef>
+          <a:effectRef idx="0">
+            <a:schemeClr val="accent1"/>
+          </a:effectRef>
+          <a:fontRef idx="minor">
+            <a:schemeClr val="lt1"/>
+          </a:fontRef>
+        </p:style>
+        <p:txBody>
+          <a:bodyPr rtlCol="0" anchor="ctr"/>
+          <a:lstStyle/>
+          <a:p>
+            <a:pPr algn="ctr"/>
+            <a:r>
+              <a:rPr lang="en-US" dirty="0" smtClean="0">
+                <a:solidFill>
+                  <a:schemeClr val="tx1"/>
+                </a:solidFill>
+              </a:rPr>
+              <a:t>SB</a:t>
+            </a:r>
+            <a:endParaRPr lang="en-US" dirty="0">
+              <a:solidFill>
+                <a:schemeClr val="tx1"/>
+              </a:solidFill>
+            </a:endParaRPr>
+          </a:p>
+        </p:txBody>
+      </p:sp>
+      <p:sp>
+        <p:nvSpPr>
+          <p:cNvPr id="30" name="searchBar"/>
+          <p:cNvSpPr/>
+          <p:nvPr/>
+        </p:nvSpPr>
+        <p:spPr>
+          <a:xfrm>
+            <a:off x="2754669" y="516922"/>
+            <a:ext cx="529961" cy="478536"/>
+          </a:xfrm>
+          <a:prstGeom prst="rect">
+            <a:avLst/>
+          </a:prstGeom>
+          <a:solidFill>
+            <a:schemeClr val="accent1">
+              <a:lumMod val="20000"/>
+              <a:lumOff val="80000"/>
+            </a:schemeClr>
+          </a:solidFill>
+          <a:ln w="19050"/>
+        </p:spPr>
+        <p:style>
+          <a:lnRef idx="2">
+            <a:schemeClr val="accent1">
+              <a:shade val="50000"/>
+            </a:schemeClr>
+          </a:lnRef>
+          <a:fillRef idx="1">
+            <a:schemeClr val="accent1"/>
+          </a:fillRef>
+          <a:effectRef idx="0">
+            <a:schemeClr val="accent1"/>
+          </a:effectRef>
+          <a:fontRef idx="minor">
+            <a:schemeClr val="lt1"/>
+          </a:fontRef>
+        </p:style>
+        <p:txBody>
+          <a:bodyPr rtlCol="0" anchor="ctr"/>
+          <a:lstStyle/>
+          <a:p>
+            <a:pPr algn="ctr"/>
+            <a:r>
+              <a:rPr lang="en-US" dirty="0" smtClean="0">
+                <a:solidFill>
+                  <a:schemeClr val="tx1"/>
+                </a:solidFill>
+              </a:rPr>
+              <a:t>LG</a:t>
+            </a:r>
+            <a:endParaRPr lang="en-US" dirty="0">
+              <a:solidFill>
+                <a:schemeClr val="tx1"/>
+              </a:solidFill>
+            </a:endParaRPr>
+          </a:p>
+        </p:txBody>
+      </p:sp>
+      <p:sp>
+        <p:nvSpPr>
+          <p:cNvPr id="31" name="searchBar"/>
+          <p:cNvSpPr/>
+          <p:nvPr/>
+        </p:nvSpPr>
+        <p:spPr>
+          <a:xfrm>
+            <a:off x="8971735" y="518677"/>
+            <a:ext cx="465579" cy="478536"/>
+          </a:xfrm>
+          <a:prstGeom prst="rect">
+            <a:avLst/>
+          </a:prstGeom>
+          <a:solidFill>
+            <a:schemeClr val="accent1">
+              <a:lumMod val="20000"/>
+              <a:lumOff val="80000"/>
+            </a:schemeClr>
+          </a:solidFill>
+          <a:ln w="19050"/>
+        </p:spPr>
+        <p:style>
+          <a:lnRef idx="2">
+            <a:schemeClr val="accent1">
+              <a:shade val="50000"/>
+            </a:schemeClr>
+          </a:lnRef>
+          <a:fillRef idx="1">
+            <a:schemeClr val="accent1"/>
+          </a:fillRef>
+          <a:effectRef idx="0">
+            <a:schemeClr val="accent1"/>
+          </a:effectRef>
+          <a:fontRef idx="minor">
+            <a:schemeClr val="lt1"/>
+          </a:fontRef>
+        </p:style>
+        <p:txBody>
+          <a:bodyPr rtlCol="0" anchor="ctr"/>
+          <a:lstStyle/>
+          <a:p>
+            <a:pPr algn="ctr"/>
+            <a:r>
+              <a:rPr lang="en-US" dirty="0" smtClean="0">
+                <a:solidFill>
+                  <a:schemeClr val="tx1"/>
+                </a:solidFill>
+              </a:rPr>
+              <a:t>LI</a:t>
+            </a:r>
+            <a:endParaRPr lang="en-US" dirty="0">
+              <a:solidFill>
+                <a:schemeClr val="tx1"/>
+              </a:solidFill>
+            </a:endParaRPr>
+          </a:p>
+        </p:txBody>
+      </p:sp>
+      <p:sp>
+        <p:nvSpPr>
+          <p:cNvPr id="32" name="searchBar"/>
+          <p:cNvSpPr/>
+          <p:nvPr/>
+        </p:nvSpPr>
+        <p:spPr>
+          <a:xfrm>
+            <a:off x="8355227" y="516922"/>
+            <a:ext cx="465579" cy="478536"/>
+          </a:xfrm>
+          <a:prstGeom prst="rect">
+            <a:avLst/>
+          </a:prstGeom>
+          <a:solidFill>
+            <a:schemeClr val="accent1">
+              <a:lumMod val="20000"/>
+              <a:lumOff val="80000"/>
+            </a:schemeClr>
+          </a:solidFill>
+          <a:ln w="19050"/>
+        </p:spPr>
+        <p:style>
+          <a:lnRef idx="2">
+            <a:schemeClr val="accent1">
+              <a:shade val="50000"/>
+            </a:schemeClr>
+          </a:lnRef>
+          <a:fillRef idx="1">
+            <a:schemeClr val="accent1"/>
+          </a:fillRef>
+          <a:effectRef idx="0">
+            <a:schemeClr val="accent1"/>
+          </a:effectRef>
+          <a:fontRef idx="minor">
+            <a:schemeClr val="lt1"/>
+          </a:fontRef>
+        </p:style>
+        <p:txBody>
+          <a:bodyPr rtlCol="0" anchor="ctr"/>
+          <a:lstStyle/>
+          <a:p>
+            <a:pPr algn="ctr"/>
+            <a:r>
+              <a:rPr lang="en-US" dirty="0" smtClean="0">
+                <a:solidFill>
+                  <a:schemeClr val="tx1"/>
+                </a:solidFill>
+              </a:rPr>
+              <a:t>PS</a:t>
+            </a:r>
+            <a:endParaRPr lang="en-US" dirty="0">
+              <a:solidFill>
+                <a:schemeClr val="tx1"/>
+              </a:solidFill>
+            </a:endParaRPr>
+          </a:p>
+        </p:txBody>
+      </p:sp>
+      <p:sp>
+        <p:nvSpPr>
+          <p:cNvPr id="33" name="searchBar"/>
+          <p:cNvSpPr/>
+          <p:nvPr/>
+        </p:nvSpPr>
+        <p:spPr>
+          <a:xfrm>
+            <a:off x="3357499" y="516922"/>
+            <a:ext cx="346284" cy="478536"/>
+          </a:xfrm>
+          <a:prstGeom prst="rect">
+            <a:avLst/>
+          </a:prstGeom>
+          <a:solidFill>
+            <a:schemeClr val="accent1">
+              <a:lumMod val="20000"/>
+              <a:lumOff val="80000"/>
+            </a:schemeClr>
+          </a:solidFill>
+          <a:ln w="19050"/>
+        </p:spPr>
+        <p:style>
+          <a:lnRef idx="2">
+            <a:schemeClr val="accent1">
+              <a:shade val="50000"/>
+            </a:schemeClr>
+          </a:lnRef>
+          <a:fillRef idx="1">
+            <a:schemeClr val="accent1"/>
+          </a:fillRef>
+          <a:effectRef idx="0">
+            <a:schemeClr val="accent1"/>
+          </a:effectRef>
+          <a:fontRef idx="minor">
+            <a:schemeClr val="lt1"/>
+          </a:fontRef>
+        </p:style>
+        <p:txBody>
+          <a:bodyPr rtlCol="0" anchor="ctr"/>
+          <a:lstStyle/>
+          <a:p>
+            <a:pPr algn="ctr"/>
+            <a:r>
+              <a:rPr lang="en-US" dirty="0">
+                <a:solidFill>
+                  <a:schemeClr val="tx1"/>
+                </a:solidFill>
+              </a:rPr>
+              <a:t>D</a:t>
+            </a:r>
+            <a:r>
+              <a:rPr lang="en-US" dirty="0" smtClean="0">
+                <a:solidFill>
+                  <a:schemeClr val="tx1"/>
+                </a:solidFill>
+              </a:rPr>
+              <a:t>M</a:t>
+            </a:r>
+          </a:p>
+        </p:txBody>
+      </p:sp>
+      <p:sp>
+        <p:nvSpPr>
+          <p:cNvPr id="35" name="searchBar"/>
+          <p:cNvSpPr/>
+          <p:nvPr/>
+        </p:nvSpPr>
+        <p:spPr>
+          <a:xfrm>
+            <a:off x="3519054" y="1255227"/>
+            <a:ext cx="5218545" cy="1940556"/>
+          </a:xfrm>
+          <a:prstGeom prst="rect">
+            <a:avLst/>
+          </a:prstGeom>
+          <a:solidFill>
+            <a:schemeClr val="bg1">
+              <a:lumMod val="95000"/>
+            </a:schemeClr>
+          </a:solidFill>
+          <a:ln w="19050"/>
+        </p:spPr>
+        <p:style>
+          <a:lnRef idx="2">
+            <a:schemeClr val="accent1">
+              <a:shade val="50000"/>
+            </a:schemeClr>
+          </a:lnRef>
+          <a:fillRef idx="1">
+            <a:schemeClr val="accent1"/>
+          </a:fillRef>
+          <a:effectRef idx="0">
+            <a:schemeClr val="accent1"/>
+          </a:effectRef>
+          <a:fontRef idx="minor">
+            <a:schemeClr val="lt1"/>
+          </a:fontRef>
+        </p:style>
+        <p:txBody>
+          <a:bodyPr rtlCol="0" anchor="t"/>
+          <a:lstStyle/>
+          <a:p>
+            <a:pPr algn="ctr"/>
+            <a:endParaRPr lang="en-US" dirty="0">
+              <a:solidFill>
+                <a:schemeClr val="tx1"/>
+              </a:solidFill>
+            </a:endParaRPr>
+          </a:p>
+        </p:txBody>
+      </p:sp>
+      <p:sp>
+        <p:nvSpPr>
+          <p:cNvPr id="44" name="직사각형 43"/>
+          <p:cNvSpPr/>
+          <p:nvPr/>
+        </p:nvSpPr>
+        <p:spPr>
+          <a:xfrm>
+            <a:off x="3773824" y="1429946"/>
+            <a:ext cx="1426250" cy="1108325"/>
+          </a:xfrm>
+          <a:prstGeom prst="rect">
+            <a:avLst/>
+          </a:prstGeom>
+          <a:solidFill>
+            <a:schemeClr val="bg1"/>
+          </a:solidFill>
+          <a:ln w="19050"/>
+        </p:spPr>
+        <p:style>
+          <a:lnRef idx="2">
+            <a:schemeClr val="accent1">
+              <a:shade val="50000"/>
+            </a:schemeClr>
+          </a:lnRef>
+          <a:fillRef idx="1">
+            <a:schemeClr val="accent1"/>
+          </a:fillRef>
+          <a:effectRef idx="0">
+            <a:schemeClr val="accent1"/>
+          </a:effectRef>
+          <a:fontRef idx="minor">
+            <a:schemeClr val="lt1"/>
+          </a:fontRef>
+        </p:style>
+        <p:txBody>
+          <a:bodyPr rtlCol="0" anchor="ctr"/>
+          <a:lstStyle/>
+          <a:p>
+            <a:pPr algn="ctr"/>
+            <a:r>
+              <a:rPr lang="en-US" dirty="0" smtClean="0">
+                <a:solidFill>
+                  <a:schemeClr val="tx1"/>
+                </a:solidFill>
+              </a:rPr>
+              <a:t>PC</a:t>
+            </a:r>
+            <a:endParaRPr lang="en-US" dirty="0">
+              <a:solidFill>
+                <a:schemeClr val="tx1"/>
+              </a:solidFill>
+            </a:endParaRPr>
+          </a:p>
+        </p:txBody>
+      </p:sp>
+      <p:sp>
+        <p:nvSpPr>
+          <p:cNvPr id="51" name="searchBar"/>
+          <p:cNvSpPr/>
+          <p:nvPr/>
+        </p:nvSpPr>
+        <p:spPr>
+          <a:xfrm>
+            <a:off x="4669753" y="2661744"/>
+            <a:ext cx="530321" cy="292641"/>
+          </a:xfrm>
+          <a:prstGeom prst="rect">
+            <a:avLst/>
+          </a:prstGeom>
+          <a:solidFill>
+            <a:schemeClr val="accent1">
+              <a:lumMod val="20000"/>
+              <a:lumOff val="80000"/>
+            </a:schemeClr>
+          </a:solidFill>
+          <a:ln w="19050"/>
+        </p:spPr>
+        <p:style>
+          <a:lnRef idx="2">
+            <a:schemeClr val="accent1">
+              <a:shade val="50000"/>
+            </a:schemeClr>
+          </a:lnRef>
+          <a:fillRef idx="1">
+            <a:schemeClr val="accent1"/>
+          </a:fillRef>
+          <a:effectRef idx="0">
+            <a:schemeClr val="accent1"/>
+          </a:effectRef>
+          <a:fontRef idx="minor">
+            <a:schemeClr val="lt1"/>
+          </a:fontRef>
+        </p:style>
+        <p:txBody>
+          <a:bodyPr rtlCol="0" anchor="ctr"/>
+          <a:lstStyle/>
+          <a:p>
+            <a:pPr algn="ctr"/>
+            <a:r>
+              <a:rPr lang="en-US" dirty="0" smtClean="0">
+                <a:solidFill>
+                  <a:schemeClr val="tx1"/>
+                </a:solidFill>
+              </a:rPr>
+              <a:t>MG</a:t>
+            </a:r>
+            <a:endParaRPr lang="en-US" dirty="0">
+              <a:solidFill>
+                <a:schemeClr val="tx1"/>
+              </a:solidFill>
+            </a:endParaRPr>
+          </a:p>
+        </p:txBody>
+      </p:sp>
+      <p:sp>
+        <p:nvSpPr>
+          <p:cNvPr id="12" name="직사각형 11"/>
+          <p:cNvSpPr/>
+          <p:nvPr/>
+        </p:nvSpPr>
+        <p:spPr>
+          <a:xfrm>
+            <a:off x="5454843" y="1429945"/>
+            <a:ext cx="2900383" cy="1524440"/>
+          </a:xfrm>
+          <a:prstGeom prst="rect">
+            <a:avLst/>
+          </a:prstGeom>
+          <a:solidFill>
+            <a:schemeClr val="bg1"/>
+          </a:solidFill>
+          <a:ln w="19050"/>
+        </p:spPr>
+        <p:style>
+          <a:lnRef idx="2">
+            <a:schemeClr val="accent1">
+              <a:shade val="50000"/>
+            </a:schemeClr>
+          </a:lnRef>
+          <a:fillRef idx="1">
+            <a:schemeClr val="accent1"/>
+          </a:fillRef>
+          <a:effectRef idx="0">
+            <a:schemeClr val="accent1"/>
+          </a:effectRef>
+          <a:fontRef idx="minor">
+            <a:schemeClr val="lt1"/>
+          </a:fontRef>
+        </p:style>
+        <p:txBody>
+          <a:bodyPr rtlCol="0" anchor="ctr"/>
+          <a:lstStyle/>
+          <a:p>
+            <a:pPr algn="ctr"/>
+            <a:r>
+              <a:rPr lang="en-US" dirty="0" smtClean="0">
+                <a:solidFill>
+                  <a:schemeClr val="tx1"/>
+                </a:solidFill>
+              </a:rPr>
+              <a:t>DS</a:t>
+            </a:r>
+            <a:endParaRPr lang="en-US" dirty="0">
+              <a:solidFill>
+                <a:schemeClr val="tx1"/>
+              </a:solidFill>
+            </a:endParaRPr>
+          </a:p>
+        </p:txBody>
+      </p:sp>
+      <p:sp>
+        <p:nvSpPr>
+          <p:cNvPr id="13" name="searchBar"/>
+          <p:cNvSpPr/>
+          <p:nvPr/>
+        </p:nvSpPr>
+        <p:spPr>
+          <a:xfrm>
+            <a:off x="3519054" y="3370500"/>
+            <a:ext cx="5218545" cy="2272917"/>
+          </a:xfrm>
+          <a:prstGeom prst="rect">
+            <a:avLst/>
+          </a:prstGeom>
+          <a:solidFill>
+            <a:schemeClr val="bg1">
+              <a:lumMod val="95000"/>
+            </a:schemeClr>
+          </a:solidFill>
+          <a:ln w="19050"/>
+        </p:spPr>
+        <p:style>
+          <a:lnRef idx="2">
+            <a:schemeClr val="accent1">
+              <a:shade val="50000"/>
+            </a:schemeClr>
+          </a:lnRef>
+          <a:fillRef idx="1">
+            <a:schemeClr val="accent1"/>
+          </a:fillRef>
+          <a:effectRef idx="0">
+            <a:schemeClr val="accent1"/>
+          </a:effectRef>
+          <a:fontRef idx="minor">
+            <a:schemeClr val="lt1"/>
+          </a:fontRef>
+        </p:style>
+        <p:txBody>
+          <a:bodyPr rtlCol="0" anchor="ctr"/>
+          <a:lstStyle/>
+          <a:p>
+            <a:pPr algn="ctr"/>
+            <a:r>
+              <a:rPr lang="en-US" dirty="0" smtClean="0">
+                <a:solidFill>
+                  <a:schemeClr val="tx1"/>
+                </a:solidFill>
+              </a:rPr>
+              <a:t>LS</a:t>
+            </a:r>
+            <a:endParaRPr lang="en-US" dirty="0">
+              <a:solidFill>
+                <a:schemeClr val="tx1"/>
+              </a:solidFill>
+            </a:endParaRPr>
+          </a:p>
+        </p:txBody>
+      </p:sp>
+    </p:spTree>
+    <p:extLst>
+      <p:ext uri="{BB962C8B-B14F-4D97-AF65-F5344CB8AC3E}">
+        <p14:creationId xmlns:p14="http://schemas.microsoft.com/office/powerpoint/2010/main" val="885988592"/>
       </p:ext>
     </p:extLst>
   </p:cSld>
@@ -9858,11 +10806,6 @@
               </a:rPr>
               <a:t>2</a:t>
             </a:r>
-            <a:endParaRPr lang="en-US" sz="1100" dirty="0">
-              <a:solidFill>
-                <a:schemeClr val="tx1"/>
-              </a:solidFill>
-            </a:endParaRPr>
           </a:p>
         </p:txBody>
       </p:sp>
@@ -9917,11 +10860,6 @@
               </a:rPr>
               <a:t>3</a:t>
             </a:r>
-            <a:endParaRPr lang="en-US" sz="1100" dirty="0">
-              <a:solidFill>
-                <a:schemeClr val="tx1"/>
-              </a:solidFill>
-            </a:endParaRPr>
           </a:p>
         </p:txBody>
       </p:sp>
@@ -10035,11 +10973,6 @@
               </a:rPr>
               <a:t>5</a:t>
             </a:r>
-            <a:endParaRPr lang="en-US" sz="1100" dirty="0">
-              <a:solidFill>
-                <a:schemeClr val="tx1"/>
-              </a:solidFill>
-            </a:endParaRPr>
           </a:p>
         </p:txBody>
       </p:sp>
@@ -10151,11 +11084,6 @@
               </a:rPr>
               <a:t>U</a:t>
             </a:r>
-            <a:endParaRPr lang="en-US" sz="1100" dirty="0">
-              <a:solidFill>
-                <a:schemeClr val="tx1"/>
-              </a:solidFill>
-            </a:endParaRPr>
           </a:p>
         </p:txBody>
       </p:sp>
@@ -12359,11 +13287,6 @@
               </a:rPr>
               <a:t>2</a:t>
             </a:r>
-            <a:endParaRPr lang="en-US" sz="1100" dirty="0">
-              <a:solidFill>
-                <a:schemeClr val="tx1"/>
-              </a:solidFill>
-            </a:endParaRPr>
           </a:p>
         </p:txBody>
       </p:sp>
@@ -12418,11 +13341,6 @@
               </a:rPr>
               <a:t>3</a:t>
             </a:r>
-            <a:endParaRPr lang="en-US" sz="1100" dirty="0">
-              <a:solidFill>
-                <a:schemeClr val="tx1"/>
-              </a:solidFill>
-            </a:endParaRPr>
           </a:p>
         </p:txBody>
       </p:sp>
@@ -12536,11 +13454,6 @@
               </a:rPr>
               <a:t>5</a:t>
             </a:r>
-            <a:endParaRPr lang="en-US" sz="1100" dirty="0">
-              <a:solidFill>
-                <a:schemeClr val="tx1"/>
-              </a:solidFill>
-            </a:endParaRPr>
           </a:p>
         </p:txBody>
       </p:sp>
@@ -13202,11 +14115,6 @@
               </a:rPr>
               <a:t>2</a:t>
             </a:r>
-            <a:endParaRPr lang="en-US" sz="1100" dirty="0">
-              <a:solidFill>
-                <a:schemeClr val="tx1"/>
-              </a:solidFill>
-            </a:endParaRPr>
           </a:p>
         </p:txBody>
       </p:sp>
@@ -13261,11 +14169,6 @@
               </a:rPr>
               <a:t>3</a:t>
             </a:r>
-            <a:endParaRPr lang="en-US" sz="1100" dirty="0">
-              <a:solidFill>
-                <a:schemeClr val="tx1"/>
-              </a:solidFill>
-            </a:endParaRPr>
           </a:p>
         </p:txBody>
       </p:sp>
@@ -13379,11 +14282,6 @@
               </a:rPr>
               <a:t>5</a:t>
             </a:r>
-            <a:endParaRPr lang="en-US" sz="1100" dirty="0">
-              <a:solidFill>
-                <a:schemeClr val="tx1"/>
-              </a:solidFill>
-            </a:endParaRPr>
           </a:p>
         </p:txBody>
       </p:sp>
@@ -14477,8 +15375,8 @@
         </p:nvSpPr>
         <p:spPr>
           <a:xfrm>
-            <a:off x="2658885" y="342132"/>
-            <a:ext cx="6787665" cy="6133514"/>
+            <a:off x="1862254" y="342132"/>
+            <a:ext cx="7584296" cy="6133514"/>
           </a:xfrm>
           <a:prstGeom prst="rect">
             <a:avLst/>
@@ -14509,7 +15407,7 @@
           <a:lstStyle/>
           <a:p>
             <a:pPr algn="ctr"/>
-            <a:endParaRPr lang="en-US" dirty="0">
+            <a:endParaRPr lang="en-US" sz="1100" dirty="0">
               <a:solidFill>
                 <a:schemeClr val="tx1"/>
               </a:solidFill>
@@ -14525,8 +15423,8 @@
         </p:nvSpPr>
         <p:spPr>
           <a:xfrm>
-            <a:off x="2658885" y="377009"/>
-            <a:ext cx="6787665" cy="618449"/>
+            <a:off x="1862254" y="377009"/>
+            <a:ext cx="7584296" cy="618449"/>
           </a:xfrm>
           <a:prstGeom prst="rect">
             <a:avLst/>
@@ -14559,7 +15457,7 @@
           <a:lstStyle/>
           <a:p>
             <a:pPr algn="ctr"/>
-            <a:endParaRPr lang="en-US" dirty="0">
+            <a:endParaRPr lang="en-US" sz="1100" dirty="0">
               <a:solidFill>
                 <a:schemeClr val="tx1"/>
               </a:solidFill>
@@ -14575,8 +15473,8 @@
         </p:nvSpPr>
         <p:spPr>
           <a:xfrm>
-            <a:off x="4065559" y="516922"/>
-            <a:ext cx="3499503" cy="478536"/>
+            <a:off x="3877137" y="516922"/>
+            <a:ext cx="3424920" cy="478536"/>
           </a:xfrm>
           <a:prstGeom prst="rect">
             <a:avLst/>
@@ -14611,14 +15509,14 @@
           <a:p>
             <a:pPr algn="ctr"/>
             <a:r>
-              <a:rPr lang="en-US" dirty="0" smtClean="0">
+              <a:rPr lang="en-US" sz="1100" dirty="0" smtClean="0">
                 <a:solidFill>
                   <a:schemeClr val="tx1"/>
                 </a:solidFill>
               </a:rPr>
               <a:t>SB</a:t>
             </a:r>
-            <a:endParaRPr lang="en-US" dirty="0">
+            <a:endParaRPr lang="en-US" sz="1100" dirty="0">
               <a:solidFill>
                 <a:schemeClr val="tx1"/>
               </a:solidFill>
@@ -14634,7 +15532,7 @@
         </p:nvSpPr>
         <p:spPr>
           <a:xfrm>
-            <a:off x="2754669" y="516922"/>
+            <a:off x="2241395" y="501805"/>
             <a:ext cx="529961" cy="478536"/>
           </a:xfrm>
           <a:prstGeom prst="rect">
@@ -14670,14 +15568,14 @@
           <a:p>
             <a:pPr algn="ctr"/>
             <a:r>
-              <a:rPr lang="en-US" dirty="0" smtClean="0">
+              <a:rPr lang="en-US" sz="1100" dirty="0" smtClean="0">
                 <a:solidFill>
                   <a:schemeClr val="tx1"/>
                 </a:solidFill>
               </a:rPr>
               <a:t>LG</a:t>
             </a:r>
-            <a:endParaRPr lang="en-US" dirty="0">
+            <a:endParaRPr lang="en-US" sz="1100" dirty="0">
               <a:solidFill>
                 <a:schemeClr val="tx1"/>
               </a:solidFill>
@@ -14693,8 +15591,8 @@
         </p:nvSpPr>
         <p:spPr>
           <a:xfrm>
-            <a:off x="8971735" y="518677"/>
-            <a:ext cx="465579" cy="478536"/>
+            <a:off x="8409905" y="501805"/>
+            <a:ext cx="687914" cy="484678"/>
           </a:xfrm>
           <a:prstGeom prst="rect">
             <a:avLst/>
@@ -14729,14 +15627,14 @@
           <a:p>
             <a:pPr algn="ctr"/>
             <a:r>
-              <a:rPr lang="en-US" dirty="0" smtClean="0">
+              <a:rPr lang="en-US" sz="1100" dirty="0" smtClean="0">
                 <a:solidFill>
                   <a:schemeClr val="tx1"/>
                 </a:solidFill>
               </a:rPr>
               <a:t>LI</a:t>
             </a:r>
-            <a:endParaRPr lang="en-US" dirty="0">
+            <a:endParaRPr lang="en-US" sz="1100" dirty="0">
               <a:solidFill>
                 <a:schemeClr val="tx1"/>
               </a:solidFill>
@@ -14752,8 +15650,8 @@
         </p:nvSpPr>
         <p:spPr>
           <a:xfrm>
-            <a:off x="8355227" y="516922"/>
-            <a:ext cx="465579" cy="478536"/>
+            <a:off x="7302057" y="516922"/>
+            <a:ext cx="446240" cy="478536"/>
           </a:xfrm>
           <a:prstGeom prst="rect">
             <a:avLst/>
@@ -14788,14 +15686,14 @@
           <a:p>
             <a:pPr algn="ctr"/>
             <a:r>
-              <a:rPr lang="en-US" dirty="0" smtClean="0">
+              <a:rPr lang="en-US" sz="1100" dirty="0" smtClean="0">
                 <a:solidFill>
                   <a:schemeClr val="tx1"/>
                 </a:solidFill>
               </a:rPr>
-              <a:t>PS</a:t>
-            </a:r>
-            <a:endParaRPr lang="en-US" dirty="0">
+              <a:t>AT</a:t>
+            </a:r>
+            <a:endParaRPr lang="en-US" sz="1100" dirty="0">
               <a:solidFill>
                 <a:schemeClr val="tx1"/>
               </a:solidFill>
@@ -14811,7 +15709,7 @@
         </p:nvSpPr>
         <p:spPr>
           <a:xfrm>
-            <a:off x="3357499" y="516922"/>
+            <a:off x="2900597" y="501805"/>
             <a:ext cx="346284" cy="478536"/>
           </a:xfrm>
           <a:prstGeom prst="rect">
@@ -14847,7 +15745,7 @@
           <a:p>
             <a:pPr algn="ctr"/>
             <a:r>
-              <a:rPr lang="en-US" dirty="0">
+              <a:rPr lang="en-US" sz="1100" dirty="0">
                 <a:solidFill>
                   <a:schemeClr val="tx1"/>
                 </a:solidFill>
@@ -14855,7 +15753,7 @@
               <a:t>D</a:t>
             </a:r>
             <a:r>
-              <a:rPr lang="en-US" dirty="0" smtClean="0">
+              <a:rPr lang="en-US" sz="1100" dirty="0" smtClean="0">
                 <a:solidFill>
                   <a:schemeClr val="tx1"/>
                 </a:solidFill>
@@ -14867,47 +15765,164 @@
       </p:sp>
       <p:sp>
         <p:nvSpPr>
-          <p:cNvPr id="35" name="searchBar"/>
-          <p:cNvSpPr/>
-          <p:nvPr/>
-        </p:nvSpPr>
-        <p:spPr>
-          <a:xfrm>
-            <a:off x="3796146" y="2668389"/>
-            <a:ext cx="4559082" cy="3058156"/>
-          </a:xfrm>
-          <a:prstGeom prst="rect">
-            <a:avLst/>
-          </a:prstGeom>
-          <a:solidFill>
-            <a:schemeClr val="bg1">
-              <a:lumMod val="95000"/>
-            </a:schemeClr>
-          </a:solidFill>
-          <a:ln w="19050"/>
-        </p:spPr>
-        <p:style>
-          <a:lnRef idx="2">
-            <a:schemeClr val="accent1">
-              <a:shade val="50000"/>
-            </a:schemeClr>
-          </a:lnRef>
-          <a:fillRef idx="1">
-            <a:schemeClr val="accent1"/>
-          </a:fillRef>
-          <a:effectRef idx="0">
-            <a:schemeClr val="accent1"/>
-          </a:effectRef>
-          <a:fontRef idx="minor">
-            <a:schemeClr val="lt1"/>
-          </a:fontRef>
-        </p:style>
-        <p:txBody>
-          <a:bodyPr rtlCol="0" anchor="t"/>
-          <a:lstStyle/>
-          <a:p>
-            <a:pPr algn="ctr"/>
-            <a:endParaRPr lang="en-US" dirty="0">
+          <p:cNvPr id="57" name="searchBar"/>
+          <p:cNvSpPr/>
+          <p:nvPr/>
+        </p:nvSpPr>
+        <p:spPr>
+          <a:xfrm>
+            <a:off x="10306221" y="5716118"/>
+            <a:ext cx="209960" cy="285389"/>
+          </a:xfrm>
+          <a:prstGeom prst="rect">
+            <a:avLst/>
+          </a:prstGeom>
+          <a:solidFill>
+            <a:schemeClr val="accent1">
+              <a:lumMod val="20000"/>
+              <a:lumOff val="80000"/>
+            </a:schemeClr>
+          </a:solidFill>
+          <a:ln w="19050"/>
+        </p:spPr>
+        <p:style>
+          <a:lnRef idx="2">
+            <a:schemeClr val="accent1">
+              <a:shade val="50000"/>
+            </a:schemeClr>
+          </a:lnRef>
+          <a:fillRef idx="1">
+            <a:schemeClr val="accent1"/>
+          </a:fillRef>
+          <a:effectRef idx="0">
+            <a:schemeClr val="accent1"/>
+          </a:effectRef>
+          <a:fontRef idx="minor">
+            <a:schemeClr val="lt1"/>
+          </a:fontRef>
+        </p:style>
+        <p:txBody>
+          <a:bodyPr rtlCol="0" anchor="ctr"/>
+          <a:lstStyle/>
+          <a:p>
+            <a:pPr algn="ctr"/>
+            <a:r>
+              <a:rPr lang="en-US" sz="1100" dirty="0">
+                <a:solidFill>
+                  <a:schemeClr val="tx1"/>
+                </a:solidFill>
+              </a:rPr>
+              <a:t>2</a:t>
+            </a:r>
+          </a:p>
+        </p:txBody>
+      </p:sp>
+      <p:sp>
+        <p:nvSpPr>
+          <p:cNvPr id="58" name="searchBar"/>
+          <p:cNvSpPr/>
+          <p:nvPr/>
+        </p:nvSpPr>
+        <p:spPr>
+          <a:xfrm>
+            <a:off x="10585904" y="5713683"/>
+            <a:ext cx="209960" cy="285389"/>
+          </a:xfrm>
+          <a:prstGeom prst="rect">
+            <a:avLst/>
+          </a:prstGeom>
+          <a:solidFill>
+            <a:schemeClr val="accent1">
+              <a:lumMod val="20000"/>
+              <a:lumOff val="80000"/>
+            </a:schemeClr>
+          </a:solidFill>
+          <a:ln w="19050"/>
+        </p:spPr>
+        <p:style>
+          <a:lnRef idx="2">
+            <a:schemeClr val="accent1">
+              <a:shade val="50000"/>
+            </a:schemeClr>
+          </a:lnRef>
+          <a:fillRef idx="1">
+            <a:schemeClr val="accent1"/>
+          </a:fillRef>
+          <a:effectRef idx="0">
+            <a:schemeClr val="accent1"/>
+          </a:effectRef>
+          <a:fontRef idx="minor">
+            <a:schemeClr val="lt1"/>
+          </a:fontRef>
+        </p:style>
+        <p:txBody>
+          <a:bodyPr rtlCol="0" anchor="ctr"/>
+          <a:lstStyle/>
+          <a:p>
+            <a:pPr algn="ctr"/>
+            <a:r>
+              <a:rPr lang="en-US" sz="1100" dirty="0">
+                <a:solidFill>
+                  <a:schemeClr val="tx1"/>
+                </a:solidFill>
+              </a:rPr>
+              <a:t>3</a:t>
+            </a:r>
+          </a:p>
+        </p:txBody>
+      </p:sp>
+      <p:sp>
+        <p:nvSpPr>
+          <p:cNvPr id="59" name="searchBar"/>
+          <p:cNvSpPr/>
+          <p:nvPr/>
+        </p:nvSpPr>
+        <p:spPr>
+          <a:xfrm>
+            <a:off x="10880912" y="5712705"/>
+            <a:ext cx="209960" cy="285389"/>
+          </a:xfrm>
+          <a:prstGeom prst="rect">
+            <a:avLst/>
+          </a:prstGeom>
+          <a:solidFill>
+            <a:schemeClr val="accent1">
+              <a:lumMod val="20000"/>
+              <a:lumOff val="80000"/>
+            </a:schemeClr>
+          </a:solidFill>
+          <a:ln w="19050"/>
+        </p:spPr>
+        <p:style>
+          <a:lnRef idx="2">
+            <a:schemeClr val="accent1">
+              <a:shade val="50000"/>
+            </a:schemeClr>
+          </a:lnRef>
+          <a:fillRef idx="1">
+            <a:schemeClr val="accent1"/>
+          </a:fillRef>
+          <a:effectRef idx="0">
+            <a:schemeClr val="accent1"/>
+          </a:effectRef>
+          <a:fontRef idx="minor">
+            <a:schemeClr val="lt1"/>
+          </a:fontRef>
+        </p:style>
+        <p:txBody>
+          <a:bodyPr rtlCol="0" anchor="ctr"/>
+          <a:lstStyle/>
+          <a:p>
+            <a:pPr algn="ctr"/>
+            <a:r>
+              <a:rPr lang="en-US" sz="1100" dirty="0" smtClean="0">
+                <a:solidFill>
+                  <a:schemeClr val="tx1"/>
+                </a:solidFill>
+              </a:rPr>
+              <a:t>4</a:t>
+            </a:r>
+            <a:endParaRPr lang="en-US" sz="1100" dirty="0">
               <a:solidFill>
                 <a:schemeClr val="tx1"/>
               </a:solidFill>
@@ -14917,13 +15932,117 @@
       </p:sp>
       <p:sp>
         <p:nvSpPr>
-          <p:cNvPr id="44" name="직사각형 43"/>
-          <p:cNvSpPr/>
-          <p:nvPr/>
-        </p:nvSpPr>
-        <p:spPr>
-          <a:xfrm>
-            <a:off x="4078624" y="2824636"/>
+          <p:cNvPr id="60" name="searchBar"/>
+          <p:cNvSpPr/>
+          <p:nvPr/>
+        </p:nvSpPr>
+        <p:spPr>
+          <a:xfrm>
+            <a:off x="11163517" y="5712705"/>
+            <a:ext cx="209960" cy="285389"/>
+          </a:xfrm>
+          <a:prstGeom prst="rect">
+            <a:avLst/>
+          </a:prstGeom>
+          <a:solidFill>
+            <a:schemeClr val="accent1">
+              <a:lumMod val="20000"/>
+              <a:lumOff val="80000"/>
+            </a:schemeClr>
+          </a:solidFill>
+          <a:ln w="19050"/>
+        </p:spPr>
+        <p:style>
+          <a:lnRef idx="2">
+            <a:schemeClr val="accent1">
+              <a:shade val="50000"/>
+            </a:schemeClr>
+          </a:lnRef>
+          <a:fillRef idx="1">
+            <a:schemeClr val="accent1"/>
+          </a:fillRef>
+          <a:effectRef idx="0">
+            <a:schemeClr val="accent1"/>
+          </a:effectRef>
+          <a:fontRef idx="minor">
+            <a:schemeClr val="lt1"/>
+          </a:fontRef>
+        </p:style>
+        <p:txBody>
+          <a:bodyPr rtlCol="0" anchor="ctr"/>
+          <a:lstStyle/>
+          <a:p>
+            <a:pPr algn="ctr"/>
+            <a:r>
+              <a:rPr lang="en-US" sz="1100" dirty="0">
+                <a:solidFill>
+                  <a:schemeClr val="tx1"/>
+                </a:solidFill>
+              </a:rPr>
+              <a:t>5</a:t>
+            </a:r>
+          </a:p>
+        </p:txBody>
+      </p:sp>
+      <p:sp>
+        <p:nvSpPr>
+          <p:cNvPr id="39" name="searchBar"/>
+          <p:cNvSpPr/>
+          <p:nvPr/>
+        </p:nvSpPr>
+        <p:spPr>
+          <a:xfrm>
+            <a:off x="3374274" y="2820789"/>
+            <a:ext cx="4559082" cy="3058156"/>
+          </a:xfrm>
+          <a:prstGeom prst="rect">
+            <a:avLst/>
+          </a:prstGeom>
+          <a:solidFill>
+            <a:schemeClr val="bg1">
+              <a:lumMod val="95000"/>
+            </a:schemeClr>
+          </a:solidFill>
+          <a:ln w="19050"/>
+        </p:spPr>
+        <p:style>
+          <a:lnRef idx="2">
+            <a:schemeClr val="accent1">
+              <a:shade val="50000"/>
+            </a:schemeClr>
+          </a:lnRef>
+          <a:fillRef idx="1">
+            <a:schemeClr val="accent1"/>
+          </a:fillRef>
+          <a:effectRef idx="0">
+            <a:schemeClr val="accent1"/>
+          </a:effectRef>
+          <a:fontRef idx="minor">
+            <a:schemeClr val="lt1"/>
+          </a:fontRef>
+        </p:style>
+        <p:txBody>
+          <a:bodyPr rtlCol="0" anchor="t"/>
+          <a:lstStyle/>
+          <a:p>
+            <a:pPr algn="ctr"/>
+            <a:endParaRPr lang="en-US" sz="1100" dirty="0">
+              <a:solidFill>
+                <a:schemeClr val="tx1"/>
+              </a:solidFill>
+            </a:endParaRPr>
+          </a:p>
+        </p:txBody>
+      </p:sp>
+      <p:sp>
+        <p:nvSpPr>
+          <p:cNvPr id="43" name="직사각형 42"/>
+          <p:cNvSpPr/>
+          <p:nvPr/>
+        </p:nvSpPr>
+        <p:spPr>
+          <a:xfrm>
+            <a:off x="3656752" y="2977036"/>
             <a:ext cx="3994123" cy="1989751"/>
           </a:xfrm>
           <a:prstGeom prst="rect">
@@ -14956,14 +16075,14 @@
           <a:p>
             <a:pPr algn="ctr"/>
             <a:r>
-              <a:rPr lang="en-US" dirty="0" smtClean="0">
+              <a:rPr lang="en-US" sz="1100" dirty="0" smtClean="0">
                 <a:solidFill>
                   <a:schemeClr val="tx1"/>
                 </a:solidFill>
               </a:rPr>
               <a:t>FM</a:t>
             </a:r>
-            <a:endParaRPr lang="en-US" dirty="0">
+            <a:endParaRPr lang="en-US" sz="1100" dirty="0">
               <a:solidFill>
                 <a:schemeClr val="tx1"/>
               </a:solidFill>
@@ -14973,13 +16092,13 @@
       </p:sp>
       <p:sp>
         <p:nvSpPr>
-          <p:cNvPr id="54" name="searchBar"/>
-          <p:cNvSpPr/>
-          <p:nvPr/>
-        </p:nvSpPr>
-        <p:spPr>
-          <a:xfrm>
-            <a:off x="3796146" y="1170029"/>
+          <p:cNvPr id="46" name="searchBar"/>
+          <p:cNvSpPr/>
+          <p:nvPr/>
+        </p:nvSpPr>
+        <p:spPr>
+          <a:xfrm>
+            <a:off x="3374274" y="1322429"/>
             <a:ext cx="4559081" cy="1323790"/>
           </a:xfrm>
           <a:prstGeom prst="rect">
@@ -15013,7 +16132,7 @@
           <a:lstStyle/>
           <a:p>
             <a:pPr algn="ctr"/>
-            <a:endParaRPr lang="en-US" dirty="0">
+            <a:endParaRPr lang="en-US" sz="1100" dirty="0">
               <a:solidFill>
                 <a:schemeClr val="tx1"/>
               </a:solidFill>
@@ -15023,14 +16142,62 @@
       </p:sp>
       <p:sp>
         <p:nvSpPr>
-          <p:cNvPr id="27" name="searchBar"/>
-          <p:cNvSpPr/>
-          <p:nvPr/>
-        </p:nvSpPr>
-        <p:spPr>
-          <a:xfrm>
-            <a:off x="4439128" y="1303522"/>
-            <a:ext cx="3273116" cy="556038"/>
+          <p:cNvPr id="47" name="searchBar"/>
+          <p:cNvSpPr/>
+          <p:nvPr/>
+        </p:nvSpPr>
+        <p:spPr>
+          <a:xfrm>
+            <a:off x="3627251" y="1518485"/>
+            <a:ext cx="4007188" cy="931678"/>
+          </a:xfrm>
+          <a:prstGeom prst="rect">
+            <a:avLst/>
+          </a:prstGeom>
+          <a:solidFill>
+            <a:schemeClr val="bg1"/>
+          </a:solidFill>
+          <a:ln w="19050"/>
+        </p:spPr>
+        <p:style>
+          <a:lnRef idx="2">
+            <a:schemeClr val="accent1">
+              <a:shade val="50000"/>
+            </a:schemeClr>
+          </a:lnRef>
+          <a:fillRef idx="1">
+            <a:schemeClr val="accent1"/>
+          </a:fillRef>
+          <a:effectRef idx="0">
+            <a:schemeClr val="accent1"/>
+          </a:effectRef>
+          <a:fontRef idx="minor">
+            <a:schemeClr val="lt1"/>
+          </a:fontRef>
+        </p:style>
+        <p:txBody>
+          <a:bodyPr rtlCol="0" anchor="ctr"/>
+          <a:lstStyle/>
+          <a:p>
+            <a:pPr algn="ctr"/>
+            <a:endParaRPr lang="en-US" sz="1100" dirty="0">
+              <a:solidFill>
+                <a:schemeClr val="tx1"/>
+              </a:solidFill>
+            </a:endParaRPr>
+          </a:p>
+        </p:txBody>
+      </p:sp>
+      <p:sp>
+        <p:nvSpPr>
+          <p:cNvPr id="48" name="searchBar"/>
+          <p:cNvSpPr/>
+          <p:nvPr/>
+        </p:nvSpPr>
+        <p:spPr>
+          <a:xfrm>
+            <a:off x="5120933" y="4373532"/>
+            <a:ext cx="449618" cy="292641"/>
           </a:xfrm>
           <a:prstGeom prst="rect">
             <a:avLst/>
@@ -15065,14 +16232,132 @@
           <a:p>
             <a:pPr algn="ctr"/>
             <a:r>
-              <a:rPr lang="en-US" dirty="0" smtClean="0">
+              <a:rPr lang="en-US" sz="1100" dirty="0" smtClean="0">
+                <a:solidFill>
+                  <a:schemeClr val="tx1"/>
+                </a:solidFill>
+              </a:rPr>
+              <a:t>RG</a:t>
+            </a:r>
+            <a:endParaRPr lang="en-US" sz="1100" dirty="0">
+              <a:solidFill>
+                <a:schemeClr val="tx1"/>
+              </a:solidFill>
+            </a:endParaRPr>
+          </a:p>
+        </p:txBody>
+      </p:sp>
+      <p:sp>
+        <p:nvSpPr>
+          <p:cNvPr id="49" name="searchBar"/>
+          <p:cNvSpPr/>
+          <p:nvPr/>
+        </p:nvSpPr>
+        <p:spPr>
+          <a:xfrm>
+            <a:off x="5812457" y="4373532"/>
+            <a:ext cx="424069" cy="292641"/>
+          </a:xfrm>
+          <a:prstGeom prst="rect">
+            <a:avLst/>
+          </a:prstGeom>
+          <a:solidFill>
+            <a:schemeClr val="accent1">
+              <a:lumMod val="20000"/>
+              <a:lumOff val="80000"/>
+            </a:schemeClr>
+          </a:solidFill>
+          <a:ln w="19050"/>
+        </p:spPr>
+        <p:style>
+          <a:lnRef idx="2">
+            <a:schemeClr val="accent1">
+              <a:shade val="50000"/>
+            </a:schemeClr>
+          </a:lnRef>
+          <a:fillRef idx="1">
+            <a:schemeClr val="accent1"/>
+          </a:fillRef>
+          <a:effectRef idx="0">
+            <a:schemeClr val="accent1"/>
+          </a:effectRef>
+          <a:fontRef idx="minor">
+            <a:schemeClr val="lt1"/>
+          </a:fontRef>
+        </p:style>
+        <p:txBody>
+          <a:bodyPr rtlCol="0" anchor="ctr"/>
+          <a:lstStyle/>
+          <a:p>
+            <a:pPr algn="ctr"/>
+            <a:r>
+              <a:rPr lang="en-US" sz="1100" dirty="0" smtClean="0">
+                <a:solidFill>
+                  <a:schemeClr val="tx1"/>
+                </a:solidFill>
+              </a:rPr>
+              <a:t>SI</a:t>
+            </a:r>
+            <a:endParaRPr lang="en-US" sz="1100" dirty="0">
+              <a:solidFill>
+                <a:schemeClr val="tx1"/>
+              </a:solidFill>
+            </a:endParaRPr>
+          </a:p>
+        </p:txBody>
+      </p:sp>
+      <p:sp>
+        <p:nvSpPr>
+          <p:cNvPr id="50" name="searchBar"/>
+          <p:cNvSpPr/>
+          <p:nvPr/>
+        </p:nvSpPr>
+        <p:spPr>
+          <a:xfrm>
+            <a:off x="3870074" y="1685582"/>
+            <a:ext cx="3518554" cy="587717"/>
+          </a:xfrm>
+          <a:prstGeom prst="rect">
+            <a:avLst/>
+          </a:prstGeom>
+          <a:solidFill>
+            <a:schemeClr val="accent1">
+              <a:lumMod val="20000"/>
+              <a:lumOff val="80000"/>
+            </a:schemeClr>
+          </a:solidFill>
+          <a:ln w="19050"/>
+        </p:spPr>
+        <p:style>
+          <a:lnRef idx="2">
+            <a:schemeClr val="accent1">
+              <a:shade val="50000"/>
+            </a:schemeClr>
+          </a:lnRef>
+          <a:fillRef idx="1">
+            <a:schemeClr val="accent1"/>
+          </a:fillRef>
+          <a:effectRef idx="0">
+            <a:schemeClr val="accent1"/>
+          </a:effectRef>
+          <a:fontRef idx="minor">
+            <a:schemeClr val="lt1"/>
+          </a:fontRef>
+        </p:style>
+        <p:txBody>
+          <a:bodyPr rtlCol="0" anchor="ctr"/>
+          <a:lstStyle/>
+          <a:p>
+            <a:pPr algn="ctr"/>
+            <a:r>
+              <a:rPr lang="en-US" sz="1100" dirty="0" smtClean="0">
                 <a:solidFill>
                   <a:schemeClr val="tx1"/>
                 </a:solidFill>
               </a:rPr>
               <a:t>AD</a:t>
             </a:r>
-            <a:endParaRPr lang="en-US" dirty="0">
+            <a:endParaRPr lang="en-US" sz="1100" dirty="0">
               <a:solidFill>
                 <a:schemeClr val="tx1"/>
               </a:solidFill>
@@ -15080,176 +16365,10 @@
           </a:p>
         </p:txBody>
       </p:sp>
-      <p:sp>
-        <p:nvSpPr>
-          <p:cNvPr id="42" name="searchBar"/>
-          <p:cNvSpPr/>
-          <p:nvPr/>
-        </p:nvSpPr>
-        <p:spPr>
-          <a:xfrm>
-            <a:off x="4439128" y="2012288"/>
-            <a:ext cx="3273116" cy="324980"/>
-          </a:xfrm>
-          <a:prstGeom prst="rect">
-            <a:avLst/>
-          </a:prstGeom>
-          <a:solidFill>
-            <a:schemeClr val="bg1"/>
-          </a:solidFill>
-          <a:ln w="19050"/>
-        </p:spPr>
-        <p:style>
-          <a:lnRef idx="2">
-            <a:schemeClr val="accent1">
-              <a:shade val="50000"/>
-            </a:schemeClr>
-          </a:lnRef>
-          <a:fillRef idx="1">
-            <a:schemeClr val="accent1"/>
-          </a:fillRef>
-          <a:effectRef idx="0">
-            <a:schemeClr val="accent1"/>
-          </a:effectRef>
-          <a:fontRef idx="minor">
-            <a:schemeClr val="lt1"/>
-          </a:fontRef>
-        </p:style>
-        <p:txBody>
-          <a:bodyPr rtlCol="0" anchor="ctr"/>
-          <a:lstStyle/>
-          <a:p>
-            <a:pPr algn="ctr"/>
-            <a:endParaRPr lang="en-US" dirty="0">
-              <a:solidFill>
-                <a:schemeClr val="tx1"/>
-              </a:solidFill>
-            </a:endParaRPr>
-          </a:p>
-        </p:txBody>
-      </p:sp>
-      <p:sp>
-        <p:nvSpPr>
-          <p:cNvPr id="51" name="searchBar"/>
-          <p:cNvSpPr/>
-          <p:nvPr/>
-        </p:nvSpPr>
-        <p:spPr>
-          <a:xfrm>
-            <a:off x="5542805" y="4221132"/>
-            <a:ext cx="449618" cy="292641"/>
-          </a:xfrm>
-          <a:prstGeom prst="rect">
-            <a:avLst/>
-          </a:prstGeom>
-          <a:solidFill>
-            <a:schemeClr val="accent1">
-              <a:lumMod val="20000"/>
-              <a:lumOff val="80000"/>
-            </a:schemeClr>
-          </a:solidFill>
-          <a:ln w="19050"/>
-        </p:spPr>
-        <p:style>
-          <a:lnRef idx="2">
-            <a:schemeClr val="accent1">
-              <a:shade val="50000"/>
-            </a:schemeClr>
-          </a:lnRef>
-          <a:fillRef idx="1">
-            <a:schemeClr val="accent1"/>
-          </a:fillRef>
-          <a:effectRef idx="0">
-            <a:schemeClr val="accent1"/>
-          </a:effectRef>
-          <a:fontRef idx="minor">
-            <a:schemeClr val="lt1"/>
-          </a:fontRef>
-        </p:style>
-        <p:txBody>
-          <a:bodyPr rtlCol="0" anchor="ctr"/>
-          <a:lstStyle/>
-          <a:p>
-            <a:pPr algn="ctr"/>
-            <a:r>
-              <a:rPr lang="en-US" dirty="0" smtClean="0">
-                <a:solidFill>
-                  <a:schemeClr val="tx1"/>
-                </a:solidFill>
-              </a:rPr>
-              <a:t>RG</a:t>
-            </a:r>
-            <a:endParaRPr lang="en-US" dirty="0">
-              <a:solidFill>
-                <a:schemeClr val="tx1"/>
-              </a:solidFill>
-            </a:endParaRPr>
-          </a:p>
-        </p:txBody>
-      </p:sp>
-      <p:sp>
-        <p:nvSpPr>
-          <p:cNvPr id="52" name="searchBar"/>
-          <p:cNvSpPr/>
-          <p:nvPr/>
-        </p:nvSpPr>
-        <p:spPr>
-          <a:xfrm>
-            <a:off x="6234329" y="4221132"/>
-            <a:ext cx="424069" cy="292641"/>
-          </a:xfrm>
-          <a:prstGeom prst="rect">
-            <a:avLst/>
-          </a:prstGeom>
-          <a:solidFill>
-            <a:schemeClr val="accent1">
-              <a:lumMod val="20000"/>
-              <a:lumOff val="80000"/>
-            </a:schemeClr>
-          </a:solidFill>
-          <a:ln w="19050"/>
-        </p:spPr>
-        <p:style>
-          <a:lnRef idx="2">
-            <a:schemeClr val="accent1">
-              <a:shade val="50000"/>
-            </a:schemeClr>
-          </a:lnRef>
-          <a:fillRef idx="1">
-            <a:schemeClr val="accent1"/>
-          </a:fillRef>
-          <a:effectRef idx="0">
-            <a:schemeClr val="accent1"/>
-          </a:effectRef>
-          <a:fontRef idx="minor">
-            <a:schemeClr val="lt1"/>
-          </a:fontRef>
-        </p:style>
-        <p:txBody>
-          <a:bodyPr rtlCol="0" anchor="ctr"/>
-          <a:lstStyle/>
-          <a:p>
-            <a:pPr algn="ctr"/>
-            <a:r>
-              <a:rPr lang="en-US" dirty="0" smtClean="0">
-                <a:solidFill>
-                  <a:schemeClr val="tx1"/>
-                </a:solidFill>
-              </a:rPr>
-              <a:t>SI</a:t>
-            </a:r>
-            <a:endParaRPr lang="en-US" dirty="0">
-              <a:solidFill>
-                <a:schemeClr val="tx1"/>
-              </a:solidFill>
-            </a:endParaRPr>
-          </a:p>
-        </p:txBody>
-      </p:sp>
     </p:spTree>
     <p:extLst>
       <p:ext uri="{BB962C8B-B14F-4D97-AF65-F5344CB8AC3E}">
-        <p14:creationId xmlns:p14="http://schemas.microsoft.com/office/powerpoint/2010/main" val="172376940"/>
+        <p14:creationId xmlns:p14="http://schemas.microsoft.com/office/powerpoint/2010/main" val="3835243736"/>
       </p:ext>
     </p:extLst>
   </p:cSld>
@@ -15687,8 +16806,8 @@
         </p:nvSpPr>
         <p:spPr>
           <a:xfrm>
-            <a:off x="3796145" y="1255226"/>
-            <a:ext cx="4559082" cy="4859247"/>
+            <a:off x="3796146" y="2668389"/>
+            <a:ext cx="4559082" cy="3058156"/>
           </a:xfrm>
           <a:prstGeom prst="rect">
             <a:avLst/>
@@ -15737,8 +16856,8 @@
         </p:nvSpPr>
         <p:spPr>
           <a:xfrm>
-            <a:off x="4078623" y="1411473"/>
-            <a:ext cx="3994123" cy="3844018"/>
+            <a:off x="4078624" y="2824636"/>
+            <a:ext cx="3994123" cy="1989751"/>
           </a:xfrm>
           <a:prstGeom prst="rect">
             <a:avLst/>
@@ -15787,13 +16906,111 @@
       </p:sp>
       <p:sp>
         <p:nvSpPr>
+          <p:cNvPr id="54" name="searchBar"/>
+          <p:cNvSpPr/>
+          <p:nvPr/>
+        </p:nvSpPr>
+        <p:spPr>
+          <a:xfrm>
+            <a:off x="3796146" y="1170029"/>
+            <a:ext cx="4559081" cy="1323790"/>
+          </a:xfrm>
+          <a:prstGeom prst="rect">
+            <a:avLst/>
+          </a:prstGeom>
+          <a:solidFill>
+            <a:schemeClr val="bg1">
+              <a:lumMod val="95000"/>
+            </a:schemeClr>
+          </a:solidFill>
+          <a:ln w="19050"/>
+        </p:spPr>
+        <p:style>
+          <a:lnRef idx="2">
+            <a:schemeClr val="accent1">
+              <a:shade val="50000"/>
+            </a:schemeClr>
+          </a:lnRef>
+          <a:fillRef idx="1">
+            <a:schemeClr val="accent1"/>
+          </a:fillRef>
+          <a:effectRef idx="0">
+            <a:schemeClr val="accent1"/>
+          </a:effectRef>
+          <a:fontRef idx="minor">
+            <a:schemeClr val="lt1"/>
+          </a:fontRef>
+        </p:style>
+        <p:txBody>
+          <a:bodyPr rtlCol="0" anchor="t"/>
+          <a:lstStyle/>
+          <a:p>
+            <a:pPr algn="ctr"/>
+            <a:endParaRPr lang="en-US" dirty="0">
+              <a:solidFill>
+                <a:schemeClr val="tx1"/>
+              </a:solidFill>
+            </a:endParaRPr>
+          </a:p>
+        </p:txBody>
+      </p:sp>
+      <p:sp>
+        <p:nvSpPr>
+          <p:cNvPr id="42" name="searchBar"/>
+          <p:cNvSpPr/>
+          <p:nvPr/>
+        </p:nvSpPr>
+        <p:spPr>
+          <a:xfrm>
+            <a:off x="4049123" y="1366085"/>
+            <a:ext cx="4007188" cy="931678"/>
+          </a:xfrm>
+          <a:prstGeom prst="rect">
+            <a:avLst/>
+          </a:prstGeom>
+          <a:solidFill>
+            <a:schemeClr val="bg1"/>
+          </a:solidFill>
+          <a:ln w="19050"/>
+        </p:spPr>
+        <p:style>
+          <a:lnRef idx="2">
+            <a:schemeClr val="accent1">
+              <a:shade val="50000"/>
+            </a:schemeClr>
+          </a:lnRef>
+          <a:fillRef idx="1">
+            <a:schemeClr val="accent1"/>
+          </a:fillRef>
+          <a:effectRef idx="0">
+            <a:schemeClr val="accent1"/>
+          </a:effectRef>
+          <a:fontRef idx="minor">
+            <a:schemeClr val="lt1"/>
+          </a:fontRef>
+        </p:style>
+        <p:txBody>
+          <a:bodyPr rtlCol="0" anchor="ctr"/>
+          <a:lstStyle/>
+          <a:p>
+            <a:pPr algn="ctr"/>
+            <a:endParaRPr lang="en-US" dirty="0">
+              <a:solidFill>
+                <a:schemeClr val="tx1"/>
+              </a:solidFill>
+            </a:endParaRPr>
+          </a:p>
+        </p:txBody>
+      </p:sp>
+      <p:sp>
+        <p:nvSpPr>
           <p:cNvPr id="51" name="searchBar"/>
           <p:cNvSpPr/>
           <p:nvPr/>
         </p:nvSpPr>
         <p:spPr>
           <a:xfrm>
-            <a:off x="5827908" y="4755957"/>
+            <a:off x="5542805" y="4221132"/>
             <a:ext cx="449618" cy="292641"/>
           </a:xfrm>
           <a:prstGeom prst="rect">
@@ -15844,10 +17061,128 @@
           </a:p>
         </p:txBody>
       </p:sp>
+      <p:sp>
+        <p:nvSpPr>
+          <p:cNvPr id="52" name="searchBar"/>
+          <p:cNvSpPr/>
+          <p:nvPr/>
+        </p:nvSpPr>
+        <p:spPr>
+          <a:xfrm>
+            <a:off x="6234329" y="4221132"/>
+            <a:ext cx="424069" cy="292641"/>
+          </a:xfrm>
+          <a:prstGeom prst="rect">
+            <a:avLst/>
+          </a:prstGeom>
+          <a:solidFill>
+            <a:schemeClr val="accent1">
+              <a:lumMod val="20000"/>
+              <a:lumOff val="80000"/>
+            </a:schemeClr>
+          </a:solidFill>
+          <a:ln w="19050"/>
+        </p:spPr>
+        <p:style>
+          <a:lnRef idx="2">
+            <a:schemeClr val="accent1">
+              <a:shade val="50000"/>
+            </a:schemeClr>
+          </a:lnRef>
+          <a:fillRef idx="1">
+            <a:schemeClr val="accent1"/>
+          </a:fillRef>
+          <a:effectRef idx="0">
+            <a:schemeClr val="accent1"/>
+          </a:effectRef>
+          <a:fontRef idx="minor">
+            <a:schemeClr val="lt1"/>
+          </a:fontRef>
+        </p:style>
+        <p:txBody>
+          <a:bodyPr rtlCol="0" anchor="ctr"/>
+          <a:lstStyle/>
+          <a:p>
+            <a:pPr algn="ctr"/>
+            <a:r>
+              <a:rPr lang="en-US" dirty="0" smtClean="0">
+                <a:solidFill>
+                  <a:schemeClr val="tx1"/>
+                </a:solidFill>
+              </a:rPr>
+              <a:t>SI</a:t>
+            </a:r>
+            <a:endParaRPr lang="en-US" dirty="0">
+              <a:solidFill>
+                <a:schemeClr val="tx1"/>
+              </a:solidFill>
+            </a:endParaRPr>
+          </a:p>
+        </p:txBody>
+      </p:sp>
+      <p:sp>
+        <p:nvSpPr>
+          <p:cNvPr id="27" name="searchBar"/>
+          <p:cNvSpPr/>
+          <p:nvPr/>
+        </p:nvSpPr>
+        <p:spPr>
+          <a:xfrm>
+            <a:off x="4291946" y="1533182"/>
+            <a:ext cx="3518554" cy="587717"/>
+          </a:xfrm>
+          <a:prstGeom prst="rect">
+            <a:avLst/>
+          </a:prstGeom>
+          <a:solidFill>
+            <a:schemeClr val="accent1">
+              <a:lumMod val="20000"/>
+              <a:lumOff val="80000"/>
+            </a:schemeClr>
+          </a:solidFill>
+          <a:ln w="19050"/>
+        </p:spPr>
+        <p:style>
+          <a:lnRef idx="2">
+            <a:schemeClr val="accent1">
+              <a:shade val="50000"/>
+            </a:schemeClr>
+          </a:lnRef>
+          <a:fillRef idx="1">
+            <a:schemeClr val="accent1"/>
+          </a:fillRef>
+          <a:effectRef idx="0">
+            <a:schemeClr val="accent1"/>
+          </a:effectRef>
+          <a:fontRef idx="minor">
+            <a:schemeClr val="lt1"/>
+          </a:fontRef>
+        </p:style>
+        <p:txBody>
+          <a:bodyPr rtlCol="0" anchor="ctr"/>
+          <a:lstStyle/>
+          <a:p>
+            <a:pPr algn="ctr"/>
+            <a:r>
+              <a:rPr lang="en-US" dirty="0" smtClean="0">
+                <a:solidFill>
+                  <a:schemeClr val="tx1"/>
+                </a:solidFill>
+              </a:rPr>
+              <a:t>AD</a:t>
+            </a:r>
+            <a:endParaRPr lang="en-US" dirty="0">
+              <a:solidFill>
+                <a:schemeClr val="tx1"/>
+              </a:solidFill>
+            </a:endParaRPr>
+          </a:p>
+        </p:txBody>
+      </p:sp>
     </p:spTree>
     <p:extLst>
       <p:ext uri="{BB962C8B-B14F-4D97-AF65-F5344CB8AC3E}">
-        <p14:creationId xmlns:p14="http://schemas.microsoft.com/office/powerpoint/2010/main" val="4274851449"/>
+        <p14:creationId xmlns:p14="http://schemas.microsoft.com/office/powerpoint/2010/main" val="172376940"/>
       </p:ext>
     </p:extLst>
   </p:cSld>
@@ -16285,8 +17620,8 @@
         </p:nvSpPr>
         <p:spPr>
           <a:xfrm>
-            <a:off x="3519054" y="1255227"/>
-            <a:ext cx="5218545" cy="1940556"/>
+            <a:off x="3796145" y="1255226"/>
+            <a:ext cx="4559082" cy="4859247"/>
           </a:xfrm>
           <a:prstGeom prst="rect">
             <a:avLst/>
@@ -16335,8 +17670,8 @@
         </p:nvSpPr>
         <p:spPr>
           <a:xfrm>
-            <a:off x="3773824" y="1429946"/>
-            <a:ext cx="1426250" cy="1108325"/>
+            <a:off x="4078623" y="1411473"/>
+            <a:ext cx="3994123" cy="3844018"/>
           </a:xfrm>
           <a:prstGeom prst="rect">
             <a:avLst/>
@@ -16373,7 +17708,7 @@
                   <a:schemeClr val="tx1"/>
                 </a:solidFill>
               </a:rPr>
-              <a:t>PC</a:t>
+              <a:t>FM</a:t>
             </a:r>
             <a:endParaRPr lang="en-US" dirty="0">
               <a:solidFill>
@@ -16391,8 +17726,8 @@
         </p:nvSpPr>
         <p:spPr>
           <a:xfrm>
-            <a:off x="4669753" y="2661744"/>
-            <a:ext cx="530321" cy="292641"/>
+            <a:off x="5827908" y="4755957"/>
+            <a:ext cx="449618" cy="292641"/>
           </a:xfrm>
           <a:prstGeom prst="rect">
             <a:avLst/>
@@ -16432,7 +17767,7 @@
                   <a:schemeClr val="tx1"/>
                 </a:solidFill>
               </a:rPr>
-              <a:t>MG</a:t>
+              <a:t>RG</a:t>
             </a:r>
             <a:endParaRPr lang="en-US" dirty="0">
               <a:solidFill>
@@ -16442,124 +17777,10 @@
           </a:p>
         </p:txBody>
       </p:sp>
-      <p:sp>
-        <p:nvSpPr>
-          <p:cNvPr id="12" name="직사각형 11"/>
-          <p:cNvSpPr/>
-          <p:nvPr/>
-        </p:nvSpPr>
-        <p:spPr>
-          <a:xfrm>
-            <a:off x="5454843" y="1429945"/>
-            <a:ext cx="2900383" cy="1524440"/>
-          </a:xfrm>
-          <a:prstGeom prst="rect">
-            <a:avLst/>
-          </a:prstGeom>
-          <a:solidFill>
-            <a:schemeClr val="bg1"/>
-          </a:solidFill>
-          <a:ln w="19050"/>
-        </p:spPr>
-        <p:style>
-          <a:lnRef idx="2">
-            <a:schemeClr val="accent1">
-              <a:shade val="50000"/>
-            </a:schemeClr>
-          </a:lnRef>
-          <a:fillRef idx="1">
-            <a:schemeClr val="accent1"/>
-          </a:fillRef>
-          <a:effectRef idx="0">
-            <a:schemeClr val="accent1"/>
-          </a:effectRef>
-          <a:fontRef idx="minor">
-            <a:schemeClr val="lt1"/>
-          </a:fontRef>
-        </p:style>
-        <p:txBody>
-          <a:bodyPr rtlCol="0" anchor="ctr"/>
-          <a:lstStyle/>
-          <a:p>
-            <a:pPr algn="ctr"/>
-            <a:r>
-              <a:rPr lang="en-US" dirty="0" smtClean="0">
-                <a:solidFill>
-                  <a:schemeClr val="tx1"/>
-                </a:solidFill>
-              </a:rPr>
-              <a:t>DS</a:t>
-            </a:r>
-            <a:endParaRPr lang="en-US" dirty="0">
-              <a:solidFill>
-                <a:schemeClr val="tx1"/>
-              </a:solidFill>
-            </a:endParaRPr>
-          </a:p>
-        </p:txBody>
-      </p:sp>
-      <p:sp>
-        <p:nvSpPr>
-          <p:cNvPr id="13" name="searchBar"/>
-          <p:cNvSpPr/>
-          <p:nvPr/>
-        </p:nvSpPr>
-        <p:spPr>
-          <a:xfrm>
-            <a:off x="3519054" y="3370500"/>
-            <a:ext cx="5218545" cy="2272917"/>
-          </a:xfrm>
-          <a:prstGeom prst="rect">
-            <a:avLst/>
-          </a:prstGeom>
-          <a:solidFill>
-            <a:schemeClr val="bg1">
-              <a:lumMod val="95000"/>
-            </a:schemeClr>
-          </a:solidFill>
-          <a:ln w="19050"/>
-        </p:spPr>
-        <p:style>
-          <a:lnRef idx="2">
-            <a:schemeClr val="accent1">
-              <a:shade val="50000"/>
-            </a:schemeClr>
-          </a:lnRef>
-          <a:fillRef idx="1">
-            <a:schemeClr val="accent1"/>
-          </a:fillRef>
-          <a:effectRef idx="0">
-            <a:schemeClr val="accent1"/>
-          </a:effectRef>
-          <a:fontRef idx="minor">
-            <a:schemeClr val="lt1"/>
-          </a:fontRef>
-        </p:style>
-        <p:txBody>
-          <a:bodyPr rtlCol="0" anchor="ctr"/>
-          <a:lstStyle/>
-          <a:p>
-            <a:pPr algn="ctr"/>
-            <a:r>
-              <a:rPr lang="en-US" dirty="0" smtClean="0">
-                <a:solidFill>
-                  <a:schemeClr val="tx1"/>
-                </a:solidFill>
-              </a:rPr>
-              <a:t>LS</a:t>
-            </a:r>
-            <a:endParaRPr lang="en-US" dirty="0">
-              <a:solidFill>
-                <a:schemeClr val="tx1"/>
-              </a:solidFill>
-            </a:endParaRPr>
-          </a:p>
-        </p:txBody>
-      </p:sp>
     </p:spTree>
     <p:extLst>
       <p:ext uri="{BB962C8B-B14F-4D97-AF65-F5344CB8AC3E}">
-        <p14:creationId xmlns:p14="http://schemas.microsoft.com/office/powerpoint/2010/main" val="885988592"/>
+        <p14:creationId xmlns:p14="http://schemas.microsoft.com/office/powerpoint/2010/main" val="4274851449"/>
       </p:ext>
     </p:extLst>
   </p:cSld>

--- a/doc/layout(specification_in_slideNote).pptx
+++ b/doc/layout(specification_in_slideNote).pptx
@@ -206,7 +206,7 @@
           <a:p>
             <a:fld id="{4896269B-4557-4528-9720-78BD4DC11D7E}" type="datetimeFigureOut">
               <a:rPr lang="en-US" smtClean="0"/>
-              <a:t>8/6/15 Thu</a:t>
+              <a:t>8/9/15 Sun</a:t>
             </a:fld>
             <a:endParaRPr lang="en-US"/>
           </a:p>
@@ -555,13 +555,18 @@
           <a:p>
             <a:r>
               <a:rPr lang="en-US" dirty="0" smtClean="0"/>
-              <a:t>header</a:t>
-            </a:r>
+              <a:t>#header</a:t>
+            </a:r>
+            <a:endParaRPr lang="en-US" dirty="0" smtClean="0"/>
           </a:p>
           <a:p>
             <a:r>
               <a:rPr lang="en-US" dirty="0" smtClean="0"/>
-              <a:t>  logo,</a:t>
+              <a:t>	logo</a:t>
+            </a:r>
+            <a:r>
+              <a:rPr lang="en-US" dirty="0" smtClean="0"/>
+              <a:t>,</a:t>
             </a:r>
             <a:r>
               <a:rPr lang="en-US" baseline="0" dirty="0" smtClean="0"/>
@@ -597,26 +602,21 @@
           </a:p>
           <a:p>
             <a:r>
-              <a:rPr lang="en-US" dirty="0" err="1" smtClean="0"/>
-              <a:t>upper_bar</a:t>
-            </a:r>
-            <a:endParaRPr lang="en-US" dirty="0" smtClean="0"/>
-          </a:p>
-          <a:p>
-            <a:r>
               <a:rPr lang="en-US" baseline="0" dirty="0" smtClean="0"/>
-              <a:t>  board, </a:t>
-            </a:r>
-            <a:r>
-              <a:rPr lang="en-US" baseline="0" dirty="0" err="1" smtClean="0"/>
-              <a:t>ad_top</a:t>
-            </a:r>
-            <a:endParaRPr lang="en-US" baseline="0" dirty="0" smtClean="0"/>
-          </a:p>
-          <a:p>
-            <a:endParaRPr lang="en-US" baseline="0" dirty="0" smtClean="0"/>
-          </a:p>
-          <a:p>
+              <a:t>#container</a:t>
+            </a:r>
+          </a:p>
+          <a:p>
+            <a:r>
+              <a:rPr lang="en-US" baseline="0" dirty="0" smtClean="0"/>
+              <a:t>	#content</a:t>
+            </a:r>
+          </a:p>
+          <a:p>
+            <a:r>
+              <a:rPr lang="en-US" baseline="0" dirty="0" smtClean="0"/>
+              <a:t>		.</a:t>
+            </a:r>
             <a:r>
               <a:rPr lang="en-US" baseline="0" dirty="0" err="1" smtClean="0"/>
               <a:t>entry_pane</a:t>
@@ -624,27 +624,62 @@
             <a:endParaRPr lang="en-US" baseline="0" dirty="0" smtClean="0"/>
           </a:p>
           <a:p>
+            <a:pPr marL="0" marR="0" indent="0" algn="l" defTabSz="914400" rtl="0" eaLnBrk="1" fontAlgn="auto" latinLnBrk="0" hangingPunct="1">
+              <a:lnSpc>
+                <a:spcPct val="100000"/>
+              </a:lnSpc>
+              <a:spcBef>
+                <a:spcPts val="0"/>
+              </a:spcBef>
+              <a:spcAft>
+                <a:spcPts val="0"/>
+              </a:spcAft>
+              <a:buClrTx/>
+              <a:buSzTx/>
+              <a:buFontTx/>
+              <a:buNone/>
+              <a:tabLst/>
+              <a:defRPr/>
+            </a:pPr>
             <a:r>
               <a:rPr lang="en-US" baseline="0" dirty="0" smtClean="0"/>
-              <a:t>  entry(Term</a:t>
-            </a:r>
-            <a:r>
-              <a:rPr lang="ko-KR" altLang="en-US" baseline="0" dirty="0" smtClean="0"/>
-              <a:t>페이지에 상세서술</a:t>
-            </a:r>
+              <a:t>	.spot</a:t>
+            </a:r>
+          </a:p>
+          <a:p>
+            <a:pPr marL="0" marR="0" indent="0" algn="l" defTabSz="914400" rtl="0" eaLnBrk="1" fontAlgn="auto" latinLnBrk="0" hangingPunct="1">
+              <a:lnSpc>
+                <a:spcPct val="100000"/>
+              </a:lnSpc>
+              <a:spcBef>
+                <a:spcPts val="0"/>
+              </a:spcBef>
+              <a:spcAft>
+                <a:spcPts val="0"/>
+              </a:spcAft>
+              <a:buClrTx/>
+              <a:buSzTx/>
+              <a:buFontTx/>
+              <a:buNone/>
+              <a:tabLst/>
+              <a:defRPr/>
+            </a:pPr>
             <a:r>
               <a:rPr lang="en-US" baseline="0" dirty="0" smtClean="0"/>
-              <a:t>)</a:t>
-            </a:r>
-          </a:p>
-          <a:p>
+              <a:t>		</a:t>
+            </a:r>
+            <a:r>
+              <a:rPr lang="en-US" baseline="0" dirty="0" err="1" smtClean="0"/>
+              <a:t>ad_spot</a:t>
+            </a:r>
             <a:endParaRPr lang="en-US" baseline="0" dirty="0" smtClean="0"/>
           </a:p>
           <a:p>
             <a:r>
               <a:rPr lang="en-US" baseline="0" dirty="0" smtClean="0"/>
-              <a:t>aside</a:t>
-            </a:r>
+              <a:t>	.aside</a:t>
+            </a:r>
+            <a:endParaRPr lang="en-US" baseline="0" dirty="0" smtClean="0"/>
           </a:p>
           <a:p>
             <a:r>
@@ -652,12 +687,20 @@
               <a:t>  </a:t>
             </a:r>
             <a:r>
+              <a:rPr lang="en-US" baseline="0" dirty="0" smtClean="0"/>
+              <a:t>  		</a:t>
+            </a:r>
+            <a:r>
               <a:rPr lang="en-US" baseline="0" dirty="0" err="1" smtClean="0"/>
               <a:t>recent_terms</a:t>
             </a:r>
             <a:r>
               <a:rPr lang="en-US" baseline="0" dirty="0" smtClean="0"/>
-              <a:t>, advertisement, </a:t>
+              <a:t>, </a:t>
+            </a:r>
+            <a:r>
+              <a:rPr lang="en-US" baseline="0" smtClean="0"/>
+              <a:t>ad_aside, </a:t>
             </a:r>
             <a:r>
               <a:rPr lang="en-US" baseline="0" dirty="0" err="1" smtClean="0"/>
@@ -4249,7 +4292,7 @@
           <a:p>
             <a:fld id="{A0092779-0FA5-4774-8259-C4C96C049AC6}" type="datetimeFigureOut">
               <a:rPr lang="en-US" smtClean="0"/>
-              <a:t>8/6/15 Thu</a:t>
+              <a:t>8/9/15 Sun</a:t>
             </a:fld>
             <a:endParaRPr lang="en-US"/>
           </a:p>
@@ -4419,7 +4462,7 @@
           <a:p>
             <a:fld id="{A0092779-0FA5-4774-8259-C4C96C049AC6}" type="datetimeFigureOut">
               <a:rPr lang="en-US" smtClean="0"/>
-              <a:t>8/6/15 Thu</a:t>
+              <a:t>8/9/15 Sun</a:t>
             </a:fld>
             <a:endParaRPr lang="en-US"/>
           </a:p>
@@ -4599,7 +4642,7 @@
           <a:p>
             <a:fld id="{A0092779-0FA5-4774-8259-C4C96C049AC6}" type="datetimeFigureOut">
               <a:rPr lang="en-US" smtClean="0"/>
-              <a:t>8/6/15 Thu</a:t>
+              <a:t>8/9/15 Sun</a:t>
             </a:fld>
             <a:endParaRPr lang="en-US"/>
           </a:p>
@@ -4769,7 +4812,7 @@
           <a:p>
             <a:fld id="{A0092779-0FA5-4774-8259-C4C96C049AC6}" type="datetimeFigureOut">
               <a:rPr lang="en-US" smtClean="0"/>
-              <a:t>8/6/15 Thu</a:t>
+              <a:t>8/9/15 Sun</a:t>
             </a:fld>
             <a:endParaRPr lang="en-US"/>
           </a:p>
@@ -5015,7 +5058,7 @@
           <a:p>
             <a:fld id="{A0092779-0FA5-4774-8259-C4C96C049AC6}" type="datetimeFigureOut">
               <a:rPr lang="en-US" smtClean="0"/>
-              <a:t>8/6/15 Thu</a:t>
+              <a:t>8/9/15 Sun</a:t>
             </a:fld>
             <a:endParaRPr lang="en-US"/>
           </a:p>
@@ -5247,7 +5290,7 @@
           <a:p>
             <a:fld id="{A0092779-0FA5-4774-8259-C4C96C049AC6}" type="datetimeFigureOut">
               <a:rPr lang="en-US" smtClean="0"/>
-              <a:t>8/6/15 Thu</a:t>
+              <a:t>8/9/15 Sun</a:t>
             </a:fld>
             <a:endParaRPr lang="en-US"/>
           </a:p>
@@ -5614,7 +5657,7 @@
           <a:p>
             <a:fld id="{A0092779-0FA5-4774-8259-C4C96C049AC6}" type="datetimeFigureOut">
               <a:rPr lang="en-US" smtClean="0"/>
-              <a:t>8/6/15 Thu</a:t>
+              <a:t>8/9/15 Sun</a:t>
             </a:fld>
             <a:endParaRPr lang="en-US"/>
           </a:p>
@@ -5732,7 +5775,7 @@
           <a:p>
             <a:fld id="{A0092779-0FA5-4774-8259-C4C96C049AC6}" type="datetimeFigureOut">
               <a:rPr lang="en-US" smtClean="0"/>
-              <a:t>8/6/15 Thu</a:t>
+              <a:t>8/9/15 Sun</a:t>
             </a:fld>
             <a:endParaRPr lang="en-US"/>
           </a:p>
@@ -5827,7 +5870,7 @@
           <a:p>
             <a:fld id="{A0092779-0FA5-4774-8259-C4C96C049AC6}" type="datetimeFigureOut">
               <a:rPr lang="en-US" smtClean="0"/>
-              <a:t>8/6/15 Thu</a:t>
+              <a:t>8/9/15 Sun</a:t>
             </a:fld>
             <a:endParaRPr lang="en-US"/>
           </a:p>
@@ -6104,7 +6147,7 @@
           <a:p>
             <a:fld id="{A0092779-0FA5-4774-8259-C4C96C049AC6}" type="datetimeFigureOut">
               <a:rPr lang="en-US" smtClean="0"/>
-              <a:t>8/6/15 Thu</a:t>
+              <a:t>8/9/15 Sun</a:t>
             </a:fld>
             <a:endParaRPr lang="en-US"/>
           </a:p>
@@ -6357,7 +6400,7 @@
           <a:p>
             <a:fld id="{A0092779-0FA5-4774-8259-C4C96C049AC6}" type="datetimeFigureOut">
               <a:rPr lang="en-US" smtClean="0"/>
-              <a:t>8/6/15 Thu</a:t>
+              <a:t>8/9/15 Sun</a:t>
             </a:fld>
             <a:endParaRPr lang="en-US"/>
           </a:p>
@@ -6570,7 +6613,7 @@
           <a:p>
             <a:fld id="{A0092779-0FA5-4774-8259-C4C96C049AC6}" type="datetimeFigureOut">
               <a:rPr lang="en-US" smtClean="0"/>
-              <a:t>8/6/15 Thu</a:t>
+              <a:t>8/9/15 Sun</a:t>
             </a:fld>
             <a:endParaRPr lang="en-US"/>
           </a:p>
@@ -6983,8 +7026,8 @@
         </p:nvSpPr>
         <p:spPr>
           <a:xfrm>
-            <a:off x="1862254" y="342132"/>
-            <a:ext cx="7584296" cy="6133514"/>
+            <a:off x="1862254" y="1105137"/>
+            <a:ext cx="7584296" cy="5370508"/>
           </a:xfrm>
           <a:prstGeom prst="rect">
             <a:avLst/>
@@ -7011,10 +7054,18 @@
           </a:fontRef>
         </p:style>
         <p:txBody>
-          <a:bodyPr rtlCol="0" anchor="t"/>
-          <a:lstStyle/>
-          <a:p>
-            <a:pPr algn="ctr"/>
+          <a:bodyPr rtlCol="0" anchor="ctr"/>
+          <a:lstStyle/>
+          <a:p>
+            <a:pPr algn="ctr"/>
+            <a:r>
+              <a:rPr lang="en-US" sz="1100" dirty="0" smtClean="0">
+                <a:solidFill>
+                  <a:schemeClr val="tx1"/>
+                </a:solidFill>
+              </a:rPr>
+              <a:t>#container</a:t>
+            </a:r>
             <a:endParaRPr lang="en-US" sz="1100" dirty="0">
               <a:solidFill>
                 <a:schemeClr val="tx1"/>
@@ -7061,10 +7112,18 @@
           </a:fontRef>
         </p:style>
         <p:txBody>
-          <a:bodyPr rtlCol="0" anchor="t"/>
-          <a:lstStyle/>
-          <a:p>
-            <a:pPr algn="ctr"/>
+          <a:bodyPr rtlCol="0" anchor="ctr"/>
+          <a:lstStyle/>
+          <a:p>
+            <a:pPr algn="ctr"/>
+            <a:r>
+              <a:rPr lang="en-US" sz="1100" dirty="0" smtClean="0">
+                <a:solidFill>
+                  <a:schemeClr val="tx1"/>
+                </a:solidFill>
+              </a:rPr>
+              <a:t>#header</a:t>
+            </a:r>
             <a:endParaRPr lang="en-US" sz="1100" dirty="0">
               <a:solidFill>
                 <a:schemeClr val="tx1"/>
@@ -7088,10 +7147,9 @@
             <a:avLst/>
           </a:prstGeom>
           <a:solidFill>
-            <a:schemeClr val="accent1">
-              <a:lumMod val="20000"/>
-              <a:lumOff val="80000"/>
-            </a:schemeClr>
+            <a:srgbClr val="DEEBF7">
+              <a:alpha val="50196"/>
+            </a:srgbClr>
           </a:solidFill>
           <a:ln w="19050"/>
         </p:spPr>
@@ -7147,10 +7205,9 @@
             <a:avLst/>
           </a:prstGeom>
           <a:solidFill>
-            <a:schemeClr val="accent1">
-              <a:lumMod val="20000"/>
-              <a:lumOff val="80000"/>
-            </a:schemeClr>
+            <a:srgbClr val="DEEBF7">
+              <a:alpha val="50196"/>
+            </a:srgbClr>
           </a:solidFill>
           <a:ln w="19050"/>
         </p:spPr>
@@ -7206,10 +7263,9 @@
             <a:avLst/>
           </a:prstGeom>
           <a:solidFill>
-            <a:schemeClr val="accent1">
-              <a:lumMod val="20000"/>
-              <a:lumOff val="80000"/>
-            </a:schemeClr>
+            <a:srgbClr val="DEEBF7">
+              <a:alpha val="50196"/>
+            </a:srgbClr>
           </a:solidFill>
           <a:ln w="19050"/>
         </p:spPr>
@@ -7265,10 +7321,9 @@
             <a:avLst/>
           </a:prstGeom>
           <a:solidFill>
-            <a:schemeClr val="accent1">
-              <a:lumMod val="20000"/>
-              <a:lumOff val="80000"/>
-            </a:schemeClr>
+            <a:srgbClr val="DEEBF7">
+              <a:alpha val="50196"/>
+            </a:srgbClr>
           </a:solidFill>
           <a:ln w="19050"/>
         </p:spPr>
@@ -7324,10 +7379,9 @@
             <a:avLst/>
           </a:prstGeom>
           <a:solidFill>
-            <a:schemeClr val="accent1">
-              <a:lumMod val="20000"/>
-              <a:lumOff val="80000"/>
-            </a:schemeClr>
+            <a:srgbClr val="DEEBF7">
+              <a:alpha val="50196"/>
+            </a:srgbClr>
           </a:solidFill>
           <a:ln w="19050"/>
         </p:spPr>
@@ -7379,40 +7433,48 @@
         </p:nvSpPr>
         <p:spPr>
           <a:xfrm>
-            <a:off x="2241395" y="1151581"/>
-            <a:ext cx="6856423" cy="1730592"/>
-          </a:xfrm>
-          <a:prstGeom prst="rect">
-            <a:avLst/>
-          </a:prstGeom>
-          <a:solidFill>
-            <a:schemeClr val="bg1">
-              <a:lumMod val="95000"/>
-            </a:schemeClr>
-          </a:solidFill>
-          <a:ln w="19050"/>
-        </p:spPr>
-        <p:style>
-          <a:lnRef idx="2">
-            <a:schemeClr val="accent1">
-              <a:shade val="50000"/>
-            </a:schemeClr>
-          </a:lnRef>
-          <a:fillRef idx="1">
-            <a:schemeClr val="accent1"/>
-          </a:fillRef>
-          <a:effectRef idx="0">
-            <a:schemeClr val="accent1"/>
-          </a:effectRef>
-          <a:fontRef idx="minor">
-            <a:schemeClr val="lt1"/>
-          </a:fontRef>
-        </p:style>
-        <p:txBody>
-          <a:bodyPr rtlCol="0" anchor="t"/>
-          <a:lstStyle/>
-          <a:p>
-            <a:pPr algn="ctr"/>
+            <a:off x="2241395" y="1222917"/>
+            <a:ext cx="6856423" cy="895077"/>
+          </a:xfrm>
+          <a:prstGeom prst="rect">
+            <a:avLst/>
+          </a:prstGeom>
+          <a:solidFill>
+            <a:srgbClr val="F2F2F2">
+              <a:alpha val="50196"/>
+            </a:srgbClr>
+          </a:solidFill>
+          <a:ln w="19050"/>
+        </p:spPr>
+        <p:style>
+          <a:lnRef idx="2">
+            <a:schemeClr val="accent1">
+              <a:shade val="50000"/>
+            </a:schemeClr>
+          </a:lnRef>
+          <a:fillRef idx="1">
+            <a:schemeClr val="accent1"/>
+          </a:fillRef>
+          <a:effectRef idx="0">
+            <a:schemeClr val="accent1"/>
+          </a:effectRef>
+          <a:fontRef idx="minor">
+            <a:schemeClr val="lt1"/>
+          </a:fontRef>
+        </p:style>
+        <p:txBody>
+          <a:bodyPr rtlCol="0" anchor="ctr"/>
+          <a:lstStyle/>
+          <a:p>
+            <a:pPr algn="ctr"/>
+            <a:r>
+              <a:rPr lang="en-US" sz="1100" dirty="0" smtClean="0">
+                <a:solidFill>
+                  <a:schemeClr val="tx1"/>
+                </a:solidFill>
+              </a:rPr>
+              <a:t>.spot</a:t>
+            </a:r>
             <a:endParaRPr lang="en-US" sz="1100" dirty="0">
               <a:solidFill>
                 <a:schemeClr val="tx1"/>
@@ -7429,16 +7491,16 @@
         </p:nvSpPr>
         <p:spPr>
           <a:xfrm>
-            <a:off x="2241394" y="3130594"/>
-            <a:ext cx="5018049" cy="3030426"/>
-          </a:xfrm>
-          <a:prstGeom prst="rect">
-            <a:avLst/>
-          </a:prstGeom>
-          <a:solidFill>
-            <a:schemeClr val="bg1">
-              <a:lumMod val="95000"/>
-            </a:schemeClr>
+            <a:off x="2241395" y="2304470"/>
+            <a:ext cx="5018049" cy="3847512"/>
+          </a:xfrm>
+          <a:prstGeom prst="rect">
+            <a:avLst/>
+          </a:prstGeom>
+          <a:solidFill>
+            <a:srgbClr val="F2F2F2">
+              <a:alpha val="50196"/>
+            </a:srgbClr>
           </a:solidFill>
           <a:ln w="19050"/>
         </p:spPr>
@@ -7469,7 +7531,7 @@
                   <a:schemeClr val="tx1"/>
                 </a:solidFill>
               </a:rPr>
-              <a:t>EN_PANE</a:t>
+              <a:t>#content</a:t>
             </a:r>
             <a:endParaRPr lang="en-US" sz="1100" dirty="0">
               <a:solidFill>
@@ -7481,44 +7543,54 @@
       </p:sp>
       <p:sp>
         <p:nvSpPr>
-          <p:cNvPr id="41" name="searchBar"/>
-          <p:cNvSpPr/>
-          <p:nvPr/>
-        </p:nvSpPr>
-        <p:spPr>
-          <a:xfrm>
-            <a:off x="2442116" y="1987334"/>
-            <a:ext cx="6445405" cy="752628"/>
-          </a:xfrm>
-          <a:prstGeom prst="rect">
-            <a:avLst/>
-          </a:prstGeom>
-          <a:solidFill>
-            <a:schemeClr val="bg1"/>
-          </a:solidFill>
-          <a:ln w="19050"/>
-        </p:spPr>
-        <p:style>
-          <a:lnRef idx="2">
-            <a:schemeClr val="accent1">
-              <a:shade val="50000"/>
-            </a:schemeClr>
-          </a:lnRef>
-          <a:fillRef idx="1">
-            <a:schemeClr val="accent1"/>
-          </a:fillRef>
-          <a:effectRef idx="0">
-            <a:schemeClr val="accent1"/>
-          </a:effectRef>
-          <a:fontRef idx="minor">
-            <a:schemeClr val="lt1"/>
-          </a:fontRef>
-        </p:style>
-        <p:txBody>
-          <a:bodyPr rtlCol="0" anchor="t"/>
-          <a:lstStyle/>
-          <a:p>
-            <a:pPr algn="ctr"/>
+          <p:cNvPr id="43" name="searchBar"/>
+          <p:cNvSpPr/>
+          <p:nvPr/>
+        </p:nvSpPr>
+        <p:spPr>
+          <a:xfrm>
+            <a:off x="2900598" y="1347094"/>
+            <a:ext cx="5390693" cy="546721"/>
+          </a:xfrm>
+          <a:prstGeom prst="rect">
+            <a:avLst/>
+          </a:prstGeom>
+          <a:solidFill>
+            <a:srgbClr val="DEEBF7">
+              <a:alpha val="50196"/>
+            </a:srgbClr>
+          </a:solidFill>
+          <a:ln w="19050"/>
+        </p:spPr>
+        <p:style>
+          <a:lnRef idx="2">
+            <a:schemeClr val="accent1">
+              <a:shade val="50000"/>
+            </a:schemeClr>
+          </a:lnRef>
+          <a:fillRef idx="1">
+            <a:schemeClr val="accent1"/>
+          </a:fillRef>
+          <a:effectRef idx="0">
+            <a:schemeClr val="accent1"/>
+          </a:effectRef>
+          <a:fontRef idx="minor">
+            <a:schemeClr val="lt1"/>
+          </a:fontRef>
+        </p:style>
+        <p:txBody>
+          <a:bodyPr rtlCol="0" anchor="ctr"/>
+          <a:lstStyle/>
+          <a:p>
+            <a:pPr algn="ctr"/>
+            <a:r>
+              <a:rPr lang="en-US" sz="1100" dirty="0" smtClean="0">
+                <a:solidFill>
+                  <a:schemeClr val="tx1"/>
+                </a:solidFill>
+              </a:rPr>
+              <a:t>.ad_1</a:t>
+            </a:r>
             <a:endParaRPr lang="en-US" sz="1100" dirty="0">
               <a:solidFill>
                 <a:schemeClr val="tx1"/>
@@ -7529,23 +7601,204 @@
       </p:sp>
       <p:sp>
         <p:nvSpPr>
-          <p:cNvPr id="43" name="searchBar"/>
-          <p:cNvSpPr/>
-          <p:nvPr/>
-        </p:nvSpPr>
-        <p:spPr>
-          <a:xfrm>
-            <a:off x="2900597" y="2078999"/>
-            <a:ext cx="5390693" cy="546721"/>
-          </a:xfrm>
-          <a:prstGeom prst="rect">
-            <a:avLst/>
-          </a:prstGeom>
-          <a:solidFill>
-            <a:schemeClr val="accent1">
-              <a:lumMod val="20000"/>
-              <a:lumOff val="80000"/>
-            </a:schemeClr>
+          <p:cNvPr id="44" name="직사각형 43"/>
+          <p:cNvSpPr/>
+          <p:nvPr/>
+        </p:nvSpPr>
+        <p:spPr>
+          <a:xfrm>
+            <a:off x="2424713" y="2547048"/>
+            <a:ext cx="4651410" cy="3294194"/>
+          </a:xfrm>
+          <a:prstGeom prst="rect">
+            <a:avLst/>
+          </a:prstGeom>
+          <a:solidFill>
+            <a:srgbClr val="FFFFFF">
+              <a:alpha val="50196"/>
+            </a:srgbClr>
+          </a:solidFill>
+          <a:ln w="19050"/>
+        </p:spPr>
+        <p:style>
+          <a:lnRef idx="2">
+            <a:schemeClr val="accent1">
+              <a:shade val="50000"/>
+            </a:schemeClr>
+          </a:lnRef>
+          <a:fillRef idx="1">
+            <a:schemeClr val="accent1"/>
+          </a:fillRef>
+          <a:effectRef idx="0">
+            <a:schemeClr val="accent1"/>
+          </a:effectRef>
+          <a:fontRef idx="minor">
+            <a:schemeClr val="lt1"/>
+          </a:fontRef>
+        </p:style>
+        <p:txBody>
+          <a:bodyPr rtlCol="0" anchor="ctr"/>
+          <a:lstStyle/>
+          <a:p>
+            <a:pPr algn="ctr"/>
+            <a:r>
+              <a:rPr lang="en-US" sz="1100" dirty="0" smtClean="0">
+                <a:solidFill>
+                  <a:schemeClr val="tx1"/>
+                </a:solidFill>
+              </a:rPr>
+              <a:t>.</a:t>
+            </a:r>
+            <a:r>
+              <a:rPr lang="en-US" sz="1100" dirty="0" err="1" smtClean="0">
+                <a:solidFill>
+                  <a:schemeClr val="tx1"/>
+                </a:solidFill>
+              </a:rPr>
+              <a:t>entry_pane</a:t>
+            </a:r>
+            <a:endParaRPr lang="en-US" sz="1100" dirty="0">
+              <a:solidFill>
+                <a:schemeClr val="tx1"/>
+              </a:solidFill>
+            </a:endParaRPr>
+          </a:p>
+        </p:txBody>
+      </p:sp>
+      <p:sp>
+        <p:nvSpPr>
+          <p:cNvPr id="54" name="searchBar"/>
+          <p:cNvSpPr/>
+          <p:nvPr/>
+        </p:nvSpPr>
+        <p:spPr>
+          <a:xfrm>
+            <a:off x="7479722" y="2304471"/>
+            <a:ext cx="1618096" cy="3857838"/>
+          </a:xfrm>
+          <a:prstGeom prst="rect">
+            <a:avLst/>
+          </a:prstGeom>
+          <a:solidFill>
+            <a:srgbClr val="F2F2F2">
+              <a:alpha val="50196"/>
+            </a:srgbClr>
+          </a:solidFill>
+          <a:ln w="19050"/>
+        </p:spPr>
+        <p:style>
+          <a:lnRef idx="2">
+            <a:schemeClr val="accent1">
+              <a:shade val="50000"/>
+            </a:schemeClr>
+          </a:lnRef>
+          <a:fillRef idx="1">
+            <a:schemeClr val="accent1"/>
+          </a:fillRef>
+          <a:effectRef idx="0">
+            <a:schemeClr val="accent1"/>
+          </a:effectRef>
+          <a:fontRef idx="minor">
+            <a:schemeClr val="lt1"/>
+          </a:fontRef>
+        </p:style>
+        <p:txBody>
+          <a:bodyPr rtlCol="0" anchor="ctr"/>
+          <a:lstStyle/>
+          <a:p>
+            <a:pPr algn="ctr"/>
+            <a:r>
+              <a:rPr lang="en-US" sz="1100" dirty="0" smtClean="0">
+                <a:solidFill>
+                  <a:schemeClr val="tx1"/>
+                </a:solidFill>
+              </a:rPr>
+              <a:t>.aside</a:t>
+            </a:r>
+            <a:endParaRPr lang="en-US" sz="1100" dirty="0">
+              <a:solidFill>
+                <a:schemeClr val="tx1"/>
+              </a:solidFill>
+            </a:endParaRPr>
+          </a:p>
+        </p:txBody>
+      </p:sp>
+      <p:sp>
+        <p:nvSpPr>
+          <p:cNvPr id="56" name="searchBar"/>
+          <p:cNvSpPr/>
+          <p:nvPr/>
+        </p:nvSpPr>
+        <p:spPr>
+          <a:xfrm>
+            <a:off x="7632862" y="2547048"/>
+            <a:ext cx="1338872" cy="835654"/>
+          </a:xfrm>
+          <a:prstGeom prst="rect">
+            <a:avLst/>
+          </a:prstGeom>
+          <a:solidFill>
+            <a:srgbClr val="FFFFFF">
+              <a:alpha val="50196"/>
+            </a:srgbClr>
+          </a:solidFill>
+          <a:ln w="19050"/>
+        </p:spPr>
+        <p:style>
+          <a:lnRef idx="2">
+            <a:schemeClr val="accent1">
+              <a:shade val="50000"/>
+            </a:schemeClr>
+          </a:lnRef>
+          <a:fillRef idx="1">
+            <a:schemeClr val="accent1"/>
+          </a:fillRef>
+          <a:effectRef idx="0">
+            <a:schemeClr val="accent1"/>
+          </a:effectRef>
+          <a:fontRef idx="minor">
+            <a:schemeClr val="lt1"/>
+          </a:fontRef>
+        </p:style>
+        <p:txBody>
+          <a:bodyPr rtlCol="0" anchor="ctr"/>
+          <a:lstStyle/>
+          <a:p>
+            <a:pPr algn="ctr"/>
+            <a:r>
+              <a:rPr lang="en-US" sz="1100" dirty="0" smtClean="0">
+                <a:solidFill>
+                  <a:schemeClr val="tx1"/>
+                </a:solidFill>
+              </a:rPr>
+              <a:t>RT</a:t>
+            </a:r>
+            <a:endParaRPr lang="en-US" sz="1100" dirty="0">
+              <a:solidFill>
+                <a:schemeClr val="tx1"/>
+              </a:solidFill>
+            </a:endParaRPr>
+          </a:p>
+        </p:txBody>
+      </p:sp>
+      <p:sp>
+        <p:nvSpPr>
+          <p:cNvPr id="27" name="searchBar"/>
+          <p:cNvSpPr/>
+          <p:nvPr/>
+        </p:nvSpPr>
+        <p:spPr>
+          <a:xfrm>
+            <a:off x="7632862" y="3492381"/>
+            <a:ext cx="1338872" cy="837211"/>
+          </a:xfrm>
+          <a:prstGeom prst="rect">
+            <a:avLst/>
+          </a:prstGeom>
+          <a:solidFill>
+            <a:srgbClr val="DEEBF7">
+              <a:alpha val="50196"/>
+            </a:srgbClr>
           </a:solidFill>
           <a:ln w="19050"/>
         </p:spPr>
@@ -7588,241 +7841,22 @@
       </p:sp>
       <p:sp>
         <p:nvSpPr>
-          <p:cNvPr id="44" name="직사각형 43"/>
-          <p:cNvSpPr/>
-          <p:nvPr/>
-        </p:nvSpPr>
-        <p:spPr>
-          <a:xfrm>
-            <a:off x="2442117" y="3284263"/>
-            <a:ext cx="4651410" cy="1224237"/>
-          </a:xfrm>
-          <a:prstGeom prst="rect">
-            <a:avLst/>
-          </a:prstGeom>
-          <a:solidFill>
-            <a:schemeClr val="bg1"/>
-          </a:solidFill>
-          <a:ln w="19050"/>
-        </p:spPr>
-        <p:style>
-          <a:lnRef idx="2">
-            <a:schemeClr val="accent1">
-              <a:shade val="50000"/>
-            </a:schemeClr>
-          </a:lnRef>
-          <a:fillRef idx="1">
-            <a:schemeClr val="accent1"/>
-          </a:fillRef>
-          <a:effectRef idx="0">
-            <a:schemeClr val="accent1"/>
-          </a:effectRef>
-          <a:fontRef idx="minor">
-            <a:schemeClr val="lt1"/>
-          </a:fontRef>
-        </p:style>
-        <p:txBody>
-          <a:bodyPr rtlCol="0" anchor="ctr"/>
-          <a:lstStyle/>
-          <a:p>
-            <a:pPr algn="ctr"/>
-            <a:r>
-              <a:rPr lang="en-US" sz="1100" dirty="0" smtClean="0">
-                <a:solidFill>
-                  <a:schemeClr val="tx1"/>
-                </a:solidFill>
-              </a:rPr>
-              <a:t>EN</a:t>
-            </a:r>
-            <a:endParaRPr lang="en-US" sz="1100" dirty="0">
-              <a:solidFill>
-                <a:schemeClr val="tx1"/>
-              </a:solidFill>
-            </a:endParaRPr>
-          </a:p>
-        </p:txBody>
-      </p:sp>
-      <p:sp>
-        <p:nvSpPr>
-          <p:cNvPr id="54" name="searchBar"/>
-          <p:cNvSpPr/>
-          <p:nvPr/>
-        </p:nvSpPr>
-        <p:spPr>
-          <a:xfrm>
-            <a:off x="7479722" y="3123047"/>
-            <a:ext cx="1618096" cy="3039261"/>
-          </a:xfrm>
-          <a:prstGeom prst="rect">
-            <a:avLst/>
-          </a:prstGeom>
-          <a:solidFill>
-            <a:schemeClr val="bg1">
-              <a:lumMod val="95000"/>
-            </a:schemeClr>
-          </a:solidFill>
-          <a:ln w="19050"/>
-        </p:spPr>
-        <p:style>
-          <a:lnRef idx="2">
-            <a:schemeClr val="accent1">
-              <a:shade val="50000"/>
-            </a:schemeClr>
-          </a:lnRef>
-          <a:fillRef idx="1">
-            <a:schemeClr val="accent1"/>
-          </a:fillRef>
-          <a:effectRef idx="0">
-            <a:schemeClr val="accent1"/>
-          </a:effectRef>
-          <a:fontRef idx="minor">
-            <a:schemeClr val="lt1"/>
-          </a:fontRef>
-        </p:style>
-        <p:txBody>
-          <a:bodyPr rtlCol="0" anchor="t"/>
-          <a:lstStyle/>
-          <a:p>
-            <a:pPr algn="ctr"/>
-            <a:endParaRPr lang="en-US" sz="1100" dirty="0">
-              <a:solidFill>
-                <a:schemeClr val="tx1"/>
-              </a:solidFill>
-            </a:endParaRPr>
-          </a:p>
-        </p:txBody>
-      </p:sp>
-      <p:sp>
-        <p:nvSpPr>
-          <p:cNvPr id="56" name="searchBar"/>
-          <p:cNvSpPr/>
-          <p:nvPr/>
-        </p:nvSpPr>
-        <p:spPr>
-          <a:xfrm>
-            <a:off x="7632862" y="3265292"/>
-            <a:ext cx="1338872" cy="835654"/>
-          </a:xfrm>
-          <a:prstGeom prst="rect">
-            <a:avLst/>
-          </a:prstGeom>
-          <a:solidFill>
-            <a:schemeClr val="bg1"/>
-          </a:solidFill>
-          <a:ln w="19050"/>
-        </p:spPr>
-        <p:style>
-          <a:lnRef idx="2">
-            <a:schemeClr val="accent1">
-              <a:shade val="50000"/>
-            </a:schemeClr>
-          </a:lnRef>
-          <a:fillRef idx="1">
-            <a:schemeClr val="accent1"/>
-          </a:fillRef>
-          <a:effectRef idx="0">
-            <a:schemeClr val="accent1"/>
-          </a:effectRef>
-          <a:fontRef idx="minor">
-            <a:schemeClr val="lt1"/>
-          </a:fontRef>
-        </p:style>
-        <p:txBody>
-          <a:bodyPr rtlCol="0" anchor="ctr"/>
-          <a:lstStyle/>
-          <a:p>
-            <a:pPr algn="ctr"/>
-            <a:r>
-              <a:rPr lang="en-US" sz="1100" dirty="0" smtClean="0">
-                <a:solidFill>
-                  <a:schemeClr val="tx1"/>
-                </a:solidFill>
-              </a:rPr>
-              <a:t>RT</a:t>
-            </a:r>
-            <a:endParaRPr lang="en-US" sz="1100" dirty="0">
-              <a:solidFill>
-                <a:schemeClr val="tx1"/>
-              </a:solidFill>
-            </a:endParaRPr>
-          </a:p>
-        </p:txBody>
-      </p:sp>
-      <p:sp>
-        <p:nvSpPr>
-          <p:cNvPr id="27" name="searchBar"/>
-          <p:cNvSpPr/>
-          <p:nvPr/>
-        </p:nvSpPr>
-        <p:spPr>
-          <a:xfrm>
-            <a:off x="7632862" y="4230718"/>
-            <a:ext cx="1338872" cy="837211"/>
-          </a:xfrm>
-          <a:prstGeom prst="rect">
-            <a:avLst/>
-          </a:prstGeom>
-          <a:solidFill>
-            <a:schemeClr val="accent1">
-              <a:lumMod val="20000"/>
-              <a:lumOff val="80000"/>
-            </a:schemeClr>
-          </a:solidFill>
-          <a:ln w="19050"/>
-        </p:spPr>
-        <p:style>
-          <a:lnRef idx="2">
-            <a:schemeClr val="accent1">
-              <a:shade val="50000"/>
-            </a:schemeClr>
-          </a:lnRef>
-          <a:fillRef idx="1">
-            <a:schemeClr val="accent1"/>
-          </a:fillRef>
-          <a:effectRef idx="0">
-            <a:schemeClr val="accent1"/>
-          </a:effectRef>
-          <a:fontRef idx="minor">
-            <a:schemeClr val="lt1"/>
-          </a:fontRef>
-        </p:style>
-        <p:txBody>
-          <a:bodyPr rtlCol="0" anchor="ctr"/>
-          <a:lstStyle/>
-          <a:p>
-            <a:pPr algn="ctr"/>
-            <a:r>
-              <a:rPr lang="en-US" sz="1100" dirty="0" smtClean="0">
-                <a:solidFill>
-                  <a:schemeClr val="tx1"/>
-                </a:solidFill>
-              </a:rPr>
-              <a:t>AD</a:t>
-            </a:r>
-            <a:endParaRPr lang="en-US" sz="1100" dirty="0">
-              <a:solidFill>
-                <a:schemeClr val="tx1"/>
-              </a:solidFill>
-            </a:endParaRPr>
-          </a:p>
-        </p:txBody>
-      </p:sp>
-      <p:sp>
-        <p:nvSpPr>
           <p:cNvPr id="42" name="searchBar"/>
           <p:cNvSpPr/>
           <p:nvPr/>
         </p:nvSpPr>
         <p:spPr>
           <a:xfrm>
-            <a:off x="7632861" y="5207513"/>
+            <a:off x="7632861" y="4469176"/>
             <a:ext cx="1352557" cy="835654"/>
           </a:xfrm>
           <a:prstGeom prst="rect">
             <a:avLst/>
           </a:prstGeom>
           <a:solidFill>
-            <a:schemeClr val="bg1"/>
+            <a:srgbClr val="FFFFFF">
+              <a:alpha val="50196"/>
+            </a:srgbClr>
           </a:solidFill>
           <a:ln w="19050"/>
         </p:spPr>
@@ -7854,62 +7888,6 @@
                 </a:solidFill>
               </a:rPr>
               <a:t>SN</a:t>
-            </a:r>
-            <a:endParaRPr lang="en-US" sz="1100" dirty="0">
-              <a:solidFill>
-                <a:schemeClr val="tx1"/>
-              </a:solidFill>
-            </a:endParaRPr>
-          </a:p>
-        </p:txBody>
-      </p:sp>
-      <p:sp>
-        <p:nvSpPr>
-          <p:cNvPr id="64" name="직사각형 63"/>
-          <p:cNvSpPr/>
-          <p:nvPr/>
-        </p:nvSpPr>
-        <p:spPr>
-          <a:xfrm>
-            <a:off x="2442117" y="1243879"/>
-            <a:ext cx="6445404" cy="624313"/>
-          </a:xfrm>
-          <a:prstGeom prst="rect">
-            <a:avLst/>
-          </a:prstGeom>
-          <a:solidFill>
-            <a:schemeClr val="bg1"/>
-          </a:solidFill>
-          <a:ln w="19050"/>
-        </p:spPr>
-        <p:style>
-          <a:lnRef idx="2">
-            <a:schemeClr val="accent1">
-              <a:shade val="50000"/>
-            </a:schemeClr>
-          </a:lnRef>
-          <a:fillRef idx="1">
-            <a:schemeClr val="accent1"/>
-          </a:fillRef>
-          <a:effectRef idx="0">
-            <a:schemeClr val="accent1"/>
-          </a:effectRef>
-          <a:fontRef idx="minor">
-            <a:schemeClr val="lt1"/>
-          </a:fontRef>
-        </p:style>
-        <p:txBody>
-          <a:bodyPr rtlCol="0" anchor="ctr"/>
-          <a:lstStyle/>
-          <a:p>
-            <a:pPr algn="ctr"/>
-            <a:r>
-              <a:rPr lang="en-US" sz="1100" dirty="0" smtClean="0">
-                <a:solidFill>
-                  <a:schemeClr val="tx1"/>
-                </a:solidFill>
-              </a:rPr>
-              <a:t>BOARD</a:t>
             </a:r>
             <a:endParaRPr lang="en-US" sz="1100" dirty="0">
               <a:solidFill>

--- a/doc/layout(specification_in_slideNote).pptx
+++ b/doc/layout(specification_in_slideNote).pptx
@@ -5,10 +5,10 @@
     <p:sldMasterId id="2147483648" r:id="rId1"/>
   </p:sldMasterIdLst>
   <p:notesMasterIdLst>
-    <p:notesMasterId r:id="rId12"/>
+    <p:notesMasterId r:id="rId13"/>
   </p:notesMasterIdLst>
   <p:sldIdLst>
-    <p:sldId id="261" r:id="rId2"/>
+    <p:sldId id="277" r:id="rId2"/>
     <p:sldId id="272" r:id="rId3"/>
     <p:sldId id="271" r:id="rId4"/>
     <p:sldId id="273" r:id="rId5"/>
@@ -18,6 +18,7 @@
     <p:sldId id="268" r:id="rId9"/>
     <p:sldId id="269" r:id="rId10"/>
     <p:sldId id="270" r:id="rId11"/>
+    <p:sldId id="261" r:id="rId12"/>
   </p:sldIdLst>
   <p:sldSz cx="12192000" cy="6858000"/>
   <p:notesSz cx="6858000" cy="9144000"/>
@@ -555,71 +556,71 @@
           <a:p>
             <a:r>
               <a:rPr lang="en-US" dirty="0" smtClean="0"/>
-              <a:t>#header</a:t>
+              <a:t>header</a:t>
             </a:r>
             <a:endParaRPr lang="en-US" dirty="0" smtClean="0"/>
           </a:p>
           <a:p>
             <a:r>
               <a:rPr lang="en-US" dirty="0" smtClean="0"/>
-              <a:t>	logo</a:t>
+              <a:t>	</a:t>
+            </a:r>
+            <a:r>
+              <a:rPr lang="en-US" dirty="0" err="1" smtClean="0"/>
+              <a:t>section.logo</a:t>
             </a:r>
             <a:r>
               <a:rPr lang="en-US" dirty="0" smtClean="0"/>
-              <a:t>,</a:t>
-            </a:r>
+              <a:t>-area</a:t>
+            </a:r>
+          </a:p>
+          <a:p>
             <a:r>
               <a:rPr lang="en-US" baseline="0" dirty="0" smtClean="0"/>
-              <a:t> </a:t>
+              <a:t>		logo, dropdown-menu</a:t>
+            </a:r>
+          </a:p>
+          <a:p>
+            <a:r>
+              <a:rPr lang="en-US" baseline="0" smtClean="0"/>
+              <a:t>	search-bar</a:t>
+            </a:r>
+            <a:r>
+              <a:rPr lang="en-US" baseline="0" dirty="0" smtClean="0"/>
+              <a:t>, add-term, login</a:t>
+            </a:r>
+          </a:p>
+          <a:p>
+            <a:r>
+              <a:rPr lang="en-US" baseline="0" dirty="0" smtClean="0"/>
+              <a:t>		</a:t>
+            </a:r>
+          </a:p>
+          <a:p>
+            <a:r>
+              <a:rPr lang="en-US" baseline="0" dirty="0" smtClean="0"/>
+              <a:t>main</a:t>
+            </a:r>
+          </a:p>
+          <a:p>
+            <a:r>
+              <a:rPr lang="en-US" baseline="0" dirty="0" smtClean="0"/>
+              <a:t>	</a:t>
             </a:r>
             <a:r>
               <a:rPr lang="en-US" baseline="0" dirty="0" err="1" smtClean="0"/>
-              <a:t>dropdown_menu</a:t>
-            </a:r>
+              <a:t>section.content</a:t>
+            </a:r>
+            <a:endParaRPr lang="en-US" baseline="0" dirty="0" smtClean="0"/>
+          </a:p>
+          <a:p>
             <a:r>
               <a:rPr lang="en-US" baseline="0" dirty="0" smtClean="0"/>
-              <a:t>, </a:t>
+              <a:t>		</a:t>
             </a:r>
             <a:r>
               <a:rPr lang="en-US" baseline="0" dirty="0" err="1" smtClean="0"/>
-              <a:t>search_bar</a:t>
-            </a:r>
-            <a:r>
-              <a:rPr lang="en-US" baseline="0" dirty="0" smtClean="0"/>
-              <a:t>, </a:t>
-            </a:r>
-            <a:r>
-              <a:rPr lang="en-US" baseline="0" dirty="0" err="1" smtClean="0"/>
-              <a:t>add_term</a:t>
-            </a:r>
-            <a:r>
-              <a:rPr lang="en-US" baseline="0" dirty="0" smtClean="0"/>
-              <a:t>, login</a:t>
-            </a:r>
-          </a:p>
-          <a:p>
-            <a:endParaRPr lang="en-US" baseline="0" dirty="0" smtClean="0"/>
-          </a:p>
-          <a:p>
-            <a:r>
-              <a:rPr lang="en-US" baseline="0" dirty="0" smtClean="0"/>
-              <a:t>#container</a:t>
-            </a:r>
-          </a:p>
-          <a:p>
-            <a:r>
-              <a:rPr lang="en-US" baseline="0" dirty="0" smtClean="0"/>
-              <a:t>	#content</a:t>
-            </a:r>
-          </a:p>
-          <a:p>
-            <a:r>
-              <a:rPr lang="en-US" baseline="0" dirty="0" smtClean="0"/>
-              <a:t>		.</a:t>
-            </a:r>
-            <a:r>
-              <a:rPr lang="en-US" baseline="0" dirty="0" err="1" smtClean="0"/>
-              <a:t>entry_pane</a:t>
+              <a:t>div.entry_pane</a:t>
             </a:r>
             <a:endParaRPr lang="en-US" baseline="0" dirty="0" smtClean="0"/>
           </a:p>
@@ -643,7 +644,7 @@
             </a:pPr>
             <a:r>
               <a:rPr lang="en-US" baseline="0" dirty="0" smtClean="0"/>
-              <a:t>	.spot</a:t>
+              <a:t>	section.ad-top</a:t>
             </a:r>
           </a:p>
           <a:p>
@@ -666,18 +667,14 @@
             </a:pPr>
             <a:r>
               <a:rPr lang="en-US" baseline="0" dirty="0" smtClean="0"/>
-              <a:t>		</a:t>
-            </a:r>
-            <a:r>
-              <a:rPr lang="en-US" baseline="0" dirty="0" err="1" smtClean="0"/>
-              <a:t>ad_spot</a:t>
+              <a:t>		div.ad-top</a:t>
             </a:r>
             <a:endParaRPr lang="en-US" baseline="0" dirty="0" smtClean="0"/>
           </a:p>
           <a:p>
             <a:r>
               <a:rPr lang="en-US" baseline="0" dirty="0" smtClean="0"/>
-              <a:t>	.aside</a:t>
+              <a:t>	aside</a:t>
             </a:r>
             <a:endParaRPr lang="en-US" baseline="0" dirty="0" smtClean="0"/>
           </a:p>
@@ -699,8 +696,8 @@
               <a:t>, </a:t>
             </a:r>
             <a:r>
-              <a:rPr lang="en-US" baseline="0" smtClean="0"/>
-              <a:t>ad_aside, </a:t>
+              <a:rPr lang="en-US" baseline="0" dirty="0" smtClean="0"/>
+              <a:t>ad-aside, </a:t>
             </a:r>
             <a:r>
               <a:rPr lang="en-US" baseline="0" dirty="0" err="1" smtClean="0"/>
@@ -1352,7 +1349,7 @@
     </p:spTree>
     <p:extLst>
       <p:ext uri="{BB962C8B-B14F-4D97-AF65-F5344CB8AC3E}">
-        <p14:creationId xmlns:p14="http://schemas.microsoft.com/office/powerpoint/2010/main" val="281568248"/>
+        <p14:creationId xmlns:p14="http://schemas.microsoft.com/office/powerpoint/2010/main" val="86946595"/>
       </p:ext>
     </p:extLst>
   </p:cSld>
@@ -1441,6 +1438,917 @@
     <p:extLst>
       <p:ext uri="{BB962C8B-B14F-4D97-AF65-F5344CB8AC3E}">
         <p14:creationId xmlns:p14="http://schemas.microsoft.com/office/powerpoint/2010/main" val="3815960338"/>
+      </p:ext>
+    </p:extLst>
+  </p:cSld>
+  <p:clrMapOvr>
+    <a:masterClrMapping/>
+  </p:clrMapOvr>
+</p:notes>
+</file>
+
+<file path=ppt/notesSlides/notesSlide11.xml><?xml version="1.0" encoding="utf-8"?>
+<p:notes xmlns:a="http://schemas.openxmlformats.org/drawingml/2006/main" xmlns:r="http://schemas.openxmlformats.org/officeDocument/2006/relationships" xmlns:p="http://schemas.openxmlformats.org/presentationml/2006/main">
+  <p:cSld>
+    <p:spTree>
+      <p:nvGrpSpPr>
+        <p:cNvPr id="1" name=""/>
+        <p:cNvGrpSpPr/>
+        <p:nvPr/>
+      </p:nvGrpSpPr>
+      <p:grpSpPr>
+        <a:xfrm>
+          <a:off x="0" y="0"/>
+          <a:ext cx="0" cy="0"/>
+          <a:chOff x="0" y="0"/>
+          <a:chExt cx="0" cy="0"/>
+        </a:xfrm>
+      </p:grpSpPr>
+      <p:sp>
+        <p:nvSpPr>
+          <p:cNvPr id="2" name="슬라이드 이미지 개체 틀 1"/>
+          <p:cNvSpPr>
+            <a:spLocks noGrp="1" noRot="1" noChangeAspect="1"/>
+          </p:cNvSpPr>
+          <p:nvPr>
+            <p:ph type="sldImg"/>
+          </p:nvPr>
+        </p:nvSpPr>
+        <p:spPr/>
+      </p:sp>
+      <p:sp>
+        <p:nvSpPr>
+          <p:cNvPr id="3" name="슬라이드 노트 개체 틀 2"/>
+          <p:cNvSpPr>
+            <a:spLocks noGrp="1"/>
+          </p:cNvSpPr>
+          <p:nvPr>
+            <p:ph type="body" idx="1"/>
+          </p:nvPr>
+        </p:nvSpPr>
+        <p:spPr/>
+        <p:txBody>
+          <a:bodyPr/>
+          <a:lstStyle/>
+          <a:p>
+            <a:r>
+              <a:rPr lang="en-US" dirty="0" smtClean="0"/>
+              <a:t>##</a:t>
+            </a:r>
+            <a:r>
+              <a:rPr lang="en-US" baseline="0" dirty="0" smtClean="0"/>
+              <a:t> </a:t>
+            </a:r>
+            <a:r>
+              <a:rPr lang="en-US" dirty="0" smtClean="0"/>
+              <a:t>ABORT</a:t>
+            </a:r>
+          </a:p>
+          <a:p>
+            <a:r>
+              <a:rPr lang="en-US" dirty="0" smtClean="0"/>
+              <a:t>URL</a:t>
+            </a:r>
+            <a:r>
+              <a:rPr lang="en-US" dirty="0" smtClean="0"/>
+              <a:t>: </a:t>
+            </a:r>
+            <a:r>
+              <a:rPr lang="en-US" dirty="0" err="1" smtClean="0"/>
+              <a:t>localhost</a:t>
+            </a:r>
+            <a:r>
+              <a:rPr lang="en-US" dirty="0" smtClean="0"/>
+              <a:t>/</a:t>
+            </a:r>
+          </a:p>
+          <a:p>
+            <a:r>
+              <a:rPr lang="en-US" dirty="0" smtClean="0"/>
+              <a:t>Controller:</a:t>
+            </a:r>
+            <a:r>
+              <a:rPr lang="en-US" baseline="0" dirty="0" smtClean="0"/>
+              <a:t> </a:t>
+            </a:r>
+            <a:r>
+              <a:rPr lang="en-US" baseline="0" dirty="0" err="1" smtClean="0"/>
+              <a:t>Root.php</a:t>
+            </a:r>
+            <a:endParaRPr lang="en-US" baseline="0" dirty="0" smtClean="0"/>
+          </a:p>
+          <a:p>
+            <a:r>
+              <a:rPr lang="en-US" dirty="0" smtClean="0"/>
+              <a:t>=======================================</a:t>
+            </a:r>
+          </a:p>
+          <a:p>
+            <a:r>
+              <a:rPr lang="en-US" dirty="0" smtClean="0"/>
+              <a:t>header</a:t>
+            </a:r>
+            <a:endParaRPr lang="en-US" dirty="0" smtClean="0"/>
+          </a:p>
+          <a:p>
+            <a:r>
+              <a:rPr lang="en-US" dirty="0" smtClean="0"/>
+              <a:t>	logo</a:t>
+            </a:r>
+            <a:r>
+              <a:rPr lang="en-US" dirty="0" smtClean="0"/>
+              <a:t>,</a:t>
+            </a:r>
+            <a:r>
+              <a:rPr lang="en-US" baseline="0" dirty="0" smtClean="0"/>
+              <a:t> </a:t>
+            </a:r>
+            <a:r>
+              <a:rPr lang="en-US" baseline="0" dirty="0" err="1" smtClean="0"/>
+              <a:t>dropdown_menu</a:t>
+            </a:r>
+            <a:r>
+              <a:rPr lang="en-US" baseline="0" dirty="0" smtClean="0"/>
+              <a:t>, </a:t>
+            </a:r>
+            <a:r>
+              <a:rPr lang="en-US" baseline="0" dirty="0" err="1" smtClean="0"/>
+              <a:t>search_bar</a:t>
+            </a:r>
+            <a:r>
+              <a:rPr lang="en-US" baseline="0" dirty="0" smtClean="0"/>
+              <a:t>, </a:t>
+            </a:r>
+            <a:r>
+              <a:rPr lang="en-US" baseline="0" dirty="0" err="1" smtClean="0"/>
+              <a:t>add_term</a:t>
+            </a:r>
+            <a:r>
+              <a:rPr lang="en-US" baseline="0" dirty="0" smtClean="0"/>
+              <a:t>, login</a:t>
+            </a:r>
+          </a:p>
+          <a:p>
+            <a:endParaRPr lang="en-US" baseline="0" dirty="0" smtClean="0"/>
+          </a:p>
+          <a:p>
+            <a:r>
+              <a:rPr lang="en-US" baseline="0" dirty="0" smtClean="0"/>
+              <a:t>main</a:t>
+            </a:r>
+          </a:p>
+          <a:p>
+            <a:r>
+              <a:rPr lang="en-US" baseline="0" dirty="0" smtClean="0"/>
+              <a:t>	</a:t>
+            </a:r>
+            <a:r>
+              <a:rPr lang="en-US" baseline="0" dirty="0" err="1" smtClean="0"/>
+              <a:t>section.content</a:t>
+            </a:r>
+            <a:endParaRPr lang="en-US" baseline="0" dirty="0" smtClean="0"/>
+          </a:p>
+          <a:p>
+            <a:r>
+              <a:rPr lang="en-US" baseline="0" dirty="0" smtClean="0"/>
+              <a:t>		</a:t>
+            </a:r>
+            <a:r>
+              <a:rPr lang="en-US" baseline="0" dirty="0" err="1" smtClean="0"/>
+              <a:t>div.entry_pane</a:t>
+            </a:r>
+            <a:endParaRPr lang="en-US" baseline="0" dirty="0" smtClean="0"/>
+          </a:p>
+          <a:p>
+            <a:pPr marL="0" marR="0" indent="0" algn="l" defTabSz="914400" rtl="0" eaLnBrk="1" fontAlgn="auto" latinLnBrk="0" hangingPunct="1">
+              <a:lnSpc>
+                <a:spcPct val="100000"/>
+              </a:lnSpc>
+              <a:spcBef>
+                <a:spcPts val="0"/>
+              </a:spcBef>
+              <a:spcAft>
+                <a:spcPts val="0"/>
+              </a:spcAft>
+              <a:buClrTx/>
+              <a:buSzTx/>
+              <a:buFontTx/>
+              <a:buNone/>
+              <a:tabLst/>
+              <a:defRPr/>
+            </a:pPr>
+            <a:r>
+              <a:rPr lang="en-US" baseline="0" dirty="0" smtClean="0"/>
+              <a:t>	section.ad-top</a:t>
+            </a:r>
+          </a:p>
+          <a:p>
+            <a:pPr marL="0" marR="0" indent="0" algn="l" defTabSz="914400" rtl="0" eaLnBrk="1" fontAlgn="auto" latinLnBrk="0" hangingPunct="1">
+              <a:lnSpc>
+                <a:spcPct val="100000"/>
+              </a:lnSpc>
+              <a:spcBef>
+                <a:spcPts val="0"/>
+              </a:spcBef>
+              <a:spcAft>
+                <a:spcPts val="0"/>
+              </a:spcAft>
+              <a:buClrTx/>
+              <a:buSzTx/>
+              <a:buFontTx/>
+              <a:buNone/>
+              <a:tabLst/>
+              <a:defRPr/>
+            </a:pPr>
+            <a:r>
+              <a:rPr lang="en-US" baseline="0" dirty="0" smtClean="0"/>
+              <a:t>		div.ad-top</a:t>
+            </a:r>
+            <a:endParaRPr lang="en-US" baseline="0" dirty="0" smtClean="0"/>
+          </a:p>
+          <a:p>
+            <a:r>
+              <a:rPr lang="en-US" baseline="0" dirty="0" smtClean="0"/>
+              <a:t>	aside</a:t>
+            </a:r>
+            <a:endParaRPr lang="en-US" baseline="0" dirty="0" smtClean="0"/>
+          </a:p>
+          <a:p>
+            <a:r>
+              <a:rPr lang="en-US" baseline="0" dirty="0" smtClean="0"/>
+              <a:t>  </a:t>
+            </a:r>
+            <a:r>
+              <a:rPr lang="en-US" baseline="0" dirty="0" smtClean="0"/>
+              <a:t>  		</a:t>
+            </a:r>
+            <a:r>
+              <a:rPr lang="en-US" baseline="0" dirty="0" err="1" smtClean="0"/>
+              <a:t>recent_terms</a:t>
+            </a:r>
+            <a:r>
+              <a:rPr lang="en-US" baseline="0" dirty="0" smtClean="0"/>
+              <a:t>, </a:t>
+            </a:r>
+            <a:r>
+              <a:rPr lang="en-US" baseline="0" dirty="0" err="1" smtClean="0"/>
+              <a:t>ad_aside</a:t>
+            </a:r>
+            <a:r>
+              <a:rPr lang="en-US" baseline="0" dirty="0" smtClean="0"/>
+              <a:t>, </a:t>
+            </a:r>
+            <a:r>
+              <a:rPr lang="en-US" baseline="0" dirty="0" err="1" smtClean="0"/>
+              <a:t>sns</a:t>
+            </a:r>
+            <a:endParaRPr lang="en-US" baseline="0" dirty="0" smtClean="0"/>
+          </a:p>
+          <a:p>
+            <a:r>
+              <a:rPr lang="en-US" baseline="0" dirty="0" smtClean="0"/>
+              <a:t>=======================================</a:t>
+            </a:r>
+          </a:p>
+          <a:p>
+            <a:endParaRPr lang="en-US" dirty="0" smtClean="0"/>
+          </a:p>
+          <a:p>
+            <a:pPr marL="171450" indent="-171450">
+              <a:buFontTx/>
+              <a:buChar char="-"/>
+            </a:pPr>
+            <a:r>
+              <a:rPr lang="en-US" dirty="0" smtClean="0"/>
+              <a:t>Dropdown</a:t>
+            </a:r>
+            <a:r>
+              <a:rPr lang="en-US" baseline="0" dirty="0" smtClean="0"/>
+              <a:t> Menu </a:t>
+            </a:r>
+            <a:r>
+              <a:rPr lang="ko-KR" altLang="en-US" baseline="0" dirty="0" smtClean="0"/>
+              <a:t>구성</a:t>
+            </a:r>
+            <a:endParaRPr lang="en-US" dirty="0" smtClean="0"/>
+          </a:p>
+          <a:p>
+            <a:pPr marL="0" indent="0">
+              <a:buFontTx/>
+              <a:buNone/>
+            </a:pPr>
+            <a:r>
+              <a:rPr lang="en-US" dirty="0" smtClean="0"/>
+              <a:t>:</a:t>
+            </a:r>
+            <a:r>
+              <a:rPr lang="en-US" baseline="0" dirty="0" smtClean="0"/>
+              <a:t> </a:t>
+            </a:r>
+            <a:r>
+              <a:rPr lang="en-US" altLang="ko-KR" baseline="0" dirty="0" smtClean="0"/>
+              <a:t>DM. </a:t>
+            </a:r>
+            <a:r>
+              <a:rPr lang="ko-KR" altLang="en-US" baseline="0" dirty="0" smtClean="0"/>
+              <a:t>커서가 </a:t>
+            </a:r>
+            <a:r>
+              <a:rPr lang="en-US" altLang="ko-KR" baseline="0" dirty="0" smtClean="0"/>
+              <a:t>hover</a:t>
+            </a:r>
+            <a:r>
+              <a:rPr lang="ko-KR" altLang="en-US" baseline="0" dirty="0" smtClean="0"/>
+              <a:t>하거나 클릭 이벤트 발생했을 시</a:t>
+            </a:r>
+            <a:r>
+              <a:rPr lang="en-US" altLang="ko-KR" baseline="0" dirty="0" smtClean="0"/>
+              <a:t>, </a:t>
+            </a:r>
+            <a:r>
+              <a:rPr lang="ko-KR" altLang="en-US" baseline="0" dirty="0" err="1" smtClean="0"/>
+              <a:t>드롭다운</a:t>
+            </a:r>
+            <a:r>
+              <a:rPr lang="ko-KR" altLang="en-US" baseline="0" dirty="0" smtClean="0"/>
+              <a:t> 메뉴 펼쳐져야 함</a:t>
+            </a:r>
+            <a:r>
+              <a:rPr lang="en-US" altLang="ko-KR" baseline="0" dirty="0" smtClean="0"/>
+              <a:t>. DM</a:t>
+            </a:r>
+            <a:r>
+              <a:rPr lang="ko-KR" altLang="en-US" baseline="0" dirty="0" smtClean="0"/>
+              <a:t>메뉴 구성은 </a:t>
+            </a:r>
+            <a:r>
+              <a:rPr lang="en-US" altLang="ko-KR" baseline="0" dirty="0" smtClean="0"/>
+              <a:t>about, notice, rules, guide, archive, login(out), register</a:t>
+            </a:r>
+          </a:p>
+          <a:p>
+            <a:pPr marL="171450" indent="-171450">
+              <a:buFontTx/>
+              <a:buChar char="-"/>
+            </a:pPr>
+            <a:endParaRPr lang="en-US" baseline="0" dirty="0" smtClean="0"/>
+          </a:p>
+          <a:p>
+            <a:pPr marL="171450" indent="-171450">
+              <a:buFontTx/>
+              <a:buChar char="-"/>
+            </a:pPr>
+            <a:r>
+              <a:rPr lang="en-US" baseline="0" dirty="0" smtClean="0"/>
+              <a:t>Board </a:t>
+            </a:r>
+            <a:r>
+              <a:rPr lang="ko-KR" altLang="en-US" baseline="0" dirty="0" smtClean="0"/>
+              <a:t>의 구성</a:t>
+            </a:r>
+            <a:endParaRPr lang="en-US" baseline="0" dirty="0" smtClean="0"/>
+          </a:p>
+          <a:p>
+            <a:pPr marL="0" indent="0">
+              <a:buFontTx/>
+              <a:buNone/>
+            </a:pPr>
+            <a:r>
+              <a:rPr lang="en-US" baseline="0" dirty="0" smtClean="0"/>
+              <a:t>: </a:t>
+            </a:r>
+            <a:r>
+              <a:rPr lang="ko-KR" altLang="en-US" baseline="0" dirty="0" smtClean="0"/>
+              <a:t>다음과 같은 </a:t>
+            </a:r>
+            <a:r>
+              <a:rPr lang="ko-KR" altLang="en-US" baseline="0" dirty="0" err="1" smtClean="0"/>
+              <a:t>항목등을</a:t>
+            </a:r>
+            <a:r>
+              <a:rPr lang="ko-KR" altLang="en-US" baseline="0" dirty="0" smtClean="0"/>
+              <a:t> 리스트로 출력</a:t>
+            </a:r>
+            <a:r>
+              <a:rPr lang="en-US" altLang="ko-KR" baseline="0" dirty="0" smtClean="0"/>
+              <a:t>. </a:t>
+            </a:r>
+            <a:r>
+              <a:rPr lang="ko-KR" altLang="en-US" baseline="0" dirty="0" smtClean="0"/>
+              <a:t>동적으로 </a:t>
+            </a:r>
+            <a:r>
+              <a:rPr lang="en-US" altLang="ko-KR" baseline="0" dirty="0" smtClean="0"/>
+              <a:t>height </a:t>
+            </a:r>
+            <a:r>
+              <a:rPr lang="ko-KR" altLang="en-US" baseline="0" dirty="0" err="1" smtClean="0"/>
+              <a:t>가변할</a:t>
+            </a:r>
+            <a:r>
+              <a:rPr lang="ko-KR" altLang="en-US" baseline="0" dirty="0" smtClean="0"/>
+              <a:t> 수 있는 </a:t>
+            </a:r>
+            <a:r>
+              <a:rPr lang="en-US" altLang="ko-KR" baseline="0" dirty="0" smtClean="0"/>
+              <a:t>div. </a:t>
+            </a:r>
+          </a:p>
+          <a:p>
+            <a:pPr marL="0" indent="0">
+              <a:buFontTx/>
+              <a:buNone/>
+            </a:pPr>
+            <a:r>
+              <a:rPr lang="en-US" baseline="0" dirty="0" smtClean="0"/>
+              <a:t>“UB</a:t>
+            </a:r>
+            <a:r>
+              <a:rPr lang="ko-KR" altLang="en-US" baseline="0" dirty="0" smtClean="0"/>
+              <a:t>에 </a:t>
+            </a:r>
+            <a:r>
+              <a:rPr lang="ko-KR" altLang="en-US" baseline="0" dirty="0" err="1" smtClean="0"/>
+              <a:t>처음오셨나요</a:t>
+            </a:r>
+            <a:r>
+              <a:rPr lang="en-US" altLang="ko-KR" baseline="0" dirty="0" smtClean="0"/>
+              <a:t>?” -&gt;</a:t>
+            </a:r>
+            <a:r>
+              <a:rPr lang="ko-KR" altLang="en-US" baseline="0" dirty="0" smtClean="0"/>
+              <a:t> </a:t>
+            </a:r>
+            <a:r>
+              <a:rPr lang="en-US" altLang="ko-KR" baseline="0" dirty="0" smtClean="0"/>
+              <a:t>Guide Anchor. </a:t>
+            </a:r>
+          </a:p>
+          <a:p>
+            <a:pPr marL="0" indent="0">
+              <a:buFontTx/>
+              <a:buNone/>
+            </a:pPr>
+            <a:r>
+              <a:rPr lang="en-US" baseline="0" dirty="0" smtClean="0"/>
+              <a:t>“</a:t>
+            </a:r>
+            <a:r>
+              <a:rPr lang="ko-KR" altLang="en-US" baseline="0" dirty="0" smtClean="0"/>
+              <a:t>최근 공지사항 혹은 기술적 변경사항</a:t>
+            </a:r>
+            <a:r>
+              <a:rPr lang="en-US" baseline="0" dirty="0" smtClean="0"/>
+              <a:t>”</a:t>
+            </a:r>
+          </a:p>
+          <a:p>
+            <a:pPr marL="0" indent="0">
+              <a:buFontTx/>
+              <a:buNone/>
+            </a:pPr>
+            <a:r>
+              <a:rPr lang="en-US" baseline="0" dirty="0" smtClean="0"/>
+              <a:t>“</a:t>
+            </a:r>
+            <a:r>
+              <a:rPr lang="ko-KR" altLang="en-US" baseline="0" dirty="0" smtClean="0"/>
+              <a:t>화제가 되는 단어</a:t>
+            </a:r>
+            <a:r>
+              <a:rPr lang="en-US" altLang="ko-KR" baseline="0" dirty="0" smtClean="0"/>
+              <a:t>. </a:t>
+            </a:r>
+            <a:r>
+              <a:rPr lang="ko-KR" altLang="en-US" baseline="0" dirty="0" smtClean="0"/>
+              <a:t>이 단어에 대해 </a:t>
+            </a:r>
+            <a:r>
+              <a:rPr lang="en-US" altLang="ko-KR" baseline="0" dirty="0" smtClean="0"/>
+              <a:t>vote</a:t>
+            </a:r>
+            <a:r>
+              <a:rPr lang="ko-KR" altLang="en-US" baseline="0" dirty="0" smtClean="0"/>
+              <a:t>해주세요</a:t>
+            </a:r>
+            <a:r>
+              <a:rPr lang="en-US" altLang="ko-KR" baseline="0" dirty="0" smtClean="0"/>
+              <a:t>. </a:t>
+            </a:r>
+            <a:r>
+              <a:rPr lang="ko-KR" altLang="en-US" baseline="0" dirty="0" smtClean="0"/>
+              <a:t>의견을 내주세요</a:t>
+            </a:r>
+            <a:r>
+              <a:rPr lang="en-US" altLang="ko-KR" baseline="0" dirty="0" smtClean="0"/>
+              <a:t>.</a:t>
+            </a:r>
+            <a:r>
+              <a:rPr lang="en-US" baseline="0" dirty="0" smtClean="0"/>
+              <a:t>”</a:t>
+            </a:r>
+          </a:p>
+          <a:p>
+            <a:pPr marL="0" indent="0">
+              <a:buFontTx/>
+              <a:buNone/>
+            </a:pPr>
+            <a:endParaRPr lang="en-US" baseline="0" dirty="0" smtClean="0"/>
+          </a:p>
+          <a:p>
+            <a:pPr marL="171450" indent="-171450">
+              <a:buFontTx/>
+              <a:buChar char="-"/>
+            </a:pPr>
+            <a:r>
+              <a:rPr lang="en-US" baseline="0" dirty="0" smtClean="0"/>
+              <a:t>Search Bar </a:t>
+            </a:r>
+            <a:r>
+              <a:rPr lang="ko-KR" altLang="en-US" baseline="0" dirty="0" smtClean="0"/>
+              <a:t>디자인</a:t>
+            </a:r>
+            <a:endParaRPr lang="en-US" baseline="0" dirty="0" smtClean="0"/>
+          </a:p>
+          <a:p>
+            <a:pPr marL="0" indent="0">
+              <a:buFontTx/>
+              <a:buNone/>
+            </a:pPr>
+            <a:r>
+              <a:rPr lang="en-US" baseline="0" dirty="0" smtClean="0"/>
+              <a:t>: SB. </a:t>
+            </a:r>
+            <a:r>
+              <a:rPr lang="en-US" altLang="ko-KR" dirty="0" smtClean="0"/>
+              <a:t>“</a:t>
+            </a:r>
+            <a:r>
+              <a:rPr lang="ko-KR" altLang="en-US" dirty="0" err="1" smtClean="0"/>
+              <a:t>검색어를</a:t>
+            </a:r>
+            <a:r>
+              <a:rPr lang="ko-KR" altLang="en-US" dirty="0" smtClean="0"/>
+              <a:t> 입력하세요</a:t>
+            </a:r>
+            <a:r>
+              <a:rPr lang="en-US" altLang="ko-KR" dirty="0" smtClean="0"/>
+              <a:t>.” </a:t>
+            </a:r>
+            <a:r>
+              <a:rPr lang="ko-KR" altLang="en-US" dirty="0" smtClean="0"/>
+              <a:t>표시</a:t>
+            </a:r>
+            <a:r>
+              <a:rPr lang="en-US" altLang="ko-KR" dirty="0" smtClean="0"/>
+              <a:t>.</a:t>
+            </a:r>
+            <a:r>
+              <a:rPr lang="en-US" altLang="ko-KR" baseline="0" dirty="0" smtClean="0"/>
+              <a:t> </a:t>
+            </a:r>
+            <a:r>
+              <a:rPr lang="ko-KR" altLang="en-US" baseline="0" dirty="0" smtClean="0"/>
+              <a:t>인풋 오른쪽 </a:t>
+            </a:r>
+            <a:r>
+              <a:rPr lang="ko-KR" altLang="en-US" baseline="0" dirty="0" err="1" smtClean="0"/>
+              <a:t>끝단에</a:t>
+            </a:r>
+            <a:r>
+              <a:rPr lang="ko-KR" altLang="en-US" baseline="0" dirty="0" smtClean="0"/>
+              <a:t> 검색 이미지도 표시</a:t>
+            </a:r>
+            <a:r>
+              <a:rPr lang="en-US" altLang="ko-KR" baseline="0" dirty="0" smtClean="0"/>
+              <a:t>.</a:t>
+            </a:r>
+            <a:endParaRPr lang="en-US" altLang="ko-KR" dirty="0" smtClean="0"/>
+          </a:p>
+          <a:p>
+            <a:endParaRPr lang="en-US" dirty="0" smtClean="0"/>
+          </a:p>
+          <a:p>
+            <a:r>
+              <a:rPr lang="en-US" dirty="0" smtClean="0"/>
+              <a:t>-</a:t>
+            </a:r>
+            <a:r>
+              <a:rPr lang="en-US" baseline="0" dirty="0" smtClean="0"/>
+              <a:t> Login</a:t>
+            </a:r>
+            <a:r>
+              <a:rPr lang="ko-KR" altLang="en-US" baseline="0" dirty="0" smtClean="0"/>
+              <a:t> 버튼</a:t>
+            </a:r>
+            <a:r>
+              <a:rPr lang="en-US" baseline="0" dirty="0" smtClean="0"/>
+              <a:t> </a:t>
+            </a:r>
+            <a:r>
+              <a:rPr lang="ko-KR" altLang="en-US" baseline="0" dirty="0" smtClean="0"/>
+              <a:t>디자인</a:t>
+            </a:r>
+            <a:endParaRPr lang="en-US" dirty="0" smtClean="0"/>
+          </a:p>
+          <a:p>
+            <a:r>
+              <a:rPr lang="en-US" dirty="0" smtClean="0"/>
+              <a:t>: login</a:t>
+            </a:r>
+            <a:r>
+              <a:rPr lang="en-US" baseline="0" dirty="0" smtClean="0"/>
+              <a:t> </a:t>
+            </a:r>
+            <a:r>
+              <a:rPr lang="ko-KR" altLang="en-US" baseline="0" dirty="0" smtClean="0"/>
+              <a:t>후에는 </a:t>
+            </a:r>
+            <a:r>
+              <a:rPr lang="en-US" altLang="ko-KR" baseline="0" dirty="0" smtClean="0"/>
+              <a:t>name </a:t>
+            </a:r>
+            <a:r>
+              <a:rPr lang="ko-KR" altLang="en-US" baseline="0" dirty="0" smtClean="0"/>
+              <a:t>표시 및 계정정보 표시할 수 있는 </a:t>
+            </a:r>
+            <a:r>
+              <a:rPr lang="en-US" altLang="ko-KR" baseline="0" dirty="0" smtClean="0"/>
+              <a:t>“</a:t>
+            </a:r>
+            <a:r>
+              <a:rPr lang="ko-KR" altLang="en-US" baseline="0" dirty="0" smtClean="0"/>
+              <a:t>버튼</a:t>
+            </a:r>
+            <a:r>
+              <a:rPr lang="en-US" altLang="ko-KR" baseline="0" dirty="0" smtClean="0"/>
+              <a:t>”(</a:t>
+            </a:r>
+            <a:r>
+              <a:rPr lang="ko-KR" altLang="en-US" baseline="0" dirty="0" smtClean="0"/>
+              <a:t>이 버튼 누르면 </a:t>
+            </a:r>
+            <a:r>
+              <a:rPr lang="ko-KR" altLang="en-US" baseline="0" dirty="0" err="1" smtClean="0"/>
+              <a:t>드롭다운</a:t>
+            </a:r>
+            <a:r>
+              <a:rPr lang="ko-KR" altLang="en-US" baseline="0" dirty="0" smtClean="0"/>
+              <a:t> 메뉴 펼쳐지며 여기서 </a:t>
+            </a:r>
+            <a:r>
+              <a:rPr lang="en-US" altLang="ko-KR" baseline="0" dirty="0" smtClean="0"/>
+              <a:t>logout</a:t>
+            </a:r>
+            <a:r>
+              <a:rPr lang="ko-KR" altLang="en-US" baseline="0" dirty="0" err="1" smtClean="0"/>
+              <a:t>버튼생김</a:t>
+            </a:r>
+            <a:r>
+              <a:rPr lang="en-US" altLang="ko-KR" baseline="0" dirty="0" smtClean="0"/>
+              <a:t>)</a:t>
+            </a:r>
+            <a:r>
+              <a:rPr lang="ko-KR" altLang="en-US" baseline="0" dirty="0" smtClean="0"/>
+              <a:t>으로 변화 </a:t>
+            </a:r>
+            <a:r>
+              <a:rPr lang="en-US" altLang="ko-KR" baseline="0" dirty="0" smtClean="0"/>
+              <a:t>(</a:t>
+            </a:r>
+            <a:r>
+              <a:rPr lang="ko-KR" altLang="en-US" baseline="0" dirty="0" smtClean="0"/>
+              <a:t>논의 필요</a:t>
+            </a:r>
+            <a:r>
+              <a:rPr lang="en-US" altLang="ko-KR" baseline="0" dirty="0" smtClean="0"/>
+              <a:t>)</a:t>
+            </a:r>
+            <a:endParaRPr lang="en-US" dirty="0" smtClean="0"/>
+          </a:p>
+          <a:p>
+            <a:endParaRPr lang="en-US" dirty="0" smtClean="0"/>
+          </a:p>
+          <a:p>
+            <a:pPr marL="0" indent="0">
+              <a:buFontTx/>
+              <a:buNone/>
+            </a:pPr>
+            <a:r>
+              <a:rPr lang="en-US" dirty="0" smtClean="0"/>
+              <a:t>- Recent</a:t>
+            </a:r>
+            <a:r>
+              <a:rPr lang="en-US" baseline="0" dirty="0" smtClean="0"/>
+              <a:t> Term</a:t>
+            </a:r>
+          </a:p>
+          <a:p>
+            <a:pPr marL="0" indent="0">
+              <a:buFontTx/>
+              <a:buNone/>
+            </a:pPr>
+            <a:r>
+              <a:rPr lang="en-US" baseline="0" dirty="0" smtClean="0"/>
+              <a:t>: RT. </a:t>
+            </a:r>
+            <a:r>
+              <a:rPr lang="ko-KR" altLang="en-US" baseline="0" dirty="0" smtClean="0"/>
+              <a:t>최근 등록된 </a:t>
+            </a:r>
+            <a:r>
+              <a:rPr lang="en-US" altLang="ko-KR" baseline="0" dirty="0" smtClean="0"/>
+              <a:t>Term</a:t>
+            </a:r>
+            <a:r>
+              <a:rPr lang="ko-KR" altLang="en-US" baseline="0" dirty="0" smtClean="0"/>
+              <a:t>중에 </a:t>
+            </a:r>
+            <a:r>
+              <a:rPr lang="en-US" altLang="ko-KR" baseline="0" dirty="0" smtClean="0"/>
+              <a:t>like 3</a:t>
+            </a:r>
+            <a:r>
+              <a:rPr lang="ko-KR" altLang="en-US" baseline="0" dirty="0" smtClean="0"/>
+              <a:t>이상 받은 것 출력</a:t>
+            </a:r>
+            <a:r>
+              <a:rPr lang="en-US" altLang="ko-KR" baseline="0" dirty="0" smtClean="0"/>
+              <a:t>. Term </a:t>
+            </a:r>
+            <a:r>
+              <a:rPr lang="ko-KR" altLang="en-US" baseline="0" dirty="0" smtClean="0"/>
+              <a:t>만 </a:t>
+            </a:r>
+            <a:r>
+              <a:rPr lang="en-US" altLang="ko-KR" baseline="0" dirty="0" smtClean="0"/>
+              <a:t>list </a:t>
+            </a:r>
+            <a:r>
+              <a:rPr lang="ko-KR" altLang="en-US" baseline="0" dirty="0" smtClean="0"/>
+              <a:t>로 보이게</a:t>
+            </a:r>
+            <a:r>
+              <a:rPr lang="en-US" altLang="ko-KR" baseline="0" dirty="0" smtClean="0"/>
+              <a:t>.</a:t>
+            </a:r>
+          </a:p>
+          <a:p>
+            <a:pPr marL="0" indent="0">
+              <a:buFontTx/>
+              <a:buNone/>
+            </a:pPr>
+            <a:endParaRPr lang="en-US" baseline="0" dirty="0" smtClean="0"/>
+          </a:p>
+          <a:p>
+            <a:pPr marL="171450" indent="-171450">
+              <a:buFontTx/>
+              <a:buChar char="-"/>
+            </a:pPr>
+            <a:r>
+              <a:rPr lang="en-US" baseline="0" dirty="0" smtClean="0"/>
+              <a:t>SNS</a:t>
+            </a:r>
+          </a:p>
+          <a:p>
+            <a:pPr marL="0" indent="0">
+              <a:buFontTx/>
+              <a:buNone/>
+            </a:pPr>
+            <a:r>
+              <a:rPr lang="en-US" baseline="0" dirty="0" smtClean="0"/>
+              <a:t>: SN. SNS </a:t>
+            </a:r>
+            <a:r>
+              <a:rPr lang="ko-KR" altLang="en-US" baseline="0" dirty="0" smtClean="0"/>
+              <a:t>모듈</a:t>
+            </a:r>
+            <a:r>
+              <a:rPr lang="en-US" altLang="ko-KR" baseline="0" dirty="0" smtClean="0"/>
+              <a:t>. </a:t>
+            </a:r>
+            <a:r>
+              <a:rPr lang="ko-KR" altLang="en-US" baseline="0" dirty="0" smtClean="0"/>
+              <a:t>혹은 </a:t>
+            </a:r>
+            <a:r>
+              <a:rPr lang="ko-KR" altLang="en-US" baseline="0" dirty="0" err="1" smtClean="0"/>
+              <a:t>크롤러</a:t>
+            </a:r>
+            <a:r>
+              <a:rPr lang="ko-KR" altLang="en-US" baseline="0" dirty="0" smtClean="0"/>
+              <a:t> 장착 예정</a:t>
+            </a:r>
+            <a:r>
+              <a:rPr lang="en-US" altLang="ko-KR" baseline="0" dirty="0" smtClean="0"/>
+              <a:t>.</a:t>
+            </a:r>
+            <a:endParaRPr lang="en-US" dirty="0" smtClean="0"/>
+          </a:p>
+          <a:p>
+            <a:endParaRPr lang="en-US" dirty="0" smtClean="0"/>
+          </a:p>
+          <a:p>
+            <a:endParaRPr lang="en-US" dirty="0" smtClean="0"/>
+          </a:p>
+          <a:p>
+            <a:endParaRPr lang="en-US" dirty="0" smtClean="0"/>
+          </a:p>
+          <a:p>
+            <a:endParaRPr lang="en-US" dirty="0" smtClean="0"/>
+          </a:p>
+          <a:p>
+            <a:endParaRPr lang="en-US" dirty="0" smtClean="0"/>
+          </a:p>
+          <a:p>
+            <a:endParaRPr lang="en-US" dirty="0" smtClean="0"/>
+          </a:p>
+          <a:p>
+            <a:endParaRPr lang="en-US" dirty="0" smtClean="0"/>
+          </a:p>
+          <a:p>
+            <a:endParaRPr lang="en-US" dirty="0" smtClean="0"/>
+          </a:p>
+          <a:p>
+            <a:endParaRPr lang="en-US" dirty="0" smtClean="0"/>
+          </a:p>
+          <a:p>
+            <a:endParaRPr lang="en-US" dirty="0" smtClean="0"/>
+          </a:p>
+          <a:p>
+            <a:endParaRPr lang="en-US" dirty="0" smtClean="0"/>
+          </a:p>
+          <a:p>
+            <a:endParaRPr lang="en-US" dirty="0" smtClean="0"/>
+          </a:p>
+          <a:p>
+            <a:endParaRPr lang="en-US" dirty="0" smtClean="0"/>
+          </a:p>
+          <a:p>
+            <a:endParaRPr lang="en-US" dirty="0" smtClean="0"/>
+          </a:p>
+          <a:p>
+            <a:endParaRPr lang="en-US" dirty="0" smtClean="0"/>
+          </a:p>
+          <a:p>
+            <a:endParaRPr lang="en-US" dirty="0" smtClean="0"/>
+          </a:p>
+          <a:p>
+            <a:endParaRPr lang="en-US" dirty="0" smtClean="0"/>
+          </a:p>
+          <a:p>
+            <a:endParaRPr lang="en-US" dirty="0" smtClean="0"/>
+          </a:p>
+          <a:p>
+            <a:endParaRPr lang="en-US" dirty="0" smtClean="0"/>
+          </a:p>
+          <a:p>
+            <a:endParaRPr lang="en-US" dirty="0" smtClean="0"/>
+          </a:p>
+          <a:p>
+            <a:endParaRPr lang="en-US" dirty="0" smtClean="0"/>
+          </a:p>
+          <a:p>
+            <a:endParaRPr lang="en-US" dirty="0" smtClean="0"/>
+          </a:p>
+          <a:p>
+            <a:endParaRPr lang="en-US" dirty="0" smtClean="0"/>
+          </a:p>
+          <a:p>
+            <a:endParaRPr lang="en-US" dirty="0" smtClean="0"/>
+          </a:p>
+          <a:p>
+            <a:endParaRPr lang="en-US" dirty="0" smtClean="0"/>
+          </a:p>
+        </p:txBody>
+      </p:sp>
+      <p:sp>
+        <p:nvSpPr>
+          <p:cNvPr id="4" name="슬라이드 번호 개체 틀 3"/>
+          <p:cNvSpPr>
+            <a:spLocks noGrp="1"/>
+          </p:cNvSpPr>
+          <p:nvPr>
+            <p:ph type="sldNum" sz="quarter" idx="10"/>
+          </p:nvPr>
+        </p:nvSpPr>
+        <p:spPr/>
+        <p:txBody>
+          <a:bodyPr/>
+          <a:lstStyle/>
+          <a:p>
+            <a:fld id="{8329B553-C56A-4310-91E3-4E48FC72B005}" type="slidenum">
+              <a:rPr lang="en-US" smtClean="0"/>
+              <a:t>11</a:t>
+            </a:fld>
+            <a:endParaRPr lang="en-US"/>
+          </a:p>
+        </p:txBody>
+      </p:sp>
+    </p:spTree>
+    <p:extLst>
+      <p:ext uri="{BB962C8B-B14F-4D97-AF65-F5344CB8AC3E}">
+        <p14:creationId xmlns:p14="http://schemas.microsoft.com/office/powerpoint/2010/main" val="281568248"/>
       </p:ext>
     </p:extLst>
   </p:cSld>
@@ -7026,8 +7934,8 @@
         </p:nvSpPr>
         <p:spPr>
           <a:xfrm>
-            <a:off x="1862254" y="1105137"/>
-            <a:ext cx="7584296" cy="5370508"/>
+            <a:off x="870857" y="986971"/>
+            <a:ext cx="9681029" cy="5488673"/>
           </a:xfrm>
           <a:prstGeom prst="rect">
             <a:avLst/>
@@ -7064,7 +7972,7 @@
                   <a:schemeClr val="tx1"/>
                 </a:solidFill>
               </a:rPr>
-              <a:t>#container</a:t>
+              <a:t>main</a:t>
             </a:r>
             <a:endParaRPr lang="en-US" sz="1100" dirty="0">
               <a:solidFill>
@@ -7082,16 +7990,16 @@
         </p:nvSpPr>
         <p:spPr>
           <a:xfrm>
-            <a:off x="1862254" y="377009"/>
-            <a:ext cx="7584296" cy="618449"/>
-          </a:xfrm>
-          <a:prstGeom prst="rect">
-            <a:avLst/>
-          </a:prstGeom>
-          <a:solidFill>
-            <a:schemeClr val="bg1">
-              <a:lumMod val="95000"/>
-            </a:schemeClr>
+            <a:off x="870857" y="215502"/>
+            <a:ext cx="9681029" cy="672127"/>
+          </a:xfrm>
+          <a:prstGeom prst="rect">
+            <a:avLst/>
+          </a:prstGeom>
+          <a:solidFill>
+            <a:srgbClr val="FFFFFF">
+              <a:alpha val="50196"/>
+            </a:srgbClr>
           </a:solidFill>
           <a:ln w="19050"/>
         </p:spPr>
@@ -7122,7 +8030,7 @@
                   <a:schemeClr val="tx1"/>
                 </a:solidFill>
               </a:rPr>
-              <a:t>#header</a:t>
+              <a:t>header</a:t>
             </a:r>
             <a:endParaRPr lang="en-US" sz="1100" dirty="0">
               <a:solidFill>
@@ -7134,14 +8042,370 @@
       </p:sp>
       <p:sp>
         <p:nvSpPr>
+          <p:cNvPr id="34" name="searchBar"/>
+          <p:cNvSpPr/>
+          <p:nvPr/>
+        </p:nvSpPr>
+        <p:spPr>
+          <a:xfrm>
+            <a:off x="4074195" y="1383813"/>
+            <a:ext cx="5018049" cy="490276"/>
+          </a:xfrm>
+          <a:prstGeom prst="rect">
+            <a:avLst/>
+          </a:prstGeom>
+          <a:solidFill>
+            <a:srgbClr val="F2F2F2">
+              <a:alpha val="50196"/>
+            </a:srgbClr>
+          </a:solidFill>
+          <a:ln w="19050"/>
+        </p:spPr>
+        <p:style>
+          <a:lnRef idx="2">
+            <a:schemeClr val="accent1">
+              <a:shade val="50000"/>
+            </a:schemeClr>
+          </a:lnRef>
+          <a:fillRef idx="1">
+            <a:schemeClr val="accent1"/>
+          </a:fillRef>
+          <a:effectRef idx="0">
+            <a:schemeClr val="accent1"/>
+          </a:effectRef>
+          <a:fontRef idx="minor">
+            <a:schemeClr val="lt1"/>
+          </a:fontRef>
+        </p:style>
+        <p:txBody>
+          <a:bodyPr rtlCol="0" anchor="ctr"/>
+          <a:lstStyle/>
+          <a:p>
+            <a:pPr algn="ctr"/>
+            <a:r>
+              <a:rPr lang="en-US" sz="1100" dirty="0" smtClean="0">
+                <a:solidFill>
+                  <a:schemeClr val="tx1"/>
+                </a:solidFill>
+              </a:rPr>
+              <a:t>section.ad-top</a:t>
+            </a:r>
+            <a:endParaRPr lang="en-US" sz="1100" dirty="0">
+              <a:solidFill>
+                <a:schemeClr val="tx1"/>
+              </a:solidFill>
+            </a:endParaRPr>
+          </a:p>
+        </p:txBody>
+      </p:sp>
+      <p:sp>
+        <p:nvSpPr>
+          <p:cNvPr id="35" name="searchBar"/>
+          <p:cNvSpPr/>
+          <p:nvPr/>
+        </p:nvSpPr>
+        <p:spPr>
+          <a:xfrm>
+            <a:off x="4079769" y="2156997"/>
+            <a:ext cx="5018049" cy="4069405"/>
+          </a:xfrm>
+          <a:prstGeom prst="rect">
+            <a:avLst/>
+          </a:prstGeom>
+          <a:solidFill>
+            <a:srgbClr val="F2F2F2">
+              <a:alpha val="50196"/>
+            </a:srgbClr>
+          </a:solidFill>
+          <a:ln w="19050"/>
+        </p:spPr>
+        <p:style>
+          <a:lnRef idx="2">
+            <a:schemeClr val="accent1">
+              <a:shade val="50000"/>
+            </a:schemeClr>
+          </a:lnRef>
+          <a:fillRef idx="1">
+            <a:schemeClr val="accent1"/>
+          </a:fillRef>
+          <a:effectRef idx="0">
+            <a:schemeClr val="accent1"/>
+          </a:effectRef>
+          <a:fontRef idx="minor">
+            <a:schemeClr val="lt1"/>
+          </a:fontRef>
+        </p:style>
+        <p:txBody>
+          <a:bodyPr rtlCol="0" anchor="ctr"/>
+          <a:lstStyle/>
+          <a:p>
+            <a:pPr algn="ctr"/>
+            <a:r>
+              <a:rPr lang="en-US" sz="1100" dirty="0" err="1" smtClean="0">
+                <a:solidFill>
+                  <a:schemeClr val="tx1"/>
+                </a:solidFill>
+              </a:rPr>
+              <a:t>section.content</a:t>
+            </a:r>
+            <a:endParaRPr lang="en-US" sz="1100" dirty="0">
+              <a:solidFill>
+                <a:schemeClr val="tx1"/>
+              </a:solidFill>
+            </a:endParaRPr>
+          </a:p>
+        </p:txBody>
+      </p:sp>
+      <p:sp>
+        <p:nvSpPr>
+          <p:cNvPr id="44" name="직사각형 43"/>
+          <p:cNvSpPr/>
+          <p:nvPr/>
+        </p:nvSpPr>
+        <p:spPr>
+          <a:xfrm>
+            <a:off x="4257514" y="3319055"/>
+            <a:ext cx="4651410" cy="2675345"/>
+          </a:xfrm>
+          <a:prstGeom prst="rect">
+            <a:avLst/>
+          </a:prstGeom>
+          <a:solidFill>
+            <a:srgbClr val="FFFFFF">
+              <a:alpha val="50196"/>
+            </a:srgbClr>
+          </a:solidFill>
+          <a:ln w="19050"/>
+        </p:spPr>
+        <p:style>
+          <a:lnRef idx="2">
+            <a:schemeClr val="accent1">
+              <a:shade val="50000"/>
+            </a:schemeClr>
+          </a:lnRef>
+          <a:fillRef idx="1">
+            <a:schemeClr val="accent1"/>
+          </a:fillRef>
+          <a:effectRef idx="0">
+            <a:schemeClr val="accent1"/>
+          </a:effectRef>
+          <a:fontRef idx="minor">
+            <a:schemeClr val="lt1"/>
+          </a:fontRef>
+        </p:style>
+        <p:txBody>
+          <a:bodyPr rtlCol="0" anchor="ctr"/>
+          <a:lstStyle/>
+          <a:p>
+            <a:pPr algn="ctr"/>
+            <a:r>
+              <a:rPr lang="en-US" sz="1100" dirty="0" err="1" smtClean="0">
+                <a:solidFill>
+                  <a:schemeClr val="tx1"/>
+                </a:solidFill>
+              </a:rPr>
+              <a:t>div.entry</a:t>
+            </a:r>
+            <a:r>
+              <a:rPr lang="en-US" sz="1100" dirty="0" smtClean="0">
+                <a:solidFill>
+                  <a:schemeClr val="tx1"/>
+                </a:solidFill>
+              </a:rPr>
+              <a:t>-pane</a:t>
+            </a:r>
+            <a:endParaRPr lang="en-US" sz="1100" dirty="0">
+              <a:solidFill>
+                <a:schemeClr val="tx1"/>
+              </a:solidFill>
+            </a:endParaRPr>
+          </a:p>
+        </p:txBody>
+      </p:sp>
+      <p:sp>
+        <p:nvSpPr>
+          <p:cNvPr id="54" name="searchBar"/>
+          <p:cNvSpPr/>
+          <p:nvPr/>
+        </p:nvSpPr>
+        <p:spPr>
+          <a:xfrm>
+            <a:off x="2241395" y="986971"/>
+            <a:ext cx="1504577" cy="5239431"/>
+          </a:xfrm>
+          <a:prstGeom prst="rect">
+            <a:avLst/>
+          </a:prstGeom>
+          <a:solidFill>
+            <a:srgbClr val="F2F2F2">
+              <a:alpha val="50196"/>
+            </a:srgbClr>
+          </a:solidFill>
+          <a:ln w="19050"/>
+        </p:spPr>
+        <p:style>
+          <a:lnRef idx="2">
+            <a:schemeClr val="accent1">
+              <a:shade val="50000"/>
+            </a:schemeClr>
+          </a:lnRef>
+          <a:fillRef idx="1">
+            <a:schemeClr val="accent1"/>
+          </a:fillRef>
+          <a:effectRef idx="0">
+            <a:schemeClr val="accent1"/>
+          </a:effectRef>
+          <a:fontRef idx="minor">
+            <a:schemeClr val="lt1"/>
+          </a:fontRef>
+        </p:style>
+        <p:txBody>
+          <a:bodyPr rtlCol="0" anchor="ctr"/>
+          <a:lstStyle/>
+          <a:p>
+            <a:pPr algn="ctr"/>
+            <a:r>
+              <a:rPr lang="en-US" sz="1100" dirty="0" smtClean="0">
+                <a:solidFill>
+                  <a:schemeClr val="tx1"/>
+                </a:solidFill>
+              </a:rPr>
+              <a:t>aside</a:t>
+            </a:r>
+            <a:endParaRPr lang="en-US" sz="1100" dirty="0">
+              <a:solidFill>
+                <a:schemeClr val="tx1"/>
+              </a:solidFill>
+            </a:endParaRPr>
+          </a:p>
+        </p:txBody>
+      </p:sp>
+      <p:sp>
+        <p:nvSpPr>
+          <p:cNvPr id="27" name="searchBar"/>
+          <p:cNvSpPr/>
+          <p:nvPr/>
+        </p:nvSpPr>
+        <p:spPr>
+          <a:xfrm>
+            <a:off x="2324246" y="3773093"/>
+            <a:ext cx="1338872" cy="837211"/>
+          </a:xfrm>
+          <a:prstGeom prst="rect">
+            <a:avLst/>
+          </a:prstGeom>
+          <a:solidFill>
+            <a:srgbClr val="DEEBF7">
+              <a:alpha val="50196"/>
+            </a:srgbClr>
+          </a:solidFill>
+          <a:ln w="19050"/>
+        </p:spPr>
+        <p:style>
+          <a:lnRef idx="2">
+            <a:schemeClr val="accent1">
+              <a:shade val="50000"/>
+            </a:schemeClr>
+          </a:lnRef>
+          <a:fillRef idx="1">
+            <a:schemeClr val="accent1"/>
+          </a:fillRef>
+          <a:effectRef idx="0">
+            <a:schemeClr val="accent1"/>
+          </a:effectRef>
+          <a:fontRef idx="minor">
+            <a:schemeClr val="lt1"/>
+          </a:fontRef>
+        </p:style>
+        <p:txBody>
+          <a:bodyPr rtlCol="0" anchor="ctr"/>
+          <a:lstStyle/>
+          <a:p>
+            <a:pPr algn="ctr"/>
+            <a:r>
+              <a:rPr lang="en-US" sz="1100" dirty="0" smtClean="0">
+                <a:solidFill>
+                  <a:schemeClr val="tx1"/>
+                </a:solidFill>
+              </a:rPr>
+              <a:t>AD</a:t>
+            </a:r>
+            <a:endParaRPr lang="en-US" sz="1100" dirty="0">
+              <a:solidFill>
+                <a:schemeClr val="tx1"/>
+              </a:solidFill>
+            </a:endParaRPr>
+          </a:p>
+        </p:txBody>
+      </p:sp>
+      <p:sp>
+        <p:nvSpPr>
+          <p:cNvPr id="42" name="searchBar"/>
+          <p:cNvSpPr/>
+          <p:nvPr/>
+        </p:nvSpPr>
+        <p:spPr>
+          <a:xfrm>
+            <a:off x="2392321" y="1169628"/>
+            <a:ext cx="1202723" cy="835654"/>
+          </a:xfrm>
+          <a:prstGeom prst="rect">
+            <a:avLst/>
+          </a:prstGeom>
+          <a:solidFill>
+            <a:srgbClr val="FFFFFF">
+              <a:alpha val="50196"/>
+            </a:srgbClr>
+          </a:solidFill>
+          <a:ln w="19050"/>
+        </p:spPr>
+        <p:style>
+          <a:lnRef idx="2">
+            <a:schemeClr val="accent1">
+              <a:shade val="50000"/>
+            </a:schemeClr>
+          </a:lnRef>
+          <a:fillRef idx="1">
+            <a:schemeClr val="accent1"/>
+          </a:fillRef>
+          <a:effectRef idx="0">
+            <a:schemeClr val="accent1"/>
+          </a:effectRef>
+          <a:fontRef idx="minor">
+            <a:schemeClr val="lt1"/>
+          </a:fontRef>
+        </p:style>
+        <p:txBody>
+          <a:bodyPr rtlCol="0" anchor="ctr"/>
+          <a:lstStyle/>
+          <a:p>
+            <a:pPr algn="ctr"/>
+            <a:r>
+              <a:rPr lang="en-US" sz="1100" dirty="0" smtClean="0">
+                <a:solidFill>
+                  <a:schemeClr val="tx1"/>
+                </a:solidFill>
+              </a:rPr>
+              <a:t>side</a:t>
+            </a:r>
+            <a:endParaRPr lang="en-US" sz="1100" dirty="0">
+              <a:solidFill>
+                <a:schemeClr val="tx1"/>
+              </a:solidFill>
+            </a:endParaRPr>
+          </a:p>
+        </p:txBody>
+      </p:sp>
+      <p:sp>
+        <p:nvSpPr>
           <p:cNvPr id="29" name="searchBar"/>
           <p:cNvSpPr/>
           <p:nvPr/>
         </p:nvSpPr>
         <p:spPr>
           <a:xfrm>
-            <a:off x="3877137" y="516922"/>
-            <a:ext cx="3424920" cy="478536"/>
+            <a:off x="4074193" y="409092"/>
+            <a:ext cx="3227863" cy="464767"/>
           </a:xfrm>
           <a:prstGeom prst="rect">
             <a:avLst/>
@@ -7192,13 +8456,427 @@
       </p:sp>
       <p:sp>
         <p:nvSpPr>
+          <p:cNvPr id="31" name="searchBar"/>
+          <p:cNvSpPr/>
+          <p:nvPr/>
+        </p:nvSpPr>
+        <p:spPr>
+          <a:xfrm>
+            <a:off x="8720031" y="409092"/>
+            <a:ext cx="377787" cy="455792"/>
+          </a:xfrm>
+          <a:prstGeom prst="rect">
+            <a:avLst/>
+          </a:prstGeom>
+          <a:solidFill>
+            <a:srgbClr val="DEEBF7">
+              <a:alpha val="50196"/>
+            </a:srgbClr>
+          </a:solidFill>
+          <a:ln w="19050"/>
+        </p:spPr>
+        <p:style>
+          <a:lnRef idx="2">
+            <a:schemeClr val="accent1">
+              <a:shade val="50000"/>
+            </a:schemeClr>
+          </a:lnRef>
+          <a:fillRef idx="1">
+            <a:schemeClr val="accent1"/>
+          </a:fillRef>
+          <a:effectRef idx="0">
+            <a:schemeClr val="accent1"/>
+          </a:effectRef>
+          <a:fontRef idx="minor">
+            <a:schemeClr val="lt1"/>
+          </a:fontRef>
+        </p:style>
+        <p:txBody>
+          <a:bodyPr rtlCol="0" anchor="ctr"/>
+          <a:lstStyle/>
+          <a:p>
+            <a:pPr algn="ctr"/>
+            <a:r>
+              <a:rPr lang="en-US" sz="1100" dirty="0" smtClean="0">
+                <a:solidFill>
+                  <a:schemeClr val="tx1"/>
+                </a:solidFill>
+              </a:rPr>
+              <a:t>LI</a:t>
+            </a:r>
+            <a:endParaRPr lang="en-US" sz="1100" dirty="0">
+              <a:solidFill>
+                <a:schemeClr val="tx1"/>
+              </a:solidFill>
+            </a:endParaRPr>
+          </a:p>
+        </p:txBody>
+      </p:sp>
+      <p:sp>
+        <p:nvSpPr>
+          <p:cNvPr id="32" name="searchBar"/>
+          <p:cNvSpPr/>
+          <p:nvPr/>
+        </p:nvSpPr>
+        <p:spPr>
+          <a:xfrm>
+            <a:off x="7911657" y="409576"/>
+            <a:ext cx="446240" cy="464284"/>
+          </a:xfrm>
+          <a:prstGeom prst="rect">
+            <a:avLst/>
+          </a:prstGeom>
+          <a:solidFill>
+            <a:srgbClr val="DEEBF7">
+              <a:alpha val="50196"/>
+            </a:srgbClr>
+          </a:solidFill>
+          <a:ln w="19050"/>
+        </p:spPr>
+        <p:style>
+          <a:lnRef idx="2">
+            <a:schemeClr val="accent1">
+              <a:shade val="50000"/>
+            </a:schemeClr>
+          </a:lnRef>
+          <a:fillRef idx="1">
+            <a:schemeClr val="accent1"/>
+          </a:fillRef>
+          <a:effectRef idx="0">
+            <a:schemeClr val="accent1"/>
+          </a:effectRef>
+          <a:fontRef idx="minor">
+            <a:schemeClr val="lt1"/>
+          </a:fontRef>
+        </p:style>
+        <p:txBody>
+          <a:bodyPr rtlCol="0" anchor="ctr"/>
+          <a:lstStyle/>
+          <a:p>
+            <a:pPr algn="ctr"/>
+            <a:r>
+              <a:rPr lang="en-US" sz="1100" dirty="0" smtClean="0">
+                <a:solidFill>
+                  <a:schemeClr val="tx1"/>
+                </a:solidFill>
+              </a:rPr>
+              <a:t>AT</a:t>
+            </a:r>
+            <a:endParaRPr lang="en-US" sz="1100" dirty="0">
+              <a:solidFill>
+                <a:schemeClr val="tx1"/>
+              </a:solidFill>
+            </a:endParaRPr>
+          </a:p>
+        </p:txBody>
+      </p:sp>
+      <p:sp>
+        <p:nvSpPr>
+          <p:cNvPr id="22" name="searchBar"/>
+          <p:cNvSpPr/>
+          <p:nvPr/>
+        </p:nvSpPr>
+        <p:spPr>
+          <a:xfrm>
+            <a:off x="2241396" y="409092"/>
+            <a:ext cx="1513314" cy="464767"/>
+          </a:xfrm>
+          <a:prstGeom prst="rect">
+            <a:avLst/>
+          </a:prstGeom>
+          <a:solidFill>
+            <a:srgbClr val="F2F2F2">
+              <a:alpha val="50196"/>
+            </a:srgbClr>
+          </a:solidFill>
+          <a:ln w="19050"/>
+        </p:spPr>
+        <p:style>
+          <a:lnRef idx="2">
+            <a:schemeClr val="accent1">
+              <a:shade val="50000"/>
+            </a:schemeClr>
+          </a:lnRef>
+          <a:fillRef idx="1">
+            <a:schemeClr val="accent1"/>
+          </a:fillRef>
+          <a:effectRef idx="0">
+            <a:schemeClr val="accent1"/>
+          </a:effectRef>
+          <a:fontRef idx="minor">
+            <a:schemeClr val="lt1"/>
+          </a:fontRef>
+        </p:style>
+        <p:txBody>
+          <a:bodyPr rtlCol="0" anchor="ctr"/>
+          <a:lstStyle/>
+          <a:p>
+            <a:pPr algn="ctr"/>
+            <a:r>
+              <a:rPr lang="en-US" sz="1100" dirty="0" err="1" smtClean="0">
+                <a:solidFill>
+                  <a:schemeClr val="tx1"/>
+                </a:solidFill>
+              </a:rPr>
+              <a:t>section.logo</a:t>
+            </a:r>
+            <a:r>
+              <a:rPr lang="en-US" sz="1100" dirty="0" smtClean="0">
+                <a:solidFill>
+                  <a:schemeClr val="tx1"/>
+                </a:solidFill>
+              </a:rPr>
+              <a:t>-area</a:t>
+            </a:r>
+            <a:endParaRPr lang="en-US" sz="1100" dirty="0">
+              <a:solidFill>
+                <a:schemeClr val="tx1"/>
+              </a:solidFill>
+            </a:endParaRPr>
+          </a:p>
+        </p:txBody>
+      </p:sp>
+      <p:sp>
+        <p:nvSpPr>
+          <p:cNvPr id="18" name="직사각형 17"/>
+          <p:cNvSpPr/>
+          <p:nvPr/>
+        </p:nvSpPr>
+        <p:spPr>
+          <a:xfrm>
+            <a:off x="4074194" y="1001065"/>
+            <a:ext cx="5018050" cy="311406"/>
+          </a:xfrm>
+          <a:prstGeom prst="rect">
+            <a:avLst/>
+          </a:prstGeom>
+          <a:solidFill>
+            <a:srgbClr val="F2F2F2">
+              <a:alpha val="49804"/>
+            </a:srgbClr>
+          </a:solidFill>
+          <a:ln w="19050"/>
+        </p:spPr>
+        <p:style>
+          <a:lnRef idx="2">
+            <a:schemeClr val="accent1">
+              <a:shade val="50000"/>
+            </a:schemeClr>
+          </a:lnRef>
+          <a:fillRef idx="1">
+            <a:schemeClr val="accent1"/>
+          </a:fillRef>
+          <a:effectRef idx="0">
+            <a:schemeClr val="accent1"/>
+          </a:effectRef>
+          <a:fontRef idx="minor">
+            <a:schemeClr val="lt1"/>
+          </a:fontRef>
+        </p:style>
+        <p:txBody>
+          <a:bodyPr rtlCol="0" anchor="ctr"/>
+          <a:lstStyle/>
+          <a:p>
+            <a:pPr algn="ctr"/>
+            <a:r>
+              <a:rPr lang="en-US" sz="1100" dirty="0" err="1" smtClean="0">
+                <a:solidFill>
+                  <a:schemeClr val="tx1"/>
+                </a:solidFill>
+              </a:rPr>
+              <a:t>nav.gnb</a:t>
+            </a:r>
+            <a:endParaRPr lang="en-US" sz="1100" dirty="0">
+              <a:solidFill>
+                <a:schemeClr val="tx1"/>
+              </a:solidFill>
+            </a:endParaRPr>
+          </a:p>
+        </p:txBody>
+      </p:sp>
+      <p:sp>
+        <p:nvSpPr>
+          <p:cNvPr id="19" name="searchBar"/>
+          <p:cNvSpPr/>
+          <p:nvPr/>
+        </p:nvSpPr>
+        <p:spPr>
+          <a:xfrm>
+            <a:off x="2324246" y="4709646"/>
+            <a:ext cx="1338872" cy="1284754"/>
+          </a:xfrm>
+          <a:prstGeom prst="rect">
+            <a:avLst/>
+          </a:prstGeom>
+          <a:solidFill>
+            <a:srgbClr val="DEEBF7">
+              <a:alpha val="50196"/>
+            </a:srgbClr>
+          </a:solidFill>
+          <a:ln w="19050"/>
+        </p:spPr>
+        <p:style>
+          <a:lnRef idx="2">
+            <a:schemeClr val="accent1">
+              <a:shade val="50000"/>
+            </a:schemeClr>
+          </a:lnRef>
+          <a:fillRef idx="1">
+            <a:schemeClr val="accent1"/>
+          </a:fillRef>
+          <a:effectRef idx="0">
+            <a:schemeClr val="accent1"/>
+          </a:effectRef>
+          <a:fontRef idx="minor">
+            <a:schemeClr val="lt1"/>
+          </a:fontRef>
+        </p:style>
+        <p:txBody>
+          <a:bodyPr rtlCol="0" anchor="ctr"/>
+          <a:lstStyle/>
+          <a:p>
+            <a:pPr algn="ctr"/>
+            <a:r>
+              <a:rPr lang="en-US" sz="1100" dirty="0" smtClean="0">
+                <a:solidFill>
+                  <a:schemeClr val="tx1"/>
+                </a:solidFill>
+              </a:rPr>
+              <a:t>SNS</a:t>
+            </a:r>
+            <a:endParaRPr lang="en-US" sz="1100" dirty="0">
+              <a:solidFill>
+                <a:schemeClr val="tx1"/>
+              </a:solidFill>
+            </a:endParaRPr>
+          </a:p>
+        </p:txBody>
+      </p:sp>
+      <p:sp>
+        <p:nvSpPr>
+          <p:cNvPr id="20" name="searchBar"/>
+          <p:cNvSpPr/>
+          <p:nvPr/>
+        </p:nvSpPr>
+        <p:spPr>
+          <a:xfrm>
+            <a:off x="7383736" y="409092"/>
+            <a:ext cx="446240" cy="464767"/>
+          </a:xfrm>
+          <a:prstGeom prst="rect">
+            <a:avLst/>
+          </a:prstGeom>
+          <a:solidFill>
+            <a:srgbClr val="DEEBF7">
+              <a:alpha val="50196"/>
+            </a:srgbClr>
+          </a:solidFill>
+          <a:ln w="19050"/>
+        </p:spPr>
+        <p:style>
+          <a:lnRef idx="2">
+            <a:schemeClr val="accent1">
+              <a:shade val="50000"/>
+            </a:schemeClr>
+          </a:lnRef>
+          <a:fillRef idx="1">
+            <a:schemeClr val="accent1"/>
+          </a:fillRef>
+          <a:effectRef idx="0">
+            <a:schemeClr val="accent1"/>
+          </a:effectRef>
+          <a:fontRef idx="minor">
+            <a:schemeClr val="lt1"/>
+          </a:fontRef>
+        </p:style>
+        <p:txBody>
+          <a:bodyPr rtlCol="0" anchor="ctr"/>
+          <a:lstStyle/>
+          <a:p>
+            <a:pPr algn="ctr"/>
+            <a:r>
+              <a:rPr lang="en-US" sz="1100" dirty="0" smtClean="0">
+                <a:solidFill>
+                  <a:schemeClr val="tx1"/>
+                </a:solidFill>
+              </a:rPr>
+              <a:t>RD</a:t>
+            </a:r>
+            <a:endParaRPr lang="en-US" sz="1100" dirty="0">
+              <a:solidFill>
+                <a:schemeClr val="tx1"/>
+              </a:solidFill>
+            </a:endParaRPr>
+          </a:p>
+        </p:txBody>
+      </p:sp>
+      <p:sp>
+        <p:nvSpPr>
+          <p:cNvPr id="21" name="searchBar"/>
+          <p:cNvSpPr/>
+          <p:nvPr/>
+        </p:nvSpPr>
+        <p:spPr>
+          <a:xfrm>
+            <a:off x="2853036" y="409093"/>
+            <a:ext cx="310355" cy="478536"/>
+          </a:xfrm>
+          <a:prstGeom prst="rect">
+            <a:avLst/>
+          </a:prstGeom>
+          <a:solidFill>
+            <a:srgbClr val="DEEBF7">
+              <a:alpha val="50196"/>
+            </a:srgbClr>
+          </a:solidFill>
+          <a:ln w="19050"/>
+        </p:spPr>
+        <p:style>
+          <a:lnRef idx="2">
+            <a:schemeClr val="accent1">
+              <a:shade val="50000"/>
+            </a:schemeClr>
+          </a:lnRef>
+          <a:fillRef idx="1">
+            <a:schemeClr val="accent1"/>
+          </a:fillRef>
+          <a:effectRef idx="0">
+            <a:schemeClr val="accent1"/>
+          </a:effectRef>
+          <a:fontRef idx="minor">
+            <a:schemeClr val="lt1"/>
+          </a:fontRef>
+        </p:style>
+        <p:txBody>
+          <a:bodyPr rtlCol="0" anchor="ctr"/>
+          <a:lstStyle/>
+          <a:p>
+            <a:pPr algn="ctr"/>
+            <a:r>
+              <a:rPr lang="en-US" sz="1100" dirty="0" smtClean="0">
+                <a:solidFill>
+                  <a:schemeClr val="tx1"/>
+                </a:solidFill>
+              </a:rPr>
+              <a:t>DM</a:t>
+            </a:r>
+            <a:endParaRPr lang="en-US" sz="1100" dirty="0">
+              <a:solidFill>
+                <a:schemeClr val="tx1"/>
+              </a:solidFill>
+            </a:endParaRPr>
+          </a:p>
+        </p:txBody>
+      </p:sp>
+      <p:sp>
+        <p:nvSpPr>
           <p:cNvPr id="30" name="searchBar"/>
           <p:cNvSpPr/>
           <p:nvPr/>
         </p:nvSpPr>
         <p:spPr>
           <a:xfrm>
-            <a:off x="2241395" y="501805"/>
+            <a:off x="2241395" y="409093"/>
             <a:ext cx="529961" cy="478536"/>
           </a:xfrm>
           <a:prstGeom prst="rect">
@@ -7248,659 +8926,10 @@
           </a:p>
         </p:txBody>
       </p:sp>
-      <p:sp>
-        <p:nvSpPr>
-          <p:cNvPr id="31" name="searchBar"/>
-          <p:cNvSpPr/>
-          <p:nvPr/>
-        </p:nvSpPr>
-        <p:spPr>
-          <a:xfrm>
-            <a:off x="8409905" y="501805"/>
-            <a:ext cx="687914" cy="484678"/>
-          </a:xfrm>
-          <a:prstGeom prst="rect">
-            <a:avLst/>
-          </a:prstGeom>
-          <a:solidFill>
-            <a:srgbClr val="DEEBF7">
-              <a:alpha val="50196"/>
-            </a:srgbClr>
-          </a:solidFill>
-          <a:ln w="19050"/>
-        </p:spPr>
-        <p:style>
-          <a:lnRef idx="2">
-            <a:schemeClr val="accent1">
-              <a:shade val="50000"/>
-            </a:schemeClr>
-          </a:lnRef>
-          <a:fillRef idx="1">
-            <a:schemeClr val="accent1"/>
-          </a:fillRef>
-          <a:effectRef idx="0">
-            <a:schemeClr val="accent1"/>
-          </a:effectRef>
-          <a:fontRef idx="minor">
-            <a:schemeClr val="lt1"/>
-          </a:fontRef>
-        </p:style>
-        <p:txBody>
-          <a:bodyPr rtlCol="0" anchor="ctr"/>
-          <a:lstStyle/>
-          <a:p>
-            <a:pPr algn="ctr"/>
-            <a:r>
-              <a:rPr lang="en-US" sz="1100" dirty="0" smtClean="0">
-                <a:solidFill>
-                  <a:schemeClr val="tx1"/>
-                </a:solidFill>
-              </a:rPr>
-              <a:t>LI</a:t>
-            </a:r>
-            <a:endParaRPr lang="en-US" sz="1100" dirty="0">
-              <a:solidFill>
-                <a:schemeClr val="tx1"/>
-              </a:solidFill>
-            </a:endParaRPr>
-          </a:p>
-        </p:txBody>
-      </p:sp>
-      <p:sp>
-        <p:nvSpPr>
-          <p:cNvPr id="32" name="searchBar"/>
-          <p:cNvSpPr/>
-          <p:nvPr/>
-        </p:nvSpPr>
-        <p:spPr>
-          <a:xfrm>
-            <a:off x="7302057" y="516922"/>
-            <a:ext cx="446240" cy="478536"/>
-          </a:xfrm>
-          <a:prstGeom prst="rect">
-            <a:avLst/>
-          </a:prstGeom>
-          <a:solidFill>
-            <a:srgbClr val="DEEBF7">
-              <a:alpha val="50196"/>
-            </a:srgbClr>
-          </a:solidFill>
-          <a:ln w="19050"/>
-        </p:spPr>
-        <p:style>
-          <a:lnRef idx="2">
-            <a:schemeClr val="accent1">
-              <a:shade val="50000"/>
-            </a:schemeClr>
-          </a:lnRef>
-          <a:fillRef idx="1">
-            <a:schemeClr val="accent1"/>
-          </a:fillRef>
-          <a:effectRef idx="0">
-            <a:schemeClr val="accent1"/>
-          </a:effectRef>
-          <a:fontRef idx="minor">
-            <a:schemeClr val="lt1"/>
-          </a:fontRef>
-        </p:style>
-        <p:txBody>
-          <a:bodyPr rtlCol="0" anchor="ctr"/>
-          <a:lstStyle/>
-          <a:p>
-            <a:pPr algn="ctr"/>
-            <a:r>
-              <a:rPr lang="en-US" sz="1100" dirty="0" smtClean="0">
-                <a:solidFill>
-                  <a:schemeClr val="tx1"/>
-                </a:solidFill>
-              </a:rPr>
-              <a:t>AT</a:t>
-            </a:r>
-            <a:endParaRPr lang="en-US" sz="1100" dirty="0">
-              <a:solidFill>
-                <a:schemeClr val="tx1"/>
-              </a:solidFill>
-            </a:endParaRPr>
-          </a:p>
-        </p:txBody>
-      </p:sp>
-      <p:sp>
-        <p:nvSpPr>
-          <p:cNvPr id="33" name="searchBar"/>
-          <p:cNvSpPr/>
-          <p:nvPr/>
-        </p:nvSpPr>
-        <p:spPr>
-          <a:xfrm>
-            <a:off x="2900597" y="501805"/>
-            <a:ext cx="346284" cy="478536"/>
-          </a:xfrm>
-          <a:prstGeom prst="rect">
-            <a:avLst/>
-          </a:prstGeom>
-          <a:solidFill>
-            <a:srgbClr val="DEEBF7">
-              <a:alpha val="50196"/>
-            </a:srgbClr>
-          </a:solidFill>
-          <a:ln w="19050"/>
-        </p:spPr>
-        <p:style>
-          <a:lnRef idx="2">
-            <a:schemeClr val="accent1">
-              <a:shade val="50000"/>
-            </a:schemeClr>
-          </a:lnRef>
-          <a:fillRef idx="1">
-            <a:schemeClr val="accent1"/>
-          </a:fillRef>
-          <a:effectRef idx="0">
-            <a:schemeClr val="accent1"/>
-          </a:effectRef>
-          <a:fontRef idx="minor">
-            <a:schemeClr val="lt1"/>
-          </a:fontRef>
-        </p:style>
-        <p:txBody>
-          <a:bodyPr rtlCol="0" anchor="ctr"/>
-          <a:lstStyle/>
-          <a:p>
-            <a:pPr algn="ctr"/>
-            <a:r>
-              <a:rPr lang="en-US" sz="1100" dirty="0">
-                <a:solidFill>
-                  <a:schemeClr val="tx1"/>
-                </a:solidFill>
-              </a:rPr>
-              <a:t>D</a:t>
-            </a:r>
-            <a:r>
-              <a:rPr lang="en-US" sz="1100" dirty="0" smtClean="0">
-                <a:solidFill>
-                  <a:schemeClr val="tx1"/>
-                </a:solidFill>
-              </a:rPr>
-              <a:t>M</a:t>
-            </a:r>
-          </a:p>
-        </p:txBody>
-      </p:sp>
-      <p:sp>
-        <p:nvSpPr>
-          <p:cNvPr id="34" name="searchBar"/>
-          <p:cNvSpPr/>
-          <p:nvPr/>
-        </p:nvSpPr>
-        <p:spPr>
-          <a:xfrm>
-            <a:off x="2241395" y="1222917"/>
-            <a:ext cx="6856423" cy="895077"/>
-          </a:xfrm>
-          <a:prstGeom prst="rect">
-            <a:avLst/>
-          </a:prstGeom>
-          <a:solidFill>
-            <a:srgbClr val="F2F2F2">
-              <a:alpha val="50196"/>
-            </a:srgbClr>
-          </a:solidFill>
-          <a:ln w="19050"/>
-        </p:spPr>
-        <p:style>
-          <a:lnRef idx="2">
-            <a:schemeClr val="accent1">
-              <a:shade val="50000"/>
-            </a:schemeClr>
-          </a:lnRef>
-          <a:fillRef idx="1">
-            <a:schemeClr val="accent1"/>
-          </a:fillRef>
-          <a:effectRef idx="0">
-            <a:schemeClr val="accent1"/>
-          </a:effectRef>
-          <a:fontRef idx="minor">
-            <a:schemeClr val="lt1"/>
-          </a:fontRef>
-        </p:style>
-        <p:txBody>
-          <a:bodyPr rtlCol="0" anchor="ctr"/>
-          <a:lstStyle/>
-          <a:p>
-            <a:pPr algn="ctr"/>
-            <a:r>
-              <a:rPr lang="en-US" sz="1100" dirty="0" smtClean="0">
-                <a:solidFill>
-                  <a:schemeClr val="tx1"/>
-                </a:solidFill>
-              </a:rPr>
-              <a:t>.spot</a:t>
-            </a:r>
-            <a:endParaRPr lang="en-US" sz="1100" dirty="0">
-              <a:solidFill>
-                <a:schemeClr val="tx1"/>
-              </a:solidFill>
-            </a:endParaRPr>
-          </a:p>
-        </p:txBody>
-      </p:sp>
-      <p:sp>
-        <p:nvSpPr>
-          <p:cNvPr id="35" name="searchBar"/>
-          <p:cNvSpPr/>
-          <p:nvPr/>
-        </p:nvSpPr>
-        <p:spPr>
-          <a:xfrm>
-            <a:off x="2241395" y="2304470"/>
-            <a:ext cx="5018049" cy="3847512"/>
-          </a:xfrm>
-          <a:prstGeom prst="rect">
-            <a:avLst/>
-          </a:prstGeom>
-          <a:solidFill>
-            <a:srgbClr val="F2F2F2">
-              <a:alpha val="50196"/>
-            </a:srgbClr>
-          </a:solidFill>
-          <a:ln w="19050"/>
-        </p:spPr>
-        <p:style>
-          <a:lnRef idx="2">
-            <a:schemeClr val="accent1">
-              <a:shade val="50000"/>
-            </a:schemeClr>
-          </a:lnRef>
-          <a:fillRef idx="1">
-            <a:schemeClr val="accent1"/>
-          </a:fillRef>
-          <a:effectRef idx="0">
-            <a:schemeClr val="accent1"/>
-          </a:effectRef>
-          <a:fontRef idx="minor">
-            <a:schemeClr val="lt1"/>
-          </a:fontRef>
-        </p:style>
-        <p:txBody>
-          <a:bodyPr rtlCol="0" anchor="ctr"/>
-          <a:lstStyle/>
-          <a:p>
-            <a:pPr algn="ctr"/>
-            <a:r>
-              <a:rPr lang="en-US" sz="1100" dirty="0" smtClean="0">
-                <a:solidFill>
-                  <a:schemeClr val="tx1"/>
-                </a:solidFill>
-              </a:rPr>
-              <a:t>#content</a:t>
-            </a:r>
-            <a:endParaRPr lang="en-US" sz="1100" dirty="0">
-              <a:solidFill>
-                <a:schemeClr val="tx1"/>
-              </a:solidFill>
-            </a:endParaRPr>
-          </a:p>
-        </p:txBody>
-      </p:sp>
-      <p:sp>
-        <p:nvSpPr>
-          <p:cNvPr id="43" name="searchBar"/>
-          <p:cNvSpPr/>
-          <p:nvPr/>
-        </p:nvSpPr>
-        <p:spPr>
-          <a:xfrm>
-            <a:off x="2900598" y="1347094"/>
-            <a:ext cx="5390693" cy="546721"/>
-          </a:xfrm>
-          <a:prstGeom prst="rect">
-            <a:avLst/>
-          </a:prstGeom>
-          <a:solidFill>
-            <a:srgbClr val="DEEBF7">
-              <a:alpha val="50196"/>
-            </a:srgbClr>
-          </a:solidFill>
-          <a:ln w="19050"/>
-        </p:spPr>
-        <p:style>
-          <a:lnRef idx="2">
-            <a:schemeClr val="accent1">
-              <a:shade val="50000"/>
-            </a:schemeClr>
-          </a:lnRef>
-          <a:fillRef idx="1">
-            <a:schemeClr val="accent1"/>
-          </a:fillRef>
-          <a:effectRef idx="0">
-            <a:schemeClr val="accent1"/>
-          </a:effectRef>
-          <a:fontRef idx="minor">
-            <a:schemeClr val="lt1"/>
-          </a:fontRef>
-        </p:style>
-        <p:txBody>
-          <a:bodyPr rtlCol="0" anchor="ctr"/>
-          <a:lstStyle/>
-          <a:p>
-            <a:pPr algn="ctr"/>
-            <a:r>
-              <a:rPr lang="en-US" sz="1100" dirty="0" smtClean="0">
-                <a:solidFill>
-                  <a:schemeClr val="tx1"/>
-                </a:solidFill>
-              </a:rPr>
-              <a:t>.ad_1</a:t>
-            </a:r>
-            <a:endParaRPr lang="en-US" sz="1100" dirty="0">
-              <a:solidFill>
-                <a:schemeClr val="tx1"/>
-              </a:solidFill>
-            </a:endParaRPr>
-          </a:p>
-        </p:txBody>
-      </p:sp>
-      <p:sp>
-        <p:nvSpPr>
-          <p:cNvPr id="44" name="직사각형 43"/>
-          <p:cNvSpPr/>
-          <p:nvPr/>
-        </p:nvSpPr>
-        <p:spPr>
-          <a:xfrm>
-            <a:off x="2424713" y="2547048"/>
-            <a:ext cx="4651410" cy="3294194"/>
-          </a:xfrm>
-          <a:prstGeom prst="rect">
-            <a:avLst/>
-          </a:prstGeom>
-          <a:solidFill>
-            <a:srgbClr val="FFFFFF">
-              <a:alpha val="50196"/>
-            </a:srgbClr>
-          </a:solidFill>
-          <a:ln w="19050"/>
-        </p:spPr>
-        <p:style>
-          <a:lnRef idx="2">
-            <a:schemeClr val="accent1">
-              <a:shade val="50000"/>
-            </a:schemeClr>
-          </a:lnRef>
-          <a:fillRef idx="1">
-            <a:schemeClr val="accent1"/>
-          </a:fillRef>
-          <a:effectRef idx="0">
-            <a:schemeClr val="accent1"/>
-          </a:effectRef>
-          <a:fontRef idx="minor">
-            <a:schemeClr val="lt1"/>
-          </a:fontRef>
-        </p:style>
-        <p:txBody>
-          <a:bodyPr rtlCol="0" anchor="ctr"/>
-          <a:lstStyle/>
-          <a:p>
-            <a:pPr algn="ctr"/>
-            <a:r>
-              <a:rPr lang="en-US" sz="1100" dirty="0" smtClean="0">
-                <a:solidFill>
-                  <a:schemeClr val="tx1"/>
-                </a:solidFill>
-              </a:rPr>
-              <a:t>.</a:t>
-            </a:r>
-            <a:r>
-              <a:rPr lang="en-US" sz="1100" dirty="0" err="1" smtClean="0">
-                <a:solidFill>
-                  <a:schemeClr val="tx1"/>
-                </a:solidFill>
-              </a:rPr>
-              <a:t>entry_pane</a:t>
-            </a:r>
-            <a:endParaRPr lang="en-US" sz="1100" dirty="0">
-              <a:solidFill>
-                <a:schemeClr val="tx1"/>
-              </a:solidFill>
-            </a:endParaRPr>
-          </a:p>
-        </p:txBody>
-      </p:sp>
-      <p:sp>
-        <p:nvSpPr>
-          <p:cNvPr id="54" name="searchBar"/>
-          <p:cNvSpPr/>
-          <p:nvPr/>
-        </p:nvSpPr>
-        <p:spPr>
-          <a:xfrm>
-            <a:off x="7479722" y="2304471"/>
-            <a:ext cx="1618096" cy="3857838"/>
-          </a:xfrm>
-          <a:prstGeom prst="rect">
-            <a:avLst/>
-          </a:prstGeom>
-          <a:solidFill>
-            <a:srgbClr val="F2F2F2">
-              <a:alpha val="50196"/>
-            </a:srgbClr>
-          </a:solidFill>
-          <a:ln w="19050"/>
-        </p:spPr>
-        <p:style>
-          <a:lnRef idx="2">
-            <a:schemeClr val="accent1">
-              <a:shade val="50000"/>
-            </a:schemeClr>
-          </a:lnRef>
-          <a:fillRef idx="1">
-            <a:schemeClr val="accent1"/>
-          </a:fillRef>
-          <a:effectRef idx="0">
-            <a:schemeClr val="accent1"/>
-          </a:effectRef>
-          <a:fontRef idx="minor">
-            <a:schemeClr val="lt1"/>
-          </a:fontRef>
-        </p:style>
-        <p:txBody>
-          <a:bodyPr rtlCol="0" anchor="ctr"/>
-          <a:lstStyle/>
-          <a:p>
-            <a:pPr algn="ctr"/>
-            <a:r>
-              <a:rPr lang="en-US" sz="1100" dirty="0" smtClean="0">
-                <a:solidFill>
-                  <a:schemeClr val="tx1"/>
-                </a:solidFill>
-              </a:rPr>
-              <a:t>.aside</a:t>
-            </a:r>
-            <a:endParaRPr lang="en-US" sz="1100" dirty="0">
-              <a:solidFill>
-                <a:schemeClr val="tx1"/>
-              </a:solidFill>
-            </a:endParaRPr>
-          </a:p>
-        </p:txBody>
-      </p:sp>
-      <p:sp>
-        <p:nvSpPr>
-          <p:cNvPr id="56" name="searchBar"/>
-          <p:cNvSpPr/>
-          <p:nvPr/>
-        </p:nvSpPr>
-        <p:spPr>
-          <a:xfrm>
-            <a:off x="7632862" y="2547048"/>
-            <a:ext cx="1338872" cy="835654"/>
-          </a:xfrm>
-          <a:prstGeom prst="rect">
-            <a:avLst/>
-          </a:prstGeom>
-          <a:solidFill>
-            <a:srgbClr val="FFFFFF">
-              <a:alpha val="50196"/>
-            </a:srgbClr>
-          </a:solidFill>
-          <a:ln w="19050"/>
-        </p:spPr>
-        <p:style>
-          <a:lnRef idx="2">
-            <a:schemeClr val="accent1">
-              <a:shade val="50000"/>
-            </a:schemeClr>
-          </a:lnRef>
-          <a:fillRef idx="1">
-            <a:schemeClr val="accent1"/>
-          </a:fillRef>
-          <a:effectRef idx="0">
-            <a:schemeClr val="accent1"/>
-          </a:effectRef>
-          <a:fontRef idx="minor">
-            <a:schemeClr val="lt1"/>
-          </a:fontRef>
-        </p:style>
-        <p:txBody>
-          <a:bodyPr rtlCol="0" anchor="ctr"/>
-          <a:lstStyle/>
-          <a:p>
-            <a:pPr algn="ctr"/>
-            <a:r>
-              <a:rPr lang="en-US" sz="1100" dirty="0" smtClean="0">
-                <a:solidFill>
-                  <a:schemeClr val="tx1"/>
-                </a:solidFill>
-              </a:rPr>
-              <a:t>RT</a:t>
-            </a:r>
-            <a:endParaRPr lang="en-US" sz="1100" dirty="0">
-              <a:solidFill>
-                <a:schemeClr val="tx1"/>
-              </a:solidFill>
-            </a:endParaRPr>
-          </a:p>
-        </p:txBody>
-      </p:sp>
-      <p:sp>
-        <p:nvSpPr>
-          <p:cNvPr id="27" name="searchBar"/>
-          <p:cNvSpPr/>
-          <p:nvPr/>
-        </p:nvSpPr>
-        <p:spPr>
-          <a:xfrm>
-            <a:off x="7632862" y="3492381"/>
-            <a:ext cx="1338872" cy="837211"/>
-          </a:xfrm>
-          <a:prstGeom prst="rect">
-            <a:avLst/>
-          </a:prstGeom>
-          <a:solidFill>
-            <a:srgbClr val="DEEBF7">
-              <a:alpha val="50196"/>
-            </a:srgbClr>
-          </a:solidFill>
-          <a:ln w="19050"/>
-        </p:spPr>
-        <p:style>
-          <a:lnRef idx="2">
-            <a:schemeClr val="accent1">
-              <a:shade val="50000"/>
-            </a:schemeClr>
-          </a:lnRef>
-          <a:fillRef idx="1">
-            <a:schemeClr val="accent1"/>
-          </a:fillRef>
-          <a:effectRef idx="0">
-            <a:schemeClr val="accent1"/>
-          </a:effectRef>
-          <a:fontRef idx="minor">
-            <a:schemeClr val="lt1"/>
-          </a:fontRef>
-        </p:style>
-        <p:txBody>
-          <a:bodyPr rtlCol="0" anchor="ctr"/>
-          <a:lstStyle/>
-          <a:p>
-            <a:pPr algn="ctr"/>
-            <a:r>
-              <a:rPr lang="en-US" sz="1100" dirty="0" smtClean="0">
-                <a:solidFill>
-                  <a:schemeClr val="tx1"/>
-                </a:solidFill>
-              </a:rPr>
-              <a:t>AD</a:t>
-            </a:r>
-            <a:endParaRPr lang="en-US" sz="1100" dirty="0">
-              <a:solidFill>
-                <a:schemeClr val="tx1"/>
-              </a:solidFill>
-            </a:endParaRPr>
-          </a:p>
-        </p:txBody>
-      </p:sp>
-      <p:sp>
-        <p:nvSpPr>
-          <p:cNvPr id="42" name="searchBar"/>
-          <p:cNvSpPr/>
-          <p:nvPr/>
-        </p:nvSpPr>
-        <p:spPr>
-          <a:xfrm>
-            <a:off x="7632861" y="4469176"/>
-            <a:ext cx="1352557" cy="835654"/>
-          </a:xfrm>
-          <a:prstGeom prst="rect">
-            <a:avLst/>
-          </a:prstGeom>
-          <a:solidFill>
-            <a:srgbClr val="FFFFFF">
-              <a:alpha val="50196"/>
-            </a:srgbClr>
-          </a:solidFill>
-          <a:ln w="19050"/>
-        </p:spPr>
-        <p:style>
-          <a:lnRef idx="2">
-            <a:schemeClr val="accent1">
-              <a:shade val="50000"/>
-            </a:schemeClr>
-          </a:lnRef>
-          <a:fillRef idx="1">
-            <a:schemeClr val="accent1"/>
-          </a:fillRef>
-          <a:effectRef idx="0">
-            <a:schemeClr val="accent1"/>
-          </a:effectRef>
-          <a:fontRef idx="minor">
-            <a:schemeClr val="lt1"/>
-          </a:fontRef>
-        </p:style>
-        <p:txBody>
-          <a:bodyPr rtlCol="0" anchor="ctr"/>
-          <a:lstStyle/>
-          <a:p>
-            <a:pPr algn="ctr"/>
-            <a:r>
-              <a:rPr lang="en-US" sz="1100" dirty="0" smtClean="0">
-                <a:solidFill>
-                  <a:schemeClr val="tx1"/>
-                </a:solidFill>
-              </a:rPr>
-              <a:t>SN</a:t>
-            </a:r>
-            <a:endParaRPr lang="en-US" sz="1100" dirty="0">
-              <a:solidFill>
-                <a:schemeClr val="tx1"/>
-              </a:solidFill>
-            </a:endParaRPr>
-          </a:p>
-        </p:txBody>
-      </p:sp>
     </p:spTree>
     <p:extLst>
       <p:ext uri="{BB962C8B-B14F-4D97-AF65-F5344CB8AC3E}">
-        <p14:creationId xmlns:p14="http://schemas.microsoft.com/office/powerpoint/2010/main" val="2188579836"/>
+        <p14:creationId xmlns:p14="http://schemas.microsoft.com/office/powerpoint/2010/main" val="3216651930"/>
       </p:ext>
     </p:extLst>
   </p:cSld>
@@ -8613,6 +9642,922 @@
     <p:extLst>
       <p:ext uri="{BB962C8B-B14F-4D97-AF65-F5344CB8AC3E}">
         <p14:creationId xmlns:p14="http://schemas.microsoft.com/office/powerpoint/2010/main" val="885988592"/>
+      </p:ext>
+    </p:extLst>
+  </p:cSld>
+  <p:clrMapOvr>
+    <a:masterClrMapping/>
+  </p:clrMapOvr>
+  <p:timing>
+    <p:tnLst>
+      <p:par>
+        <p:cTn id="1" dur="indefinite" restart="never" nodeType="tmRoot"/>
+      </p:par>
+    </p:tnLst>
+  </p:timing>
+</p:sld>
+</file>
+
+<file path=ppt/slides/slide11.xml><?xml version="1.0" encoding="utf-8"?>
+<p:sld xmlns:a="http://schemas.openxmlformats.org/drawingml/2006/main" xmlns:r="http://schemas.openxmlformats.org/officeDocument/2006/relationships" xmlns:p="http://schemas.openxmlformats.org/presentationml/2006/main">
+  <p:cSld>
+    <p:spTree>
+      <p:nvGrpSpPr>
+        <p:cNvPr id="1" name=""/>
+        <p:cNvGrpSpPr/>
+        <p:nvPr/>
+      </p:nvGrpSpPr>
+      <p:grpSpPr>
+        <a:xfrm>
+          <a:off x="0" y="0"/>
+          <a:ext cx="0" cy="0"/>
+          <a:chOff x="0" y="0"/>
+          <a:chExt cx="0" cy="0"/>
+        </a:xfrm>
+      </p:grpSpPr>
+      <p:sp>
+        <p:nvSpPr>
+          <p:cNvPr id="4" name="직사각형 3"/>
+          <p:cNvSpPr/>
+          <p:nvPr/>
+        </p:nvSpPr>
+        <p:spPr>
+          <a:xfrm>
+            <a:off x="1862254" y="1105137"/>
+            <a:ext cx="7584296" cy="5370508"/>
+          </a:xfrm>
+          <a:prstGeom prst="rect">
+            <a:avLst/>
+          </a:prstGeom>
+          <a:solidFill>
+            <a:schemeClr val="bg1"/>
+          </a:solidFill>
+          <a:ln w="19050"/>
+        </p:spPr>
+        <p:style>
+          <a:lnRef idx="2">
+            <a:schemeClr val="accent1">
+              <a:shade val="50000"/>
+            </a:schemeClr>
+          </a:lnRef>
+          <a:fillRef idx="1">
+            <a:schemeClr val="accent1"/>
+          </a:fillRef>
+          <a:effectRef idx="0">
+            <a:schemeClr val="accent1"/>
+          </a:effectRef>
+          <a:fontRef idx="minor">
+            <a:schemeClr val="lt1"/>
+          </a:fontRef>
+        </p:style>
+        <p:txBody>
+          <a:bodyPr rtlCol="0" anchor="ctr"/>
+          <a:lstStyle/>
+          <a:p>
+            <a:pPr algn="ctr"/>
+            <a:r>
+              <a:rPr lang="en-US" sz="1100" dirty="0" smtClean="0">
+                <a:solidFill>
+                  <a:schemeClr val="tx1"/>
+                </a:solidFill>
+              </a:rPr>
+              <a:t>main</a:t>
+            </a:r>
+            <a:endParaRPr lang="en-US" sz="1100" dirty="0">
+              <a:solidFill>
+                <a:schemeClr val="tx1"/>
+              </a:solidFill>
+            </a:endParaRPr>
+          </a:p>
+        </p:txBody>
+      </p:sp>
+      <p:sp>
+        <p:nvSpPr>
+          <p:cNvPr id="17" name="searchBar"/>
+          <p:cNvSpPr/>
+          <p:nvPr/>
+        </p:nvSpPr>
+        <p:spPr>
+          <a:xfrm>
+            <a:off x="1862254" y="377009"/>
+            <a:ext cx="7584296" cy="618449"/>
+          </a:xfrm>
+          <a:prstGeom prst="rect">
+            <a:avLst/>
+          </a:prstGeom>
+          <a:solidFill>
+            <a:schemeClr val="bg1">
+              <a:lumMod val="95000"/>
+            </a:schemeClr>
+          </a:solidFill>
+          <a:ln w="19050"/>
+        </p:spPr>
+        <p:style>
+          <a:lnRef idx="2">
+            <a:schemeClr val="accent1">
+              <a:shade val="50000"/>
+            </a:schemeClr>
+          </a:lnRef>
+          <a:fillRef idx="1">
+            <a:schemeClr val="accent1"/>
+          </a:fillRef>
+          <a:effectRef idx="0">
+            <a:schemeClr val="accent1"/>
+          </a:effectRef>
+          <a:fontRef idx="minor">
+            <a:schemeClr val="lt1"/>
+          </a:fontRef>
+        </p:style>
+        <p:txBody>
+          <a:bodyPr rtlCol="0" anchor="ctr"/>
+          <a:lstStyle/>
+          <a:p>
+            <a:pPr algn="ctr"/>
+            <a:r>
+              <a:rPr lang="en-US" sz="1100" dirty="0" smtClean="0">
+                <a:solidFill>
+                  <a:schemeClr val="tx1"/>
+                </a:solidFill>
+              </a:rPr>
+              <a:t>header</a:t>
+            </a:r>
+            <a:endParaRPr lang="en-US" sz="1100" dirty="0">
+              <a:solidFill>
+                <a:schemeClr val="tx1"/>
+              </a:solidFill>
+            </a:endParaRPr>
+          </a:p>
+        </p:txBody>
+      </p:sp>
+      <p:sp>
+        <p:nvSpPr>
+          <p:cNvPr id="29" name="searchBar"/>
+          <p:cNvSpPr/>
+          <p:nvPr/>
+        </p:nvSpPr>
+        <p:spPr>
+          <a:xfrm>
+            <a:off x="3877137" y="516922"/>
+            <a:ext cx="3424920" cy="478536"/>
+          </a:xfrm>
+          <a:prstGeom prst="rect">
+            <a:avLst/>
+          </a:prstGeom>
+          <a:solidFill>
+            <a:srgbClr val="DEEBF7">
+              <a:alpha val="50196"/>
+            </a:srgbClr>
+          </a:solidFill>
+          <a:ln w="19050"/>
+        </p:spPr>
+        <p:style>
+          <a:lnRef idx="2">
+            <a:schemeClr val="accent1">
+              <a:shade val="50000"/>
+            </a:schemeClr>
+          </a:lnRef>
+          <a:fillRef idx="1">
+            <a:schemeClr val="accent1"/>
+          </a:fillRef>
+          <a:effectRef idx="0">
+            <a:schemeClr val="accent1"/>
+          </a:effectRef>
+          <a:fontRef idx="minor">
+            <a:schemeClr val="lt1"/>
+          </a:fontRef>
+        </p:style>
+        <p:txBody>
+          <a:bodyPr rtlCol="0" anchor="ctr"/>
+          <a:lstStyle/>
+          <a:p>
+            <a:pPr algn="ctr"/>
+            <a:r>
+              <a:rPr lang="en-US" sz="1100" dirty="0" smtClean="0">
+                <a:solidFill>
+                  <a:schemeClr val="tx1"/>
+                </a:solidFill>
+              </a:rPr>
+              <a:t>SB</a:t>
+            </a:r>
+            <a:endParaRPr lang="en-US" sz="1100" dirty="0">
+              <a:solidFill>
+                <a:schemeClr val="tx1"/>
+              </a:solidFill>
+            </a:endParaRPr>
+          </a:p>
+        </p:txBody>
+      </p:sp>
+      <p:sp>
+        <p:nvSpPr>
+          <p:cNvPr id="30" name="searchBar"/>
+          <p:cNvSpPr/>
+          <p:nvPr/>
+        </p:nvSpPr>
+        <p:spPr>
+          <a:xfrm>
+            <a:off x="2241395" y="501805"/>
+            <a:ext cx="529961" cy="478536"/>
+          </a:xfrm>
+          <a:prstGeom prst="rect">
+            <a:avLst/>
+          </a:prstGeom>
+          <a:solidFill>
+            <a:srgbClr val="DEEBF7">
+              <a:alpha val="50196"/>
+            </a:srgbClr>
+          </a:solidFill>
+          <a:ln w="19050"/>
+        </p:spPr>
+        <p:style>
+          <a:lnRef idx="2">
+            <a:schemeClr val="accent1">
+              <a:shade val="50000"/>
+            </a:schemeClr>
+          </a:lnRef>
+          <a:fillRef idx="1">
+            <a:schemeClr val="accent1"/>
+          </a:fillRef>
+          <a:effectRef idx="0">
+            <a:schemeClr val="accent1"/>
+          </a:effectRef>
+          <a:fontRef idx="minor">
+            <a:schemeClr val="lt1"/>
+          </a:fontRef>
+        </p:style>
+        <p:txBody>
+          <a:bodyPr rtlCol="0" anchor="ctr"/>
+          <a:lstStyle/>
+          <a:p>
+            <a:pPr algn="ctr"/>
+            <a:r>
+              <a:rPr lang="en-US" sz="1100" dirty="0" smtClean="0">
+                <a:solidFill>
+                  <a:schemeClr val="tx1"/>
+                </a:solidFill>
+              </a:rPr>
+              <a:t>LG</a:t>
+            </a:r>
+            <a:endParaRPr lang="en-US" sz="1100" dirty="0">
+              <a:solidFill>
+                <a:schemeClr val="tx1"/>
+              </a:solidFill>
+            </a:endParaRPr>
+          </a:p>
+        </p:txBody>
+      </p:sp>
+      <p:sp>
+        <p:nvSpPr>
+          <p:cNvPr id="31" name="searchBar"/>
+          <p:cNvSpPr/>
+          <p:nvPr/>
+        </p:nvSpPr>
+        <p:spPr>
+          <a:xfrm>
+            <a:off x="8409905" y="501805"/>
+            <a:ext cx="687914" cy="484678"/>
+          </a:xfrm>
+          <a:prstGeom prst="rect">
+            <a:avLst/>
+          </a:prstGeom>
+          <a:solidFill>
+            <a:srgbClr val="DEEBF7">
+              <a:alpha val="50196"/>
+            </a:srgbClr>
+          </a:solidFill>
+          <a:ln w="19050"/>
+        </p:spPr>
+        <p:style>
+          <a:lnRef idx="2">
+            <a:schemeClr val="accent1">
+              <a:shade val="50000"/>
+            </a:schemeClr>
+          </a:lnRef>
+          <a:fillRef idx="1">
+            <a:schemeClr val="accent1"/>
+          </a:fillRef>
+          <a:effectRef idx="0">
+            <a:schemeClr val="accent1"/>
+          </a:effectRef>
+          <a:fontRef idx="minor">
+            <a:schemeClr val="lt1"/>
+          </a:fontRef>
+        </p:style>
+        <p:txBody>
+          <a:bodyPr rtlCol="0" anchor="ctr"/>
+          <a:lstStyle/>
+          <a:p>
+            <a:pPr algn="ctr"/>
+            <a:r>
+              <a:rPr lang="en-US" sz="1100" dirty="0" smtClean="0">
+                <a:solidFill>
+                  <a:schemeClr val="tx1"/>
+                </a:solidFill>
+              </a:rPr>
+              <a:t>LI</a:t>
+            </a:r>
+            <a:endParaRPr lang="en-US" sz="1100" dirty="0">
+              <a:solidFill>
+                <a:schemeClr val="tx1"/>
+              </a:solidFill>
+            </a:endParaRPr>
+          </a:p>
+        </p:txBody>
+      </p:sp>
+      <p:sp>
+        <p:nvSpPr>
+          <p:cNvPr id="32" name="searchBar"/>
+          <p:cNvSpPr/>
+          <p:nvPr/>
+        </p:nvSpPr>
+        <p:spPr>
+          <a:xfrm>
+            <a:off x="7302057" y="516922"/>
+            <a:ext cx="446240" cy="478536"/>
+          </a:xfrm>
+          <a:prstGeom prst="rect">
+            <a:avLst/>
+          </a:prstGeom>
+          <a:solidFill>
+            <a:srgbClr val="DEEBF7">
+              <a:alpha val="50196"/>
+            </a:srgbClr>
+          </a:solidFill>
+          <a:ln w="19050"/>
+        </p:spPr>
+        <p:style>
+          <a:lnRef idx="2">
+            <a:schemeClr val="accent1">
+              <a:shade val="50000"/>
+            </a:schemeClr>
+          </a:lnRef>
+          <a:fillRef idx="1">
+            <a:schemeClr val="accent1"/>
+          </a:fillRef>
+          <a:effectRef idx="0">
+            <a:schemeClr val="accent1"/>
+          </a:effectRef>
+          <a:fontRef idx="minor">
+            <a:schemeClr val="lt1"/>
+          </a:fontRef>
+        </p:style>
+        <p:txBody>
+          <a:bodyPr rtlCol="0" anchor="ctr"/>
+          <a:lstStyle/>
+          <a:p>
+            <a:pPr algn="ctr"/>
+            <a:r>
+              <a:rPr lang="en-US" sz="1100" dirty="0" smtClean="0">
+                <a:solidFill>
+                  <a:schemeClr val="tx1"/>
+                </a:solidFill>
+              </a:rPr>
+              <a:t>AT</a:t>
+            </a:r>
+            <a:endParaRPr lang="en-US" sz="1100" dirty="0">
+              <a:solidFill>
+                <a:schemeClr val="tx1"/>
+              </a:solidFill>
+            </a:endParaRPr>
+          </a:p>
+        </p:txBody>
+      </p:sp>
+      <p:sp>
+        <p:nvSpPr>
+          <p:cNvPr id="33" name="searchBar"/>
+          <p:cNvSpPr/>
+          <p:nvPr/>
+        </p:nvSpPr>
+        <p:spPr>
+          <a:xfrm>
+            <a:off x="2900597" y="501805"/>
+            <a:ext cx="346284" cy="478536"/>
+          </a:xfrm>
+          <a:prstGeom prst="rect">
+            <a:avLst/>
+          </a:prstGeom>
+          <a:solidFill>
+            <a:srgbClr val="DEEBF7">
+              <a:alpha val="50196"/>
+            </a:srgbClr>
+          </a:solidFill>
+          <a:ln w="19050"/>
+        </p:spPr>
+        <p:style>
+          <a:lnRef idx="2">
+            <a:schemeClr val="accent1">
+              <a:shade val="50000"/>
+            </a:schemeClr>
+          </a:lnRef>
+          <a:fillRef idx="1">
+            <a:schemeClr val="accent1"/>
+          </a:fillRef>
+          <a:effectRef idx="0">
+            <a:schemeClr val="accent1"/>
+          </a:effectRef>
+          <a:fontRef idx="minor">
+            <a:schemeClr val="lt1"/>
+          </a:fontRef>
+        </p:style>
+        <p:txBody>
+          <a:bodyPr rtlCol="0" anchor="ctr"/>
+          <a:lstStyle/>
+          <a:p>
+            <a:pPr algn="ctr"/>
+            <a:r>
+              <a:rPr lang="en-US" sz="1100" dirty="0">
+                <a:solidFill>
+                  <a:schemeClr val="tx1"/>
+                </a:solidFill>
+              </a:rPr>
+              <a:t>D</a:t>
+            </a:r>
+            <a:r>
+              <a:rPr lang="en-US" sz="1100" dirty="0" smtClean="0">
+                <a:solidFill>
+                  <a:schemeClr val="tx1"/>
+                </a:solidFill>
+              </a:rPr>
+              <a:t>M</a:t>
+            </a:r>
+          </a:p>
+        </p:txBody>
+      </p:sp>
+      <p:sp>
+        <p:nvSpPr>
+          <p:cNvPr id="34" name="searchBar"/>
+          <p:cNvSpPr/>
+          <p:nvPr/>
+        </p:nvSpPr>
+        <p:spPr>
+          <a:xfrm>
+            <a:off x="2241395" y="1222917"/>
+            <a:ext cx="6856423" cy="895077"/>
+          </a:xfrm>
+          <a:prstGeom prst="rect">
+            <a:avLst/>
+          </a:prstGeom>
+          <a:solidFill>
+            <a:srgbClr val="F2F2F2">
+              <a:alpha val="50196"/>
+            </a:srgbClr>
+          </a:solidFill>
+          <a:ln w="19050"/>
+        </p:spPr>
+        <p:style>
+          <a:lnRef idx="2">
+            <a:schemeClr val="accent1">
+              <a:shade val="50000"/>
+            </a:schemeClr>
+          </a:lnRef>
+          <a:fillRef idx="1">
+            <a:schemeClr val="accent1"/>
+          </a:fillRef>
+          <a:effectRef idx="0">
+            <a:schemeClr val="accent1"/>
+          </a:effectRef>
+          <a:fontRef idx="minor">
+            <a:schemeClr val="lt1"/>
+          </a:fontRef>
+        </p:style>
+        <p:txBody>
+          <a:bodyPr rtlCol="0" anchor="ctr"/>
+          <a:lstStyle/>
+          <a:p>
+            <a:pPr algn="ctr"/>
+            <a:r>
+              <a:rPr lang="en-US" sz="1100" dirty="0" smtClean="0">
+                <a:solidFill>
+                  <a:schemeClr val="tx1"/>
+                </a:solidFill>
+              </a:rPr>
+              <a:t>section</a:t>
+            </a:r>
+            <a:endParaRPr lang="en-US" sz="1100" dirty="0">
+              <a:solidFill>
+                <a:schemeClr val="tx1"/>
+              </a:solidFill>
+            </a:endParaRPr>
+          </a:p>
+        </p:txBody>
+      </p:sp>
+      <p:sp>
+        <p:nvSpPr>
+          <p:cNvPr id="35" name="searchBar"/>
+          <p:cNvSpPr/>
+          <p:nvPr/>
+        </p:nvSpPr>
+        <p:spPr>
+          <a:xfrm>
+            <a:off x="2241395" y="2304470"/>
+            <a:ext cx="5018049" cy="3847512"/>
+          </a:xfrm>
+          <a:prstGeom prst="rect">
+            <a:avLst/>
+          </a:prstGeom>
+          <a:solidFill>
+            <a:srgbClr val="F2F2F2">
+              <a:alpha val="50196"/>
+            </a:srgbClr>
+          </a:solidFill>
+          <a:ln w="19050"/>
+        </p:spPr>
+        <p:style>
+          <a:lnRef idx="2">
+            <a:schemeClr val="accent1">
+              <a:shade val="50000"/>
+            </a:schemeClr>
+          </a:lnRef>
+          <a:fillRef idx="1">
+            <a:schemeClr val="accent1"/>
+          </a:fillRef>
+          <a:effectRef idx="0">
+            <a:schemeClr val="accent1"/>
+          </a:effectRef>
+          <a:fontRef idx="minor">
+            <a:schemeClr val="lt1"/>
+          </a:fontRef>
+        </p:style>
+        <p:txBody>
+          <a:bodyPr rtlCol="0" anchor="ctr"/>
+          <a:lstStyle/>
+          <a:p>
+            <a:pPr algn="ctr"/>
+            <a:r>
+              <a:rPr lang="en-US" sz="1100" dirty="0" smtClean="0">
+                <a:solidFill>
+                  <a:schemeClr val="tx1"/>
+                </a:solidFill>
+              </a:rPr>
+              <a:t>#content</a:t>
+            </a:r>
+            <a:endParaRPr lang="en-US" sz="1100" dirty="0">
+              <a:solidFill>
+                <a:schemeClr val="tx1"/>
+              </a:solidFill>
+            </a:endParaRPr>
+          </a:p>
+        </p:txBody>
+      </p:sp>
+      <p:sp>
+        <p:nvSpPr>
+          <p:cNvPr id="43" name="searchBar"/>
+          <p:cNvSpPr/>
+          <p:nvPr/>
+        </p:nvSpPr>
+        <p:spPr>
+          <a:xfrm>
+            <a:off x="2900598" y="1347094"/>
+            <a:ext cx="5390693" cy="546721"/>
+          </a:xfrm>
+          <a:prstGeom prst="rect">
+            <a:avLst/>
+          </a:prstGeom>
+          <a:solidFill>
+            <a:srgbClr val="DEEBF7">
+              <a:alpha val="50196"/>
+            </a:srgbClr>
+          </a:solidFill>
+          <a:ln w="19050"/>
+        </p:spPr>
+        <p:style>
+          <a:lnRef idx="2">
+            <a:schemeClr val="accent1">
+              <a:shade val="50000"/>
+            </a:schemeClr>
+          </a:lnRef>
+          <a:fillRef idx="1">
+            <a:schemeClr val="accent1"/>
+          </a:fillRef>
+          <a:effectRef idx="0">
+            <a:schemeClr val="accent1"/>
+          </a:effectRef>
+          <a:fontRef idx="minor">
+            <a:schemeClr val="lt1"/>
+          </a:fontRef>
+        </p:style>
+        <p:txBody>
+          <a:bodyPr rtlCol="0" anchor="ctr"/>
+          <a:lstStyle/>
+          <a:p>
+            <a:pPr algn="ctr"/>
+            <a:r>
+              <a:rPr lang="en-US" sz="1100" dirty="0" smtClean="0">
+                <a:solidFill>
+                  <a:schemeClr val="tx1"/>
+                </a:solidFill>
+              </a:rPr>
+              <a:t>.ad_1</a:t>
+            </a:r>
+            <a:endParaRPr lang="en-US" sz="1100" dirty="0">
+              <a:solidFill>
+                <a:schemeClr val="tx1"/>
+              </a:solidFill>
+            </a:endParaRPr>
+          </a:p>
+        </p:txBody>
+      </p:sp>
+      <p:sp>
+        <p:nvSpPr>
+          <p:cNvPr id="44" name="직사각형 43"/>
+          <p:cNvSpPr/>
+          <p:nvPr/>
+        </p:nvSpPr>
+        <p:spPr>
+          <a:xfrm>
+            <a:off x="2424713" y="2547048"/>
+            <a:ext cx="4651410" cy="3294194"/>
+          </a:xfrm>
+          <a:prstGeom prst="rect">
+            <a:avLst/>
+          </a:prstGeom>
+          <a:solidFill>
+            <a:srgbClr val="FFFFFF">
+              <a:alpha val="50196"/>
+            </a:srgbClr>
+          </a:solidFill>
+          <a:ln w="19050"/>
+        </p:spPr>
+        <p:style>
+          <a:lnRef idx="2">
+            <a:schemeClr val="accent1">
+              <a:shade val="50000"/>
+            </a:schemeClr>
+          </a:lnRef>
+          <a:fillRef idx="1">
+            <a:schemeClr val="accent1"/>
+          </a:fillRef>
+          <a:effectRef idx="0">
+            <a:schemeClr val="accent1"/>
+          </a:effectRef>
+          <a:fontRef idx="minor">
+            <a:schemeClr val="lt1"/>
+          </a:fontRef>
+        </p:style>
+        <p:txBody>
+          <a:bodyPr rtlCol="0" anchor="ctr"/>
+          <a:lstStyle/>
+          <a:p>
+            <a:pPr algn="ctr"/>
+            <a:r>
+              <a:rPr lang="en-US" sz="1100" dirty="0" smtClean="0">
+                <a:solidFill>
+                  <a:schemeClr val="tx1"/>
+                </a:solidFill>
+              </a:rPr>
+              <a:t>.</a:t>
+            </a:r>
+            <a:r>
+              <a:rPr lang="en-US" sz="1100" dirty="0" err="1" smtClean="0">
+                <a:solidFill>
+                  <a:schemeClr val="tx1"/>
+                </a:solidFill>
+              </a:rPr>
+              <a:t>entry_pane</a:t>
+            </a:r>
+            <a:endParaRPr lang="en-US" sz="1100" dirty="0">
+              <a:solidFill>
+                <a:schemeClr val="tx1"/>
+              </a:solidFill>
+            </a:endParaRPr>
+          </a:p>
+        </p:txBody>
+      </p:sp>
+      <p:sp>
+        <p:nvSpPr>
+          <p:cNvPr id="54" name="searchBar"/>
+          <p:cNvSpPr/>
+          <p:nvPr/>
+        </p:nvSpPr>
+        <p:spPr>
+          <a:xfrm>
+            <a:off x="7479722" y="2304471"/>
+            <a:ext cx="1618096" cy="3857838"/>
+          </a:xfrm>
+          <a:prstGeom prst="rect">
+            <a:avLst/>
+          </a:prstGeom>
+          <a:solidFill>
+            <a:srgbClr val="F2F2F2">
+              <a:alpha val="50196"/>
+            </a:srgbClr>
+          </a:solidFill>
+          <a:ln w="19050"/>
+        </p:spPr>
+        <p:style>
+          <a:lnRef idx="2">
+            <a:schemeClr val="accent1">
+              <a:shade val="50000"/>
+            </a:schemeClr>
+          </a:lnRef>
+          <a:fillRef idx="1">
+            <a:schemeClr val="accent1"/>
+          </a:fillRef>
+          <a:effectRef idx="0">
+            <a:schemeClr val="accent1"/>
+          </a:effectRef>
+          <a:fontRef idx="minor">
+            <a:schemeClr val="lt1"/>
+          </a:fontRef>
+        </p:style>
+        <p:txBody>
+          <a:bodyPr rtlCol="0" anchor="ctr"/>
+          <a:lstStyle/>
+          <a:p>
+            <a:pPr algn="ctr"/>
+            <a:r>
+              <a:rPr lang="en-US" sz="1100" dirty="0" smtClean="0">
+                <a:solidFill>
+                  <a:schemeClr val="tx1"/>
+                </a:solidFill>
+              </a:rPr>
+              <a:t>.aside</a:t>
+            </a:r>
+            <a:endParaRPr lang="en-US" sz="1100" dirty="0">
+              <a:solidFill>
+                <a:schemeClr val="tx1"/>
+              </a:solidFill>
+            </a:endParaRPr>
+          </a:p>
+        </p:txBody>
+      </p:sp>
+      <p:sp>
+        <p:nvSpPr>
+          <p:cNvPr id="27" name="searchBar"/>
+          <p:cNvSpPr/>
+          <p:nvPr/>
+        </p:nvSpPr>
+        <p:spPr>
+          <a:xfrm>
+            <a:off x="7619334" y="2549612"/>
+            <a:ext cx="1338872" cy="837211"/>
+          </a:xfrm>
+          <a:prstGeom prst="rect">
+            <a:avLst/>
+          </a:prstGeom>
+          <a:solidFill>
+            <a:srgbClr val="DEEBF7">
+              <a:alpha val="50196"/>
+            </a:srgbClr>
+          </a:solidFill>
+          <a:ln w="19050"/>
+        </p:spPr>
+        <p:style>
+          <a:lnRef idx="2">
+            <a:schemeClr val="accent1">
+              <a:shade val="50000"/>
+            </a:schemeClr>
+          </a:lnRef>
+          <a:fillRef idx="1">
+            <a:schemeClr val="accent1"/>
+          </a:fillRef>
+          <a:effectRef idx="0">
+            <a:schemeClr val="accent1"/>
+          </a:effectRef>
+          <a:fontRef idx="minor">
+            <a:schemeClr val="lt1"/>
+          </a:fontRef>
+        </p:style>
+        <p:txBody>
+          <a:bodyPr rtlCol="0" anchor="ctr"/>
+          <a:lstStyle/>
+          <a:p>
+            <a:pPr algn="ctr"/>
+            <a:r>
+              <a:rPr lang="en-US" sz="1100" dirty="0" smtClean="0">
+                <a:solidFill>
+                  <a:schemeClr val="tx1"/>
+                </a:solidFill>
+              </a:rPr>
+              <a:t>AD</a:t>
+            </a:r>
+            <a:endParaRPr lang="en-US" sz="1100" dirty="0">
+              <a:solidFill>
+                <a:schemeClr val="tx1"/>
+              </a:solidFill>
+            </a:endParaRPr>
+          </a:p>
+        </p:txBody>
+      </p:sp>
+      <p:sp>
+        <p:nvSpPr>
+          <p:cNvPr id="42" name="searchBar"/>
+          <p:cNvSpPr/>
+          <p:nvPr/>
+        </p:nvSpPr>
+        <p:spPr>
+          <a:xfrm>
+            <a:off x="7604820" y="3573300"/>
+            <a:ext cx="1352557" cy="835654"/>
+          </a:xfrm>
+          <a:prstGeom prst="rect">
+            <a:avLst/>
+          </a:prstGeom>
+          <a:solidFill>
+            <a:srgbClr val="FFFFFF">
+              <a:alpha val="50196"/>
+            </a:srgbClr>
+          </a:solidFill>
+          <a:ln w="19050"/>
+        </p:spPr>
+        <p:style>
+          <a:lnRef idx="2">
+            <a:schemeClr val="accent1">
+              <a:shade val="50000"/>
+            </a:schemeClr>
+          </a:lnRef>
+          <a:fillRef idx="1">
+            <a:schemeClr val="accent1"/>
+          </a:fillRef>
+          <a:effectRef idx="0">
+            <a:schemeClr val="accent1"/>
+          </a:effectRef>
+          <a:fontRef idx="minor">
+            <a:schemeClr val="lt1"/>
+          </a:fontRef>
+        </p:style>
+        <p:txBody>
+          <a:bodyPr rtlCol="0" anchor="ctr"/>
+          <a:lstStyle/>
+          <a:p>
+            <a:pPr algn="ctr"/>
+            <a:r>
+              <a:rPr lang="en-US" sz="1100" dirty="0" smtClean="0">
+                <a:solidFill>
+                  <a:schemeClr val="tx1"/>
+                </a:solidFill>
+              </a:rPr>
+              <a:t>SN</a:t>
+            </a:r>
+            <a:endParaRPr lang="en-US" sz="1100" dirty="0">
+              <a:solidFill>
+                <a:schemeClr val="tx1"/>
+              </a:solidFill>
+            </a:endParaRPr>
+          </a:p>
+        </p:txBody>
+      </p:sp>
+      <p:sp>
+        <p:nvSpPr>
+          <p:cNvPr id="19" name="searchBar"/>
+          <p:cNvSpPr/>
+          <p:nvPr/>
+        </p:nvSpPr>
+        <p:spPr>
+          <a:xfrm>
+            <a:off x="13181" y="501804"/>
+            <a:ext cx="1218817" cy="493653"/>
+          </a:xfrm>
+          <a:prstGeom prst="rect">
+            <a:avLst/>
+          </a:prstGeom>
+          <a:solidFill>
+            <a:srgbClr val="DEEBF7">
+              <a:alpha val="50196"/>
+            </a:srgbClr>
+          </a:solidFill>
+          <a:ln w="19050"/>
+        </p:spPr>
+        <p:style>
+          <a:lnRef idx="2">
+            <a:schemeClr val="accent1">
+              <a:shade val="50000"/>
+            </a:schemeClr>
+          </a:lnRef>
+          <a:fillRef idx="1">
+            <a:schemeClr val="accent1"/>
+          </a:fillRef>
+          <a:effectRef idx="0">
+            <a:schemeClr val="accent1"/>
+          </a:effectRef>
+          <a:fontRef idx="minor">
+            <a:schemeClr val="lt1"/>
+          </a:fontRef>
+        </p:style>
+        <p:txBody>
+          <a:bodyPr rtlCol="0" anchor="ctr"/>
+          <a:lstStyle/>
+          <a:p>
+            <a:pPr algn="ctr"/>
+            <a:r>
+              <a:rPr lang="en-US" sz="1100" dirty="0" smtClean="0">
+                <a:solidFill>
+                  <a:schemeClr val="tx1"/>
+                </a:solidFill>
+              </a:rPr>
+              <a:t>ABORT</a:t>
+            </a:r>
+            <a:endParaRPr lang="en-US" sz="1100" dirty="0">
+              <a:solidFill>
+                <a:schemeClr val="tx1"/>
+              </a:solidFill>
+            </a:endParaRPr>
+          </a:p>
+        </p:txBody>
+      </p:sp>
+    </p:spTree>
+    <p:extLst>
+      <p:ext uri="{BB962C8B-B14F-4D97-AF65-F5344CB8AC3E}">
+        <p14:creationId xmlns:p14="http://schemas.microsoft.com/office/powerpoint/2010/main" val="2188579836"/>
       </p:ext>
     </p:extLst>
   </p:cSld>
